--- a/docs/slides/PSYC753_L1_SimpleRegression.pptx
+++ b/docs/slides/PSYC753_L1_SimpleRegression.pptx
@@ -6551,7 +6551,15 @@
             </a:r>
             <a:r>
               <a:rPr lang="en-GB" sz="2200" dirty="0"/>
-              <a:t>score  were equal to zero, the </a:t>
+              <a:t>score </a:t>
+            </a:r>
+            <a:r>
+              <a:rPr lang="en-GB" sz="2200" dirty="0" smtClean="0"/>
+              <a:t>were </a:t>
+            </a:r>
+            <a:r>
+              <a:rPr lang="en-GB" sz="2200" dirty="0"/>
+              <a:t>equal to zero, the </a:t>
             </a:r>
             <a:r>
               <a:rPr lang="en-GB" sz="2200" dirty="0" smtClean="0"/>
@@ -12145,9 +12153,9 @@
           <p:nvPr/>
         </p:nvCxnSpPr>
         <p:spPr>
-          <a:xfrm flipH="1">
-            <a:off x="5071355" y="3874812"/>
-            <a:ext cx="1" cy="1430351"/>
+          <a:xfrm>
+            <a:off x="5071355" y="3913740"/>
+            <a:ext cx="0" cy="1176386"/>
           </a:xfrm>
           <a:prstGeom prst="line">
             <a:avLst/>
@@ -12179,8 +12187,8 @@
         </p:nvCxnSpPr>
         <p:spPr>
           <a:xfrm>
-            <a:off x="4695931" y="3946300"/>
-            <a:ext cx="0" cy="1143826"/>
+            <a:off x="4721331" y="4017243"/>
+            <a:ext cx="0" cy="1072883"/>
           </a:xfrm>
           <a:prstGeom prst="line">
             <a:avLst/>
@@ -13872,6 +13880,76 @@
                                   </p:childTnLst>
                                 </p:cTn>
                               </p:par>
+                              <p:par>
+                                <p:cTn id="13" presetID="10" presetClass="entr" presetSubtype="0" fill="hold" grpId="0" nodeType="withEffect">
+                                  <p:stCondLst>
+                                    <p:cond delay="0"/>
+                                  </p:stCondLst>
+                                  <p:childTnLst>
+                                    <p:set>
+                                      <p:cBhvr>
+                                        <p:cTn id="14" dur="1" fill="hold">
+                                          <p:stCondLst>
+                                            <p:cond delay="0"/>
+                                          </p:stCondLst>
+                                        </p:cTn>
+                                        <p:tgtEl>
+                                          <p:spTgt spid="13"/>
+                                        </p:tgtEl>
+                                        <p:attrNameLst>
+                                          <p:attrName>style.visibility</p:attrName>
+                                        </p:attrNameLst>
+                                      </p:cBhvr>
+                                      <p:to>
+                                        <p:strVal val="visible"/>
+                                      </p:to>
+                                    </p:set>
+                                    <p:animEffect transition="in" filter="fade">
+                                      <p:cBhvr>
+                                        <p:cTn id="15" dur="500"/>
+                                        <p:tgtEl>
+                                          <p:spTgt spid="13"/>
+                                        </p:tgtEl>
+                                      </p:cBhvr>
+                                    </p:animEffect>
+                                  </p:childTnLst>
+                                </p:cTn>
+                              </p:par>
+                              <p:par>
+                                <p:cTn id="16" presetID="10" presetClass="entr" presetSubtype="0" fill="hold" grpId="0" nodeType="withEffect">
+                                  <p:stCondLst>
+                                    <p:cond delay="0"/>
+                                  </p:stCondLst>
+                                  <p:childTnLst>
+                                    <p:set>
+                                      <p:cBhvr>
+                                        <p:cTn id="17" dur="1" fill="hold">
+                                          <p:stCondLst>
+                                            <p:cond delay="0"/>
+                                          </p:stCondLst>
+                                        </p:cTn>
+                                        <p:tgtEl>
+                                          <p:spTgt spid="14"/>
+                                        </p:tgtEl>
+                                        <p:attrNameLst>
+                                          <p:attrName>style.visibility</p:attrName>
+                                        </p:attrNameLst>
+                                      </p:cBhvr>
+                                      <p:to>
+                                        <p:strVal val="visible"/>
+                                      </p:to>
+                                    </p:set>
+                                    <p:animEffect transition="in" filter="fade">
+                                      <p:cBhvr>
+                                        <p:cTn id="18" dur="500"/>
+                                        <p:tgtEl>
+                                          <p:spTgt spid="14"/>
+                                        </p:tgtEl>
+                                      </p:cBhvr>
+                                    </p:animEffect>
+                                  </p:childTnLst>
+                                </p:cTn>
+                              </p:par>
                             </p:childTnLst>
                           </p:cTn>
                         </p:par>
@@ -13879,26 +13957,26 @@
                     </p:cTn>
                   </p:par>
                   <p:par>
-                    <p:cTn id="13" fill="hold">
+                    <p:cTn id="19" fill="hold">
                       <p:stCondLst>
                         <p:cond delay="indefinite"/>
                       </p:stCondLst>
                       <p:childTnLst>
                         <p:par>
-                          <p:cTn id="14" fill="hold">
+                          <p:cTn id="20" fill="hold">
                             <p:stCondLst>
                               <p:cond delay="0"/>
                             </p:stCondLst>
                             <p:childTnLst>
                               <p:par>
-                                <p:cTn id="15" presetID="10" presetClass="entr" presetSubtype="0" fill="hold" nodeType="clickEffect">
+                                <p:cTn id="21" presetID="10" presetClass="entr" presetSubtype="0" fill="hold" nodeType="clickEffect">
                                   <p:stCondLst>
                                     <p:cond delay="0"/>
                                   </p:stCondLst>
                                   <p:childTnLst>
                                     <p:set>
                                       <p:cBhvr>
-                                        <p:cTn id="16" dur="1" fill="hold">
+                                        <p:cTn id="22" dur="1" fill="hold">
                                           <p:stCondLst>
                                             <p:cond delay="0"/>
                                           </p:stCondLst>
@@ -13916,7 +13994,7 @@
                                     </p:set>
                                     <p:animEffect transition="in" filter="fade">
                                       <p:cBhvr>
-                                        <p:cTn id="17" dur="500"/>
+                                        <p:cTn id="23" dur="500"/>
                                         <p:tgtEl>
                                           <p:spTgt spid="7"/>
                                         </p:tgtEl>
@@ -13926,14 +14004,14 @@
                                 </p:cTn>
                               </p:par>
                               <p:par>
-                                <p:cTn id="18" presetID="10" presetClass="entr" presetSubtype="0" fill="hold" grpId="0" nodeType="withEffect">
+                                <p:cTn id="24" presetID="10" presetClass="entr" presetSubtype="0" fill="hold" grpId="0" nodeType="withEffect">
                                   <p:stCondLst>
                                     <p:cond delay="0"/>
                                   </p:stCondLst>
                                   <p:childTnLst>
                                     <p:set>
                                       <p:cBhvr>
-                                        <p:cTn id="19" dur="1" fill="hold">
+                                        <p:cTn id="25" dur="1" fill="hold">
                                           <p:stCondLst>
                                             <p:cond delay="0"/>
                                           </p:stCondLst>
@@ -13951,7 +14029,7 @@
                                     </p:set>
                                     <p:animEffect transition="in" filter="fade">
                                       <p:cBhvr>
-                                        <p:cTn id="20" dur="500"/>
+                                        <p:cTn id="26" dur="500"/>
                                         <p:tgtEl>
                                           <p:spTgt spid="11"/>
                                         </p:tgtEl>
@@ -13967,89 +14045,19 @@
                     </p:cTn>
                   </p:par>
                   <p:par>
-                    <p:cTn id="21" fill="hold">
+                    <p:cTn id="27" fill="hold">
                       <p:stCondLst>
                         <p:cond delay="indefinite"/>
                       </p:stCondLst>
                       <p:childTnLst>
                         <p:par>
-                          <p:cTn id="22" fill="hold">
+                          <p:cTn id="28" fill="hold">
                             <p:stCondLst>
                               <p:cond delay="0"/>
                             </p:stCondLst>
                             <p:childTnLst>
                               <p:par>
-                                <p:cTn id="23" presetID="10" presetClass="entr" presetSubtype="0" fill="hold" nodeType="clickEffect">
-                                  <p:stCondLst>
-                                    <p:cond delay="0"/>
-                                  </p:stCondLst>
-                                  <p:childTnLst>
-                                    <p:set>
-                                      <p:cBhvr>
-                                        <p:cTn id="24" dur="1" fill="hold">
-                                          <p:stCondLst>
-                                            <p:cond delay="0"/>
-                                          </p:stCondLst>
-                                        </p:cTn>
-                                        <p:tgtEl>
-                                          <p:spTgt spid="12"/>
-                                        </p:tgtEl>
-                                        <p:attrNameLst>
-                                          <p:attrName>style.visibility</p:attrName>
-                                        </p:attrNameLst>
-                                      </p:cBhvr>
-                                      <p:to>
-                                        <p:strVal val="visible"/>
-                                      </p:to>
-                                    </p:set>
-                                    <p:animEffect transition="in" filter="fade">
-                                      <p:cBhvr>
-                                        <p:cTn id="25" dur="500"/>
-                                        <p:tgtEl>
-                                          <p:spTgt spid="12"/>
-                                        </p:tgtEl>
-                                      </p:cBhvr>
-                                    </p:animEffect>
-                                  </p:childTnLst>
-                                </p:cTn>
-                              </p:par>
-                              <p:par>
-                                <p:cTn id="26" presetID="10" presetClass="entr" presetSubtype="0" fill="hold" nodeType="withEffect">
-                                  <p:stCondLst>
-                                    <p:cond delay="0"/>
-                                  </p:stCondLst>
-                                  <p:childTnLst>
-                                    <p:set>
-                                      <p:cBhvr>
-                                        <p:cTn id="27" dur="1" fill="hold">
-                                          <p:stCondLst>
-                                            <p:cond delay="0"/>
-                                          </p:stCondLst>
-                                        </p:cTn>
-                                        <p:tgtEl>
-                                          <p:spTgt spid="8"/>
-                                        </p:tgtEl>
-                                        <p:attrNameLst>
-                                          <p:attrName>style.visibility</p:attrName>
-                                        </p:attrNameLst>
-                                      </p:cBhvr>
-                                      <p:to>
-                                        <p:strVal val="visible"/>
-                                      </p:to>
-                                    </p:set>
-                                    <p:animEffect transition="in" filter="fade">
-                                      <p:cBhvr>
-                                        <p:cTn id="28" dur="500"/>
-                                        <p:tgtEl>
-                                          <p:spTgt spid="8"/>
-                                        </p:tgtEl>
-                                      </p:cBhvr>
-                                    </p:animEffect>
-                                  </p:childTnLst>
-                                </p:cTn>
-                              </p:par>
-                              <p:par>
-                                <p:cTn id="29" presetID="10" presetClass="entr" presetSubtype="0" fill="hold" nodeType="withEffect">
+                                <p:cTn id="29" presetID="10" presetClass="entr" presetSubtype="0" fill="hold" nodeType="clickEffect">
                                   <p:stCondLst>
                                     <p:cond delay="0"/>
                                   </p:stCondLst>
@@ -14062,7 +14070,11 @@
                                           </p:stCondLst>
                                         </p:cTn>
                                         <p:tgtEl>
-                                          <p:spTgt spid="10"/>
+                                          <p:spTgt spid="3">
+                                            <p:txEl>
+                                              <p:pRg st="4" end="4"/>
+                                            </p:txEl>
+                                          </p:spTgt>
                                         </p:tgtEl>
                                         <p:attrNameLst>
                                           <p:attrName>style.visibility</p:attrName>
@@ -14076,7 +14088,11 @@
                                       <p:cBhvr>
                                         <p:cTn id="31" dur="500"/>
                                         <p:tgtEl>
-                                          <p:spTgt spid="10"/>
+                                          <p:spTgt spid="3">
+                                            <p:txEl>
+                                              <p:pRg st="4" end="4"/>
+                                            </p:txEl>
+                                          </p:spTgt>
                                         </p:tgtEl>
                                       </p:cBhvr>
                                     </p:animEffect>
@@ -14117,7 +14133,7 @@
                                         <p:tgtEl>
                                           <p:spTgt spid="3">
                                             <p:txEl>
-                                              <p:pRg st="4" end="4"/>
+                                              <p:pRg st="5" end="5"/>
                                             </p:txEl>
                                           </p:spTgt>
                                         </p:tgtEl>
@@ -14135,7 +14151,7 @@
                                         <p:tgtEl>
                                           <p:spTgt spid="3">
                                             <p:txEl>
-                                              <p:pRg st="4" end="4"/>
+                                              <p:pRg st="5" end="5"/>
                                             </p:txEl>
                                           </p:spTgt>
                                         </p:tgtEl>
@@ -14176,11 +14192,7 @@
                                           </p:stCondLst>
                                         </p:cTn>
                                         <p:tgtEl>
-                                          <p:spTgt spid="3">
-                                            <p:txEl>
-                                              <p:pRg st="5" end="5"/>
-                                            </p:txEl>
-                                          </p:spTgt>
+                                          <p:spTgt spid="12"/>
                                         </p:tgtEl>
                                         <p:attrNameLst>
                                           <p:attrName>style.visibility</p:attrName>
@@ -14194,11 +14206,7 @@
                                       <p:cBhvr>
                                         <p:cTn id="41" dur="500"/>
                                         <p:tgtEl>
-                                          <p:spTgt spid="3">
-                                            <p:txEl>
-                                              <p:pRg st="5" end="5"/>
-                                            </p:txEl>
-                                          </p:spTgt>
+                                          <p:spTgt spid="12"/>
                                         </p:tgtEl>
                                       </p:cBhvr>
                                     </p:animEffect>
@@ -14206,7 +14214,7 @@
                                 </p:cTn>
                               </p:par>
                               <p:par>
-                                <p:cTn id="42" presetID="10" presetClass="entr" presetSubtype="0" fill="hold" grpId="0" nodeType="withEffect">
+                                <p:cTn id="42" presetID="10" presetClass="entr" presetSubtype="0" fill="hold" nodeType="withEffect">
                                   <p:stCondLst>
                                     <p:cond delay="0"/>
                                   </p:stCondLst>
@@ -14219,7 +14227,7 @@
                                           </p:stCondLst>
                                         </p:cTn>
                                         <p:tgtEl>
-                                          <p:spTgt spid="13"/>
+                                          <p:spTgt spid="8"/>
                                         </p:tgtEl>
                                         <p:attrNameLst>
                                           <p:attrName>style.visibility</p:attrName>
@@ -14233,7 +14241,7 @@
                                       <p:cBhvr>
                                         <p:cTn id="44" dur="500"/>
                                         <p:tgtEl>
-                                          <p:spTgt spid="13"/>
+                                          <p:spTgt spid="8"/>
                                         </p:tgtEl>
                                       </p:cBhvr>
                                     </p:animEffect>
@@ -14241,7 +14249,7 @@
                                 </p:cTn>
                               </p:par>
                               <p:par>
-                                <p:cTn id="45" presetID="10" presetClass="entr" presetSubtype="0" fill="hold" grpId="0" nodeType="withEffect">
+                                <p:cTn id="45" presetID="10" presetClass="entr" presetSubtype="0" fill="hold" nodeType="withEffect">
                                   <p:stCondLst>
                                     <p:cond delay="0"/>
                                   </p:stCondLst>
@@ -14254,7 +14262,7 @@
                                           </p:stCondLst>
                                         </p:cTn>
                                         <p:tgtEl>
-                                          <p:spTgt spid="14"/>
+                                          <p:spTgt spid="10"/>
                                         </p:tgtEl>
                                         <p:attrNameLst>
                                           <p:attrName>style.visibility</p:attrName>
@@ -14268,7 +14276,7 @@
                                       <p:cBhvr>
                                         <p:cTn id="47" dur="500"/>
                                         <p:tgtEl>
-                                          <p:spTgt spid="14"/>
+                                          <p:spTgt spid="10"/>
                                         </p:tgtEl>
                                       </p:cBhvr>
                                     </p:animEffect>
@@ -14464,7 +14472,7 @@
           <a:p>
             <a:r>
               <a:rPr lang="en-GB" dirty="0" smtClean="0"/>
-              <a:t>Automatically performed by statistical software (e.g., R Studio)</a:t>
+              <a:t>Automatically obtained by statistical software (e.g., R Studio)</a:t>
             </a:r>
             <a:endParaRPr lang="en-GB" dirty="0"/>
           </a:p>
@@ -14519,13 +14527,13 @@
               </a:ext>
             </a:extLst>
           </a:blip>
-          <a:srcRect l="36822" t="10346"/>
+          <a:srcRect l="36822" t="10346" b="3068"/>
           <a:stretch/>
         </p:blipFill>
         <p:spPr bwMode="auto">
           <a:xfrm>
             <a:off x="6357007" y="1752599"/>
-            <a:ext cx="4879428" cy="4418397"/>
+            <a:ext cx="4879428" cy="4267201"/>
           </a:xfrm>
           <a:prstGeom prst="rect">
             <a:avLst/>
@@ -15503,7 +15511,7 @@
                   <a:schemeClr val="tx2"/>
                 </a:solidFill>
               </a:rPr>
-              <a:t>4 hours</a:t>
+              <a:t>10 hours</a:t>
             </a:r>
             <a:r>
               <a:rPr lang="en-GB" sz="2300" dirty="0" smtClean="0"/>
@@ -15881,7 +15889,7 @@
                             </p:stCondLst>
                             <p:childTnLst>
                               <p:par>
-                                <p:cTn id="15" presetID="10" presetClass="entr" presetSubtype="0" fill="hold" nodeType="clickEffect">
+                                <p:cTn id="15" presetID="2" presetClass="entr" presetSubtype="4" fill="hold" nodeType="clickEffect">
                                   <p:stCondLst>
                                     <p:cond delay="0"/>
                                   </p:stCondLst>
@@ -15889,232 +15897,6 @@
                                     <p:set>
                                       <p:cBhvr>
                                         <p:cTn id="16" dur="1" fill="hold">
-                                          <p:stCondLst>
-                                            <p:cond delay="0"/>
-                                          </p:stCondLst>
-                                        </p:cTn>
-                                        <p:tgtEl>
-                                          <p:spTgt spid="10">
-                                            <p:txEl>
-                                              <p:pRg st="4" end="4"/>
-                                            </p:txEl>
-                                          </p:spTgt>
-                                        </p:tgtEl>
-                                        <p:attrNameLst>
-                                          <p:attrName>style.visibility</p:attrName>
-                                        </p:attrNameLst>
-                                      </p:cBhvr>
-                                      <p:to>
-                                        <p:strVal val="visible"/>
-                                      </p:to>
-                                    </p:set>
-                                    <p:animEffect transition="in" filter="fade">
-                                      <p:cBhvr>
-                                        <p:cTn id="17" dur="500"/>
-                                        <p:tgtEl>
-                                          <p:spTgt spid="10">
-                                            <p:txEl>
-                                              <p:pRg st="4" end="4"/>
-                                            </p:txEl>
-                                          </p:spTgt>
-                                        </p:tgtEl>
-                                      </p:cBhvr>
-                                    </p:animEffect>
-                                  </p:childTnLst>
-                                </p:cTn>
-                              </p:par>
-                            </p:childTnLst>
-                          </p:cTn>
-                        </p:par>
-                      </p:childTnLst>
-                    </p:cTn>
-                  </p:par>
-                  <p:par>
-                    <p:cTn id="18" fill="hold">
-                      <p:stCondLst>
-                        <p:cond delay="indefinite"/>
-                      </p:stCondLst>
-                      <p:childTnLst>
-                        <p:par>
-                          <p:cTn id="19" fill="hold">
-                            <p:stCondLst>
-                              <p:cond delay="0"/>
-                            </p:stCondLst>
-                            <p:childTnLst>
-                              <p:par>
-                                <p:cTn id="20" presetID="10" presetClass="entr" presetSubtype="0" fill="hold" nodeType="clickEffect">
-                                  <p:stCondLst>
-                                    <p:cond delay="0"/>
-                                  </p:stCondLst>
-                                  <p:childTnLst>
-                                    <p:set>
-                                      <p:cBhvr>
-                                        <p:cTn id="21" dur="1" fill="hold">
-                                          <p:stCondLst>
-                                            <p:cond delay="0"/>
-                                          </p:stCondLst>
-                                        </p:cTn>
-                                        <p:tgtEl>
-                                          <p:spTgt spid="10">
-                                            <p:txEl>
-                                              <p:pRg st="6" end="6"/>
-                                            </p:txEl>
-                                          </p:spTgt>
-                                        </p:tgtEl>
-                                        <p:attrNameLst>
-                                          <p:attrName>style.visibility</p:attrName>
-                                        </p:attrNameLst>
-                                      </p:cBhvr>
-                                      <p:to>
-                                        <p:strVal val="visible"/>
-                                      </p:to>
-                                    </p:set>
-                                    <p:animEffect transition="in" filter="fade">
-                                      <p:cBhvr>
-                                        <p:cTn id="22" dur="500"/>
-                                        <p:tgtEl>
-                                          <p:spTgt spid="10">
-                                            <p:txEl>
-                                              <p:pRg st="6" end="6"/>
-                                            </p:txEl>
-                                          </p:spTgt>
-                                        </p:tgtEl>
-                                      </p:cBhvr>
-                                    </p:animEffect>
-                                  </p:childTnLst>
-                                </p:cTn>
-                              </p:par>
-                              <p:par>
-                                <p:cTn id="23" presetID="10" presetClass="entr" presetSubtype="0" fill="hold" nodeType="withEffect">
-                                  <p:stCondLst>
-                                    <p:cond delay="0"/>
-                                  </p:stCondLst>
-                                  <p:childTnLst>
-                                    <p:set>
-                                      <p:cBhvr>
-                                        <p:cTn id="24" dur="1" fill="hold">
-                                          <p:stCondLst>
-                                            <p:cond delay="0"/>
-                                          </p:stCondLst>
-                                        </p:cTn>
-                                        <p:tgtEl>
-                                          <p:spTgt spid="10">
-                                            <p:txEl>
-                                              <p:pRg st="7" end="7"/>
-                                            </p:txEl>
-                                          </p:spTgt>
-                                        </p:tgtEl>
-                                        <p:attrNameLst>
-                                          <p:attrName>style.visibility</p:attrName>
-                                        </p:attrNameLst>
-                                      </p:cBhvr>
-                                      <p:to>
-                                        <p:strVal val="visible"/>
-                                      </p:to>
-                                    </p:set>
-                                    <p:animEffect transition="in" filter="fade">
-                                      <p:cBhvr>
-                                        <p:cTn id="25" dur="500"/>
-                                        <p:tgtEl>
-                                          <p:spTgt spid="10">
-                                            <p:txEl>
-                                              <p:pRg st="7" end="7"/>
-                                            </p:txEl>
-                                          </p:spTgt>
-                                        </p:tgtEl>
-                                      </p:cBhvr>
-                                    </p:animEffect>
-                                  </p:childTnLst>
-                                </p:cTn>
-                              </p:par>
-                            </p:childTnLst>
-                          </p:cTn>
-                        </p:par>
-                      </p:childTnLst>
-                    </p:cTn>
-                  </p:par>
-                  <p:par>
-                    <p:cTn id="26" fill="hold">
-                      <p:stCondLst>
-                        <p:cond delay="indefinite"/>
-                      </p:stCondLst>
-                      <p:childTnLst>
-                        <p:par>
-                          <p:cTn id="27" fill="hold">
-                            <p:stCondLst>
-                              <p:cond delay="0"/>
-                            </p:stCondLst>
-                            <p:childTnLst>
-                              <p:par>
-                                <p:cTn id="28" presetID="10" presetClass="entr" presetSubtype="0" fill="hold" nodeType="clickEffect">
-                                  <p:stCondLst>
-                                    <p:cond delay="0"/>
-                                  </p:stCondLst>
-                                  <p:childTnLst>
-                                    <p:set>
-                                      <p:cBhvr>
-                                        <p:cTn id="29" dur="1" fill="hold">
-                                          <p:stCondLst>
-                                            <p:cond delay="0"/>
-                                          </p:stCondLst>
-                                        </p:cTn>
-                                        <p:tgtEl>
-                                          <p:spTgt spid="10">
-                                            <p:txEl>
-                                              <p:pRg st="9" end="9"/>
-                                            </p:txEl>
-                                          </p:spTgt>
-                                        </p:tgtEl>
-                                        <p:attrNameLst>
-                                          <p:attrName>style.visibility</p:attrName>
-                                        </p:attrNameLst>
-                                      </p:cBhvr>
-                                      <p:to>
-                                        <p:strVal val="visible"/>
-                                      </p:to>
-                                    </p:set>
-                                    <p:animEffect transition="in" filter="fade">
-                                      <p:cBhvr>
-                                        <p:cTn id="30" dur="500"/>
-                                        <p:tgtEl>
-                                          <p:spTgt spid="10">
-                                            <p:txEl>
-                                              <p:pRg st="9" end="9"/>
-                                            </p:txEl>
-                                          </p:spTgt>
-                                        </p:tgtEl>
-                                      </p:cBhvr>
-                                    </p:animEffect>
-                                  </p:childTnLst>
-                                </p:cTn>
-                              </p:par>
-                            </p:childTnLst>
-                          </p:cTn>
-                        </p:par>
-                      </p:childTnLst>
-                    </p:cTn>
-                  </p:par>
-                  <p:par>
-                    <p:cTn id="31" fill="hold">
-                      <p:stCondLst>
-                        <p:cond delay="indefinite"/>
-                      </p:stCondLst>
-                      <p:childTnLst>
-                        <p:par>
-                          <p:cTn id="32" fill="hold">
-                            <p:stCondLst>
-                              <p:cond delay="0"/>
-                            </p:stCondLst>
-                            <p:childTnLst>
-                              <p:par>
-                                <p:cTn id="33" presetID="2" presetClass="entr" presetSubtype="4" fill="hold" nodeType="clickEffect">
-                                  <p:stCondLst>
-                                    <p:cond delay="0"/>
-                                  </p:stCondLst>
-                                  <p:childTnLst>
-                                    <p:set>
-                                      <p:cBhvr>
-                                        <p:cTn id="34" dur="1" fill="hold">
                                           <p:stCondLst>
                                             <p:cond delay="0"/>
                                           </p:stCondLst>
@@ -16132,7 +15914,7 @@
                                     </p:set>
                                     <p:anim calcmode="lin" valueType="num">
                                       <p:cBhvr additive="base">
-                                        <p:cTn id="35" dur="500" fill="hold"/>
+                                        <p:cTn id="17" dur="500" fill="hold"/>
                                         <p:tgtEl>
                                           <p:spTgt spid="5"/>
                                         </p:tgtEl>
@@ -16155,7 +15937,7 @@
                                     </p:anim>
                                     <p:anim calcmode="lin" valueType="num">
                                       <p:cBhvr additive="base">
-                                        <p:cTn id="36" dur="500" fill="hold"/>
+                                        <p:cTn id="18" dur="500" fill="hold"/>
                                         <p:tgtEl>
                                           <p:spTgt spid="5"/>
                                         </p:tgtEl>
@@ -16186,26 +15968,26 @@
                     </p:cTn>
                   </p:par>
                   <p:par>
-                    <p:cTn id="37" fill="hold">
+                    <p:cTn id="19" fill="hold">
                       <p:stCondLst>
                         <p:cond delay="indefinite"/>
                       </p:stCondLst>
                       <p:childTnLst>
                         <p:par>
-                          <p:cTn id="38" fill="hold">
+                          <p:cTn id="20" fill="hold">
                             <p:stCondLst>
                               <p:cond delay="0"/>
                             </p:stCondLst>
                             <p:childTnLst>
                               <p:par>
-                                <p:cTn id="39" presetID="2" presetClass="entr" presetSubtype="4" fill="hold" nodeType="clickEffect">
+                                <p:cTn id="21" presetID="2" presetClass="entr" presetSubtype="4" fill="hold" nodeType="clickEffect">
                                   <p:stCondLst>
                                     <p:cond delay="0"/>
                                   </p:stCondLst>
                                   <p:childTnLst>
                                     <p:set>
                                       <p:cBhvr>
-                                        <p:cTn id="40" dur="1" fill="hold">
+                                        <p:cTn id="22" dur="1" fill="hold">
                                           <p:stCondLst>
                                             <p:cond delay="0"/>
                                           </p:stCondLst>
@@ -16223,7 +16005,7 @@
                                     </p:set>
                                     <p:anim calcmode="lin" valueType="num">
                                       <p:cBhvr additive="base">
-                                        <p:cTn id="41" dur="500" fill="hold"/>
+                                        <p:cTn id="23" dur="500" fill="hold"/>
                                         <p:tgtEl>
                                           <p:spTgt spid="12"/>
                                         </p:tgtEl>
@@ -16246,7 +16028,7 @@
                                     </p:anim>
                                     <p:anim calcmode="lin" valueType="num">
                                       <p:cBhvr additive="base">
-                                        <p:cTn id="42" dur="500" fill="hold"/>
+                                        <p:cTn id="24" dur="500" fill="hold"/>
                                         <p:tgtEl>
                                           <p:spTgt spid="12"/>
                                         </p:tgtEl>
@@ -16277,26 +16059,26 @@
                     </p:cTn>
                   </p:par>
                   <p:par>
-                    <p:cTn id="43" fill="hold">
+                    <p:cTn id="25" fill="hold">
                       <p:stCondLst>
                         <p:cond delay="indefinite"/>
                       </p:stCondLst>
                       <p:childTnLst>
                         <p:par>
-                          <p:cTn id="44" fill="hold">
+                          <p:cTn id="26" fill="hold">
                             <p:stCondLst>
                               <p:cond delay="0"/>
                             </p:stCondLst>
                             <p:childTnLst>
                               <p:par>
-                                <p:cTn id="45" presetID="42" presetClass="entr" presetSubtype="0" fill="hold" grpId="0" nodeType="clickEffect">
+                                <p:cTn id="27" presetID="42" presetClass="entr" presetSubtype="0" fill="hold" grpId="0" nodeType="clickEffect">
                                   <p:stCondLst>
                                     <p:cond delay="0"/>
                                   </p:stCondLst>
                                   <p:childTnLst>
                                     <p:set>
                                       <p:cBhvr>
-                                        <p:cTn id="46" dur="1" fill="hold">
+                                        <p:cTn id="28" dur="1" fill="hold">
                                           <p:stCondLst>
                                             <p:cond delay="0"/>
                                           </p:stCondLst>
@@ -16314,7 +16096,7 @@
                                     </p:set>
                                     <p:animEffect transition="in" filter="fade">
                                       <p:cBhvr>
-                                        <p:cTn id="47" dur="1000"/>
+                                        <p:cTn id="29" dur="1000"/>
                                         <p:tgtEl>
                                           <p:spTgt spid="9"/>
                                         </p:tgtEl>
@@ -16322,7 +16104,7 @@
                                     </p:animEffect>
                                     <p:anim calcmode="lin" valueType="num">
                                       <p:cBhvr>
-                                        <p:cTn id="48" dur="1000" fill="hold"/>
+                                        <p:cTn id="30" dur="1000" fill="hold"/>
                                         <p:tgtEl>
                                           <p:spTgt spid="9"/>
                                         </p:tgtEl>
@@ -16345,7 +16127,7 @@
                                     </p:anim>
                                     <p:anim calcmode="lin" valueType="num">
                                       <p:cBhvr>
-                                        <p:cTn id="49" dur="1000" fill="hold"/>
+                                        <p:cTn id="31" dur="1000" fill="hold"/>
                                         <p:tgtEl>
                                           <p:spTgt spid="9"/>
                                         </p:tgtEl>
@@ -16369,21 +16151,43 @@
                                   </p:childTnLst>
                                 </p:cTn>
                               </p:par>
+                            </p:childTnLst>
+                          </p:cTn>
+                        </p:par>
+                      </p:childTnLst>
+                    </p:cTn>
+                  </p:par>
+                  <p:par>
+                    <p:cTn id="32" fill="hold">
+                      <p:stCondLst>
+                        <p:cond delay="indefinite"/>
+                      </p:stCondLst>
+                      <p:childTnLst>
+                        <p:par>
+                          <p:cTn id="33" fill="hold">
+                            <p:stCondLst>
+                              <p:cond delay="0"/>
+                            </p:stCondLst>
+                            <p:childTnLst>
                               <p:par>
-                                <p:cTn id="50" presetID="10" presetClass="entr" presetSubtype="0" fill="hold" nodeType="withEffect">
+                                <p:cTn id="34" presetID="10" presetClass="entr" presetSubtype="0" fill="hold" nodeType="clickEffect">
                                   <p:stCondLst>
                                     <p:cond delay="0"/>
                                   </p:stCondLst>
                                   <p:childTnLst>
                                     <p:set>
                                       <p:cBhvr>
-                                        <p:cTn id="51" dur="1" fill="hold">
+                                        <p:cTn id="35" dur="1" fill="hold">
                                           <p:stCondLst>
                                             <p:cond delay="0"/>
                                           </p:stCondLst>
                                         </p:cTn>
                                         <p:tgtEl>
-                                          <p:spTgt spid="14"/>
+                                          <p:spTgt spid="10">
+                                            <p:txEl>
+                                              <p:pRg st="4" end="4"/>
+                                            </p:txEl>
+                                          </p:spTgt>
                                         </p:tgtEl>
                                         <p:attrNameLst>
                                           <p:attrName>style.visibility</p:attrName>
@@ -16395,9 +16199,178 @@
                                     </p:set>
                                     <p:animEffect transition="in" filter="fade">
                                       <p:cBhvr>
-                                        <p:cTn id="52" dur="500"/>
+                                        <p:cTn id="36" dur="500"/>
                                         <p:tgtEl>
-                                          <p:spTgt spid="14"/>
+                                          <p:spTgt spid="10">
+                                            <p:txEl>
+                                              <p:pRg st="4" end="4"/>
+                                            </p:txEl>
+                                          </p:spTgt>
+                                        </p:tgtEl>
+                                      </p:cBhvr>
+                                    </p:animEffect>
+                                  </p:childTnLst>
+                                </p:cTn>
+                              </p:par>
+                            </p:childTnLst>
+                          </p:cTn>
+                        </p:par>
+                      </p:childTnLst>
+                    </p:cTn>
+                  </p:par>
+                  <p:par>
+                    <p:cTn id="37" fill="hold">
+                      <p:stCondLst>
+                        <p:cond delay="indefinite"/>
+                      </p:stCondLst>
+                      <p:childTnLst>
+                        <p:par>
+                          <p:cTn id="38" fill="hold">
+                            <p:stCondLst>
+                              <p:cond delay="0"/>
+                            </p:stCondLst>
+                            <p:childTnLst>
+                              <p:par>
+                                <p:cTn id="39" presetID="10" presetClass="entr" presetSubtype="0" fill="hold" nodeType="clickEffect">
+                                  <p:stCondLst>
+                                    <p:cond delay="0"/>
+                                  </p:stCondLst>
+                                  <p:childTnLst>
+                                    <p:set>
+                                      <p:cBhvr>
+                                        <p:cTn id="40" dur="1" fill="hold">
+                                          <p:stCondLst>
+                                            <p:cond delay="0"/>
+                                          </p:stCondLst>
+                                        </p:cTn>
+                                        <p:tgtEl>
+                                          <p:spTgt spid="10">
+                                            <p:txEl>
+                                              <p:pRg st="6" end="6"/>
+                                            </p:txEl>
+                                          </p:spTgt>
+                                        </p:tgtEl>
+                                        <p:attrNameLst>
+                                          <p:attrName>style.visibility</p:attrName>
+                                        </p:attrNameLst>
+                                      </p:cBhvr>
+                                      <p:to>
+                                        <p:strVal val="visible"/>
+                                      </p:to>
+                                    </p:set>
+                                    <p:animEffect transition="in" filter="fade">
+                                      <p:cBhvr>
+                                        <p:cTn id="41" dur="500"/>
+                                        <p:tgtEl>
+                                          <p:spTgt spid="10">
+                                            <p:txEl>
+                                              <p:pRg st="6" end="6"/>
+                                            </p:txEl>
+                                          </p:spTgt>
+                                        </p:tgtEl>
+                                      </p:cBhvr>
+                                    </p:animEffect>
+                                  </p:childTnLst>
+                                </p:cTn>
+                              </p:par>
+                              <p:par>
+                                <p:cTn id="42" presetID="10" presetClass="entr" presetSubtype="0" fill="hold" nodeType="withEffect">
+                                  <p:stCondLst>
+                                    <p:cond delay="0"/>
+                                  </p:stCondLst>
+                                  <p:childTnLst>
+                                    <p:set>
+                                      <p:cBhvr>
+                                        <p:cTn id="43" dur="1" fill="hold">
+                                          <p:stCondLst>
+                                            <p:cond delay="0"/>
+                                          </p:stCondLst>
+                                        </p:cTn>
+                                        <p:tgtEl>
+                                          <p:spTgt spid="10">
+                                            <p:txEl>
+                                              <p:pRg st="7" end="7"/>
+                                            </p:txEl>
+                                          </p:spTgt>
+                                        </p:tgtEl>
+                                        <p:attrNameLst>
+                                          <p:attrName>style.visibility</p:attrName>
+                                        </p:attrNameLst>
+                                      </p:cBhvr>
+                                      <p:to>
+                                        <p:strVal val="visible"/>
+                                      </p:to>
+                                    </p:set>
+                                    <p:animEffect transition="in" filter="fade">
+                                      <p:cBhvr>
+                                        <p:cTn id="44" dur="500"/>
+                                        <p:tgtEl>
+                                          <p:spTgt spid="10">
+                                            <p:txEl>
+                                              <p:pRg st="7" end="7"/>
+                                            </p:txEl>
+                                          </p:spTgt>
+                                        </p:tgtEl>
+                                      </p:cBhvr>
+                                    </p:animEffect>
+                                  </p:childTnLst>
+                                </p:cTn>
+                              </p:par>
+                            </p:childTnLst>
+                          </p:cTn>
+                        </p:par>
+                      </p:childTnLst>
+                    </p:cTn>
+                  </p:par>
+                  <p:par>
+                    <p:cTn id="45" fill="hold">
+                      <p:stCondLst>
+                        <p:cond delay="indefinite"/>
+                      </p:stCondLst>
+                      <p:childTnLst>
+                        <p:par>
+                          <p:cTn id="46" fill="hold">
+                            <p:stCondLst>
+                              <p:cond delay="0"/>
+                            </p:stCondLst>
+                            <p:childTnLst>
+                              <p:par>
+                                <p:cTn id="47" presetID="10" presetClass="entr" presetSubtype="0" fill="hold" nodeType="clickEffect">
+                                  <p:stCondLst>
+                                    <p:cond delay="0"/>
+                                  </p:stCondLst>
+                                  <p:childTnLst>
+                                    <p:set>
+                                      <p:cBhvr>
+                                        <p:cTn id="48" dur="1" fill="hold">
+                                          <p:stCondLst>
+                                            <p:cond delay="0"/>
+                                          </p:stCondLst>
+                                        </p:cTn>
+                                        <p:tgtEl>
+                                          <p:spTgt spid="10">
+                                            <p:txEl>
+                                              <p:pRg st="9" end="9"/>
+                                            </p:txEl>
+                                          </p:spTgt>
+                                        </p:tgtEl>
+                                        <p:attrNameLst>
+                                          <p:attrName>style.visibility</p:attrName>
+                                        </p:attrNameLst>
+                                      </p:cBhvr>
+                                      <p:to>
+                                        <p:strVal val="visible"/>
+                                      </p:to>
+                                    </p:set>
+                                    <p:animEffect transition="in" filter="fade">
+                                      <p:cBhvr>
+                                        <p:cTn id="49" dur="500"/>
+                                        <p:tgtEl>
+                                          <p:spTgt spid="10">
+                                            <p:txEl>
+                                              <p:pRg st="9" end="9"/>
+                                            </p:txEl>
+                                          </p:spTgt>
                                         </p:tgtEl>
                                       </p:cBhvr>
                                     </p:animEffect>
@@ -17191,7 +17164,7 @@
                                         <p:tgtEl>
                                           <p:spTgt spid="3">
                                             <p:txEl>
-                                              <p:pRg st="9" end="9"/>
+                                              <p:pRg st="3" end="3"/>
                                             </p:txEl>
                                           </p:spTgt>
                                         </p:tgtEl>
@@ -17222,7 +17195,7 @@
                                         <p:tgtEl>
                                           <p:spTgt spid="3">
                                             <p:txEl>
-                                              <p:pRg st="10" end="10"/>
+                                              <p:pRg st="4" end="4"/>
                                             </p:txEl>
                                           </p:spTgt>
                                         </p:tgtEl>
@@ -17246,6 +17219,210 @@
                                     <p:set>
                                       <p:cBhvr>
                                         <p:cTn id="10" dur="1" fill="hold">
+                                          <p:stCondLst>
+                                            <p:cond delay="0"/>
+                                          </p:stCondLst>
+                                        </p:cTn>
+                                        <p:tgtEl>
+                                          <p:spTgt spid="3">
+                                            <p:txEl>
+                                              <p:pRg st="5" end="5"/>
+                                            </p:txEl>
+                                          </p:spTgt>
+                                        </p:tgtEl>
+                                        <p:attrNameLst>
+                                          <p:attrName>style.visibility</p:attrName>
+                                        </p:attrNameLst>
+                                      </p:cBhvr>
+                                      <p:to>
+                                        <p:strVal val="visible"/>
+                                      </p:to>
+                                    </p:set>
+                                  </p:childTnLst>
+                                </p:cTn>
+                              </p:par>
+                              <p:par>
+                                <p:cTn id="11" presetID="1" presetClass="entr" presetSubtype="0" fill="hold" nodeType="withEffect">
+                                  <p:stCondLst>
+                                    <p:cond delay="0"/>
+                                  </p:stCondLst>
+                                  <p:childTnLst>
+                                    <p:set>
+                                      <p:cBhvr>
+                                        <p:cTn id="12" dur="1" fill="hold">
+                                          <p:stCondLst>
+                                            <p:cond delay="0"/>
+                                          </p:stCondLst>
+                                        </p:cTn>
+                                        <p:tgtEl>
+                                          <p:spTgt spid="3">
+                                            <p:txEl>
+                                              <p:pRg st="6" end="6"/>
+                                            </p:txEl>
+                                          </p:spTgt>
+                                        </p:tgtEl>
+                                        <p:attrNameLst>
+                                          <p:attrName>style.visibility</p:attrName>
+                                        </p:attrNameLst>
+                                      </p:cBhvr>
+                                      <p:to>
+                                        <p:strVal val="visible"/>
+                                      </p:to>
+                                    </p:set>
+                                  </p:childTnLst>
+                                </p:cTn>
+                              </p:par>
+                              <p:par>
+                                <p:cTn id="13" presetID="1" presetClass="entr" presetSubtype="0" fill="hold" nodeType="withEffect">
+                                  <p:stCondLst>
+                                    <p:cond delay="0"/>
+                                  </p:stCondLst>
+                                  <p:childTnLst>
+                                    <p:set>
+                                      <p:cBhvr>
+                                        <p:cTn id="14" dur="1" fill="hold">
+                                          <p:stCondLst>
+                                            <p:cond delay="0"/>
+                                          </p:stCondLst>
+                                        </p:cTn>
+                                        <p:tgtEl>
+                                          <p:spTgt spid="3">
+                                            <p:txEl>
+                                              <p:pRg st="7" end="7"/>
+                                            </p:txEl>
+                                          </p:spTgt>
+                                        </p:tgtEl>
+                                        <p:attrNameLst>
+                                          <p:attrName>style.visibility</p:attrName>
+                                        </p:attrNameLst>
+                                      </p:cBhvr>
+                                      <p:to>
+                                        <p:strVal val="visible"/>
+                                      </p:to>
+                                    </p:set>
+                                  </p:childTnLst>
+                                </p:cTn>
+                              </p:par>
+                              <p:par>
+                                <p:cTn id="15" presetID="1" presetClass="entr" presetSubtype="0" fill="hold" nodeType="withEffect">
+                                  <p:stCondLst>
+                                    <p:cond delay="0"/>
+                                  </p:stCondLst>
+                                  <p:childTnLst>
+                                    <p:set>
+                                      <p:cBhvr>
+                                        <p:cTn id="16" dur="1" fill="hold">
+                                          <p:stCondLst>
+                                            <p:cond delay="0"/>
+                                          </p:stCondLst>
+                                        </p:cTn>
+                                        <p:tgtEl>
+                                          <p:spTgt spid="3">
+                                            <p:txEl>
+                                              <p:pRg st="8" end="8"/>
+                                            </p:txEl>
+                                          </p:spTgt>
+                                        </p:tgtEl>
+                                        <p:attrNameLst>
+                                          <p:attrName>style.visibility</p:attrName>
+                                        </p:attrNameLst>
+                                      </p:cBhvr>
+                                      <p:to>
+                                        <p:strVal val="visible"/>
+                                      </p:to>
+                                    </p:set>
+                                  </p:childTnLst>
+                                </p:cTn>
+                              </p:par>
+                            </p:childTnLst>
+                          </p:cTn>
+                        </p:par>
+                      </p:childTnLst>
+                    </p:cTn>
+                  </p:par>
+                  <p:par>
+                    <p:cTn id="17" fill="hold">
+                      <p:stCondLst>
+                        <p:cond delay="indefinite"/>
+                      </p:stCondLst>
+                      <p:childTnLst>
+                        <p:par>
+                          <p:cTn id="18" fill="hold">
+                            <p:stCondLst>
+                              <p:cond delay="0"/>
+                            </p:stCondLst>
+                            <p:childTnLst>
+                              <p:par>
+                                <p:cTn id="19" presetID="1" presetClass="entr" presetSubtype="0" fill="hold" nodeType="clickEffect">
+                                  <p:stCondLst>
+                                    <p:cond delay="0"/>
+                                  </p:stCondLst>
+                                  <p:childTnLst>
+                                    <p:set>
+                                      <p:cBhvr>
+                                        <p:cTn id="20" dur="1" fill="hold">
+                                          <p:stCondLst>
+                                            <p:cond delay="0"/>
+                                          </p:stCondLst>
+                                        </p:cTn>
+                                        <p:tgtEl>
+                                          <p:spTgt spid="3">
+                                            <p:txEl>
+                                              <p:pRg st="9" end="9"/>
+                                            </p:txEl>
+                                          </p:spTgt>
+                                        </p:tgtEl>
+                                        <p:attrNameLst>
+                                          <p:attrName>style.visibility</p:attrName>
+                                        </p:attrNameLst>
+                                      </p:cBhvr>
+                                      <p:to>
+                                        <p:strVal val="visible"/>
+                                      </p:to>
+                                    </p:set>
+                                  </p:childTnLst>
+                                </p:cTn>
+                              </p:par>
+                              <p:par>
+                                <p:cTn id="21" presetID="1" presetClass="entr" presetSubtype="0" fill="hold" nodeType="withEffect">
+                                  <p:stCondLst>
+                                    <p:cond delay="0"/>
+                                  </p:stCondLst>
+                                  <p:childTnLst>
+                                    <p:set>
+                                      <p:cBhvr>
+                                        <p:cTn id="22" dur="1" fill="hold">
+                                          <p:stCondLst>
+                                            <p:cond delay="0"/>
+                                          </p:stCondLst>
+                                        </p:cTn>
+                                        <p:tgtEl>
+                                          <p:spTgt spid="3">
+                                            <p:txEl>
+                                              <p:pRg st="10" end="10"/>
+                                            </p:txEl>
+                                          </p:spTgt>
+                                        </p:tgtEl>
+                                        <p:attrNameLst>
+                                          <p:attrName>style.visibility</p:attrName>
+                                        </p:attrNameLst>
+                                      </p:cBhvr>
+                                      <p:to>
+                                        <p:strVal val="visible"/>
+                                      </p:to>
+                                    </p:set>
+                                  </p:childTnLst>
+                                </p:cTn>
+                              </p:par>
+                              <p:par>
+                                <p:cTn id="23" presetID="1" presetClass="entr" presetSubtype="0" fill="hold" nodeType="withEffect">
+                                  <p:stCondLst>
+                                    <p:cond delay="0"/>
+                                  </p:stCondLst>
+                                  <p:childTnLst>
+                                    <p:set>
+                                      <p:cBhvr>
+                                        <p:cTn id="24" dur="1" fill="hold">
                                           <p:stCondLst>
                                             <p:cond delay="0"/>
                                           </p:stCondLst>
@@ -17358,7 +17535,7 @@
         </p:nvSpPr>
         <p:spPr>
           <a:xfrm>
-            <a:off x="1333500" y="970023"/>
+            <a:off x="1333500" y="857839"/>
             <a:ext cx="9525000" cy="4525963"/>
           </a:xfrm>
         </p:spPr>
@@ -17414,7 +17591,15 @@
             </a:r>
             <a:r>
               <a:rPr lang="en-GB" sz="2200" dirty="0"/>
-              <a:t>with scatterplot of predicted values vs. </a:t>
+              <a:t>with scatterplot of predicted </a:t>
+            </a:r>
+            <a:r>
+              <a:rPr lang="en-GB" sz="2200" dirty="0" smtClean="0"/>
+              <a:t>(fitted) values </a:t>
+            </a:r>
+            <a:r>
+              <a:rPr lang="en-GB" sz="2200" dirty="0"/>
+              <a:t>vs. </a:t>
             </a:r>
             <a:r>
               <a:rPr lang="en-GB" sz="2200" dirty="0" smtClean="0"/>
@@ -17525,7 +17710,7 @@
         </p:blipFill>
         <p:spPr>
           <a:xfrm>
-            <a:off x="2743200" y="2321596"/>
+            <a:off x="2743200" y="2154435"/>
             <a:ext cx="5457447" cy="4536404"/>
           </a:xfrm>
           <a:prstGeom prst="rect">
@@ -17686,7 +17871,7 @@
                             </p:stCondLst>
                             <p:childTnLst>
                               <p:par>
-                                <p:cTn id="15" presetID="10" presetClass="entr" presetSubtype="0" fill="hold" grpId="0" nodeType="clickEffect">
+                                <p:cTn id="15" presetID="1" presetClass="entr" presetSubtype="0" fill="hold" nodeType="clickEffect">
                                   <p:stCondLst>
                                     <p:cond delay="0"/>
                                   </p:stCondLst>
@@ -17694,6 +17879,51 @@
                                     <p:set>
                                       <p:cBhvr>
                                         <p:cTn id="16" dur="1" fill="hold">
+                                          <p:stCondLst>
+                                            <p:cond delay="0"/>
+                                          </p:stCondLst>
+                                        </p:cTn>
+                                        <p:tgtEl>
+                                          <p:spTgt spid="8"/>
+                                        </p:tgtEl>
+                                        <p:attrNameLst>
+                                          <p:attrName>style.visibility</p:attrName>
+                                        </p:attrNameLst>
+                                      </p:cBhvr>
+                                      <p:to>
+                                        <p:strVal val="visible"/>
+                                      </p:to>
+                                    </p:set>
+                                  </p:childTnLst>
+                                </p:cTn>
+                              </p:par>
+                            </p:childTnLst>
+                          </p:cTn>
+                        </p:par>
+                      </p:childTnLst>
+                    </p:cTn>
+                  </p:par>
+                  <p:par>
+                    <p:cTn id="17" fill="hold">
+                      <p:stCondLst>
+                        <p:cond delay="indefinite"/>
+                      </p:stCondLst>
+                      <p:childTnLst>
+                        <p:par>
+                          <p:cTn id="18" fill="hold">
+                            <p:stCondLst>
+                              <p:cond delay="0"/>
+                            </p:stCondLst>
+                            <p:childTnLst>
+                              <p:par>
+                                <p:cTn id="19" presetID="10" presetClass="entr" presetSubtype="0" fill="hold" grpId="0" nodeType="clickEffect">
+                                  <p:stCondLst>
+                                    <p:cond delay="0"/>
+                                  </p:stCondLst>
+                                  <p:childTnLst>
+                                    <p:set>
+                                      <p:cBhvr>
+                                        <p:cTn id="20" dur="1" fill="hold">
                                           <p:stCondLst>
                                             <p:cond delay="0"/>
                                           </p:stCondLst>
@@ -17711,7 +17941,7 @@
                                     </p:set>
                                     <p:animEffect transition="in" filter="fade">
                                       <p:cBhvr>
-                                        <p:cTn id="17" dur="500"/>
+                                        <p:cTn id="21" dur="500"/>
                                         <p:tgtEl>
                                           <p:spTgt spid="5"/>
                                         </p:tgtEl>
@@ -17813,7 +18043,7 @@
         </p:nvSpPr>
         <p:spPr>
           <a:xfrm>
-            <a:off x="5638800" y="2415981"/>
+            <a:off x="76200" y="2057400"/>
             <a:ext cx="5410200" cy="3172293"/>
           </a:xfrm>
         </p:spPr>
@@ -17906,7 +18136,12 @@
             <p:ph type="sldNum" sz="quarter" idx="12"/>
           </p:nvPr>
         </p:nvSpPr>
-        <p:spPr/>
+        <p:spPr>
+          <a:xfrm>
+            <a:off x="7137400" y="6255326"/>
+            <a:ext cx="2844800" cy="365125"/>
+          </a:xfrm>
+        </p:spPr>
         <p:txBody>
           <a:bodyPr/>
           <a:lstStyle/>
@@ -17928,7 +18163,7 @@
         </p:nvSpPr>
         <p:spPr>
           <a:xfrm>
-            <a:off x="481485" y="4511056"/>
+            <a:off x="5881914" y="4410031"/>
             <a:ext cx="1868065" cy="1077218"/>
           </a:xfrm>
           <a:prstGeom prst="rect">
@@ -17975,7 +18210,7 @@
         </p:nvSpPr>
         <p:spPr>
           <a:xfrm>
-            <a:off x="466971" y="2844225"/>
+            <a:off x="5867400" y="2743200"/>
             <a:ext cx="1828800" cy="584775"/>
           </a:xfrm>
           <a:prstGeom prst="rect">
@@ -18055,7 +18290,7 @@
         </p:blipFill>
         <p:spPr>
           <a:xfrm>
-            <a:off x="2295771" y="4127478"/>
+            <a:off x="7696200" y="4026453"/>
             <a:ext cx="3142494" cy="2612141"/>
           </a:xfrm>
           <a:prstGeom prst="rect">
@@ -18085,7 +18320,7 @@
         </p:blipFill>
         <p:spPr>
           <a:xfrm>
-            <a:off x="2295771" y="1247566"/>
+            <a:off x="7696200" y="1146541"/>
             <a:ext cx="3142494" cy="2612141"/>
           </a:xfrm>
           <a:prstGeom prst="rect">
@@ -18185,7 +18420,7 @@
                             </p:stCondLst>
                             <p:childTnLst>
                               <p:par>
-                                <p:cTn id="10" presetID="10" presetClass="entr" presetSubtype="0" fill="hold" nodeType="clickEffect">
+                                <p:cTn id="10" presetID="1" presetClass="entr" presetSubtype="0" fill="hold" nodeType="clickEffect">
                                   <p:stCondLst>
                                     <p:cond delay="0"/>
                                   </p:stCondLst>
@@ -18212,18 +18447,6 @@
                                         <p:strVal val="visible"/>
                                       </p:to>
                                     </p:set>
-                                    <p:animEffect transition="in" filter="fade">
-                                      <p:cBhvr>
-                                        <p:cTn id="12" dur="500"/>
-                                        <p:tgtEl>
-                                          <p:spTgt spid="3">
-                                            <p:txEl>
-                                              <p:pRg st="2" end="2"/>
-                                            </p:txEl>
-                                          </p:spTgt>
-                                        </p:tgtEl>
-                                      </p:cBhvr>
-                                    </p:animEffect>
                                   </p:childTnLst>
                                 </p:cTn>
                               </p:par>
@@ -18234,26 +18457,26 @@
                     </p:cTn>
                   </p:par>
                   <p:par>
-                    <p:cTn id="13" fill="hold">
+                    <p:cTn id="12" fill="hold">
                       <p:stCondLst>
                         <p:cond delay="indefinite"/>
                       </p:stCondLst>
                       <p:childTnLst>
                         <p:par>
-                          <p:cTn id="14" fill="hold">
+                          <p:cTn id="13" fill="hold">
                             <p:stCondLst>
                               <p:cond delay="0"/>
                             </p:stCondLst>
                             <p:childTnLst>
                               <p:par>
-                                <p:cTn id="15" presetID="10" presetClass="entr" presetSubtype="0" fill="hold" grpId="0" nodeType="clickEffect">
+                                <p:cTn id="14" presetID="10" presetClass="entr" presetSubtype="0" fill="hold" grpId="0" nodeType="clickEffect">
                                   <p:stCondLst>
                                     <p:cond delay="0"/>
                                   </p:stCondLst>
                                   <p:childTnLst>
                                     <p:set>
                                       <p:cBhvr>
-                                        <p:cTn id="16" dur="1" fill="hold">
+                                        <p:cTn id="15" dur="1" fill="hold">
                                           <p:stCondLst>
                                             <p:cond delay="0"/>
                                           </p:stCondLst>
@@ -18271,12 +18494,39 @@
                                     </p:set>
                                     <p:animEffect transition="in" filter="fade">
                                       <p:cBhvr>
-                                        <p:cTn id="17" dur="500"/>
+                                        <p:cTn id="16" dur="500"/>
                                         <p:tgtEl>
                                           <p:spTgt spid="9"/>
                                         </p:tgtEl>
                                       </p:cBhvr>
                                     </p:animEffect>
+                                  </p:childTnLst>
+                                </p:cTn>
+                              </p:par>
+                              <p:par>
+                                <p:cTn id="17" presetID="1" presetClass="entr" presetSubtype="0" fill="hold" nodeType="withEffect">
+                                  <p:stCondLst>
+                                    <p:cond delay="0"/>
+                                  </p:stCondLst>
+                                  <p:childTnLst>
+                                    <p:set>
+                                      <p:cBhvr>
+                                        <p:cTn id="18" dur="1" fill="hold">
+                                          <p:stCondLst>
+                                            <p:cond delay="0"/>
+                                          </p:stCondLst>
+                                        </p:cTn>
+                                        <p:tgtEl>
+                                          <p:spTgt spid="7"/>
+                                        </p:tgtEl>
+                                        <p:attrNameLst>
+                                          <p:attrName>style.visibility</p:attrName>
+                                        </p:attrNameLst>
+                                      </p:cBhvr>
+                                      <p:to>
+                                        <p:strVal val="visible"/>
+                                      </p:to>
+                                    </p:set>
                                   </p:childTnLst>
                                 </p:cTn>
                               </p:par>
@@ -18287,26 +18537,71 @@
                     </p:cTn>
                   </p:par>
                   <p:par>
-                    <p:cTn id="18" fill="hold">
+                    <p:cTn id="19" fill="hold">
                       <p:stCondLst>
                         <p:cond delay="indefinite"/>
                       </p:stCondLst>
                       <p:childTnLst>
                         <p:par>
-                          <p:cTn id="19" fill="hold">
+                          <p:cTn id="20" fill="hold">
                             <p:stCondLst>
                               <p:cond delay="0"/>
                             </p:stCondLst>
                             <p:childTnLst>
                               <p:par>
-                                <p:cTn id="20" presetID="10" presetClass="entr" presetSubtype="0" fill="hold" grpId="0" nodeType="clickEffect">
+                                <p:cTn id="21" presetID="1" presetClass="entr" presetSubtype="0" fill="hold" nodeType="clickEffect">
                                   <p:stCondLst>
                                     <p:cond delay="0"/>
                                   </p:stCondLst>
                                   <p:childTnLst>
                                     <p:set>
                                       <p:cBhvr>
-                                        <p:cTn id="21" dur="1" fill="hold">
+                                        <p:cTn id="22" dur="1" fill="hold">
+                                          <p:stCondLst>
+                                            <p:cond delay="0"/>
+                                          </p:stCondLst>
+                                        </p:cTn>
+                                        <p:tgtEl>
+                                          <p:spTgt spid="6"/>
+                                        </p:tgtEl>
+                                        <p:attrNameLst>
+                                          <p:attrName>style.visibility</p:attrName>
+                                        </p:attrNameLst>
+                                      </p:cBhvr>
+                                      <p:to>
+                                        <p:strVal val="visible"/>
+                                      </p:to>
+                                    </p:set>
+                                  </p:childTnLst>
+                                </p:cTn>
+                              </p:par>
+                            </p:childTnLst>
+                          </p:cTn>
+                        </p:par>
+                      </p:childTnLst>
+                    </p:cTn>
+                  </p:par>
+                  <p:par>
+                    <p:cTn id="23" fill="hold">
+                      <p:stCondLst>
+                        <p:cond delay="indefinite"/>
+                      </p:stCondLst>
+                      <p:childTnLst>
+                        <p:par>
+                          <p:cTn id="24" fill="hold">
+                            <p:stCondLst>
+                              <p:cond delay="0"/>
+                            </p:stCondLst>
+                            <p:childTnLst>
+                              <p:par>
+                                <p:cTn id="25" presetID="10" presetClass="entr" presetSubtype="0" fill="hold" grpId="0" nodeType="clickEffect">
+                                  <p:stCondLst>
+                                    <p:cond delay="0"/>
+                                  </p:stCondLst>
+                                  <p:childTnLst>
+                                    <p:set>
+                                      <p:cBhvr>
+                                        <p:cTn id="26" dur="1" fill="hold">
                                           <p:stCondLst>
                                             <p:cond delay="0"/>
                                           </p:stCondLst>
@@ -18324,7 +18619,7 @@
                                     </p:set>
                                     <p:animEffect transition="in" filter="fade">
                                       <p:cBhvr>
-                                        <p:cTn id="22" dur="500"/>
+                                        <p:cTn id="27" dur="500"/>
                                         <p:tgtEl>
                                           <p:spTgt spid="8"/>
                                         </p:tgtEl>
@@ -18446,7 +18741,7 @@
             </a:r>
             <a:r>
               <a:rPr lang="en-GB" b="1" dirty="0" smtClean="0"/>
-              <a:t> = .34</a:t>
+              <a:t> = .3412</a:t>
             </a:r>
             <a:r>
               <a:rPr lang="en-GB" dirty="0" smtClean="0"/>
@@ -18460,7 +18755,7 @@
                   </a:schemeClr>
                 </a:solidFill>
               </a:rPr>
-              <a:t>34% of the total variability in the outcome variable (anxiety) can be accounted for by the regression model (screen time)</a:t>
+              <a:t>34.12% of the total variability in the outcome variable (anxiety) can be accounted for by the regression model (screen time)</a:t>
             </a:r>
             <a:r>
               <a:rPr lang="en-GB" dirty="0" smtClean="0">
@@ -18844,12 +19139,24 @@
               <a:t>If we only had the outcome variable (and no predictor), the best estimate or “model” of the outcome would be its </a:t>
             </a:r>
             <a:r>
-              <a:rPr lang="en-GB" b="1" dirty="0" smtClean="0"/>
+              <a:rPr lang="en-GB" b="1" dirty="0" smtClean="0">
+                <a:solidFill>
+                  <a:schemeClr val="tx2"/>
+                </a:solidFill>
+              </a:rPr>
               <a:t>mean value</a:t>
             </a:r>
             <a:r>
+              <a:rPr lang="en-GB" dirty="0" smtClean="0">
+                <a:solidFill>
+                  <a:schemeClr val="tx2"/>
+                </a:solidFill>
+              </a:rPr>
+              <a:t> </a:t>
+            </a:r>
+            <a:r>
               <a:rPr lang="en-GB" dirty="0" smtClean="0"/>
-              <a:t> (e.g., the mean Anxiety Score).</a:t>
+              <a:t>(e.g., the mean Anxiety Score).</a:t>
             </a:r>
           </a:p>
           <a:p>
@@ -18869,7 +19176,19 @@
             </a:r>
             <a:r>
               <a:rPr lang="en-GB" dirty="0" smtClean="0"/>
-              <a:t> model or </a:t>
+              <a:t> </a:t>
+            </a:r>
+            <a:r>
+              <a:rPr lang="en-GB" dirty="0" smtClean="0">
+                <a:solidFill>
+                  <a:schemeClr val="tx2"/>
+                </a:solidFill>
+              </a:rPr>
+              <a:t>model</a:t>
+            </a:r>
+            <a:r>
+              <a:rPr lang="en-GB" dirty="0" smtClean="0"/>
+              <a:t> or </a:t>
             </a:r>
             <a:r>
               <a:rPr lang="en-GB" b="1" dirty="0" smtClean="0">
@@ -19307,6 +19626,33 @@
                                   </p:childTnLst>
                                 </p:cTn>
                               </p:par>
+                              <p:par>
+                                <p:cTn id="21" presetID="1" presetClass="entr" presetSubtype="0" fill="hold" nodeType="withEffect">
+                                  <p:stCondLst>
+                                    <p:cond delay="0"/>
+                                  </p:stCondLst>
+                                  <p:childTnLst>
+                                    <p:set>
+                                      <p:cBhvr>
+                                        <p:cTn id="22" dur="1" fill="hold">
+                                          <p:stCondLst>
+                                            <p:cond delay="0"/>
+                                          </p:stCondLst>
+                                        </p:cTn>
+                                        <p:tgtEl>
+                                          <p:spTgt spid="23"/>
+                                        </p:tgtEl>
+                                        <p:attrNameLst>
+                                          <p:attrName>style.visibility</p:attrName>
+                                        </p:attrNameLst>
+                                      </p:cBhvr>
+                                      <p:to>
+                                        <p:strVal val="visible"/>
+                                      </p:to>
+                                    </p:set>
+                                  </p:childTnLst>
+                                </p:cTn>
+                              </p:par>
                             </p:childTnLst>
                           </p:cTn>
                         </p:par>
@@ -19367,13 +19713,13 @@
         </p:nvSpPr>
         <p:spPr>
           <a:xfrm>
-            <a:off x="1447800" y="1447801"/>
-            <a:ext cx="8763000" cy="4525963"/>
+            <a:off x="1524000" y="1306502"/>
+            <a:ext cx="9144000" cy="2666999"/>
           </a:xfrm>
         </p:spPr>
         <p:txBody>
           <a:bodyPr>
-            <a:normAutofit fontScale="92500" lnSpcReduction="20000"/>
+            <a:normAutofit/>
           </a:bodyPr>
           <a:lstStyle/>
           <a:p>
@@ -19391,13 +19737,37 @@
             </a:r>
             <a:r>
               <a:rPr lang="en-GB" dirty="0"/>
-              <a:t>can be obtained to tell us whether our regression model does a better job than the intercept-only model.</a:t>
-            </a:r>
-          </a:p>
-          <a:p>
+              <a:t>can </a:t>
+            </a:r>
             <a:r>
               <a:rPr lang="en-GB" dirty="0" smtClean="0"/>
-              <a:t>The BF is the likelihood of the model given the data, relative to that of another model (</a:t>
+              <a:t>tell </a:t>
+            </a:r>
+            <a:r>
+              <a:rPr lang="en-GB" dirty="0"/>
+              <a:t>us whether </a:t>
+            </a:r>
+            <a:r>
+              <a:rPr lang="en-GB" dirty="0" smtClean="0"/>
+              <a:t>there’s more evidence for the regression </a:t>
+            </a:r>
+            <a:r>
+              <a:rPr lang="en-GB" dirty="0"/>
+              <a:t>model </a:t>
+            </a:r>
+            <a:r>
+              <a:rPr lang="en-GB" dirty="0" smtClean="0"/>
+              <a:t>than </a:t>
+            </a:r>
+            <a:r>
+              <a:rPr lang="en-GB" dirty="0"/>
+              <a:t>the intercept-only model.</a:t>
+            </a:r>
+          </a:p>
+          <a:p>
+            <a:r>
+              <a:rPr lang="en-GB" dirty="0" smtClean="0"/>
+              <a:t>More formally, the BF is the likelihood of the model given the data, relative to that of another model (</a:t>
             </a:r>
             <a:r>
               <a:rPr lang="en-GB" dirty="0" err="1" smtClean="0"/>
@@ -19436,50 +19806,6 @@
             <a:r>
               <a:rPr lang="en-GB" dirty="0" smtClean="0"/>
               <a:t> times more likely than the intercept only model.</a:t>
-            </a:r>
-          </a:p>
-          <a:p>
-            <a:pPr lvl="1"/>
-            <a:r>
-              <a:rPr lang="en-GB" dirty="0" smtClean="0"/>
-              <a:t>BF greater than 1 = evidence for the regression model </a:t>
-            </a:r>
-          </a:p>
-          <a:p>
-            <a:pPr lvl="1"/>
-            <a:r>
-              <a:rPr lang="en-GB" dirty="0" smtClean="0"/>
-              <a:t>BF less than 1 = evidence for the intercept-only model</a:t>
-            </a:r>
-          </a:p>
-          <a:p>
-            <a:pPr lvl="1"/>
-            <a:r>
-              <a:rPr lang="en-GB" dirty="0"/>
-              <a:t>BF greater than 3 = strong evidence for the </a:t>
-            </a:r>
-            <a:r>
-              <a:rPr lang="en-GB" dirty="0" smtClean="0"/>
-              <a:t>regression model</a:t>
-            </a:r>
-            <a:endParaRPr lang="en-GB" dirty="0"/>
-          </a:p>
-          <a:p>
-            <a:pPr lvl="1"/>
-            <a:r>
-              <a:rPr lang="en-GB" dirty="0"/>
-              <a:t>BF less than 0.33 = strong evidence for the intercept-only </a:t>
-            </a:r>
-            <a:r>
-              <a:rPr lang="en-GB" dirty="0" smtClean="0"/>
-              <a:t>model </a:t>
-            </a:r>
-          </a:p>
-          <a:p>
-            <a:pPr lvl="1"/>
-            <a:r>
-              <a:rPr lang="en-GB" dirty="0" smtClean="0"/>
-              <a:t>BF between 0.33 and 3 considered inconclusive evidence</a:t>
             </a:r>
           </a:p>
           <a:p>
@@ -19739,6 +20065,16 @@
               <a:t>approaches using </a:t>
             </a:r>
             <a:r>
+              <a:rPr lang="en-GB" i="1" dirty="0">
+                <a:solidFill>
+                  <a:schemeClr val="bg1">
+                    <a:lumMod val="50000"/>
+                  </a:schemeClr>
+                </a:solidFill>
+              </a:rPr>
+              <a:t>p</a:t>
+            </a:r>
+            <a:r>
               <a:rPr lang="en-GB" dirty="0">
                 <a:solidFill>
                   <a:schemeClr val="bg1">
@@ -19746,10 +20082,135 @@
                   </a:schemeClr>
                 </a:solidFill>
               </a:rPr>
-              <a:t>p-values)</a:t>
-            </a:r>
-          </a:p>
-          <a:p>
+              <a:t>-values)</a:t>
+            </a:r>
+          </a:p>
+          <a:p>
+            <a:endParaRPr lang="en-GB" dirty="0"/>
+          </a:p>
+        </p:txBody>
+      </p:sp>
+      <p:sp>
+        <p:nvSpPr>
+          <p:cNvPr id="7" name="TextBox 6"/>
+          <p:cNvSpPr txBox="1"/>
+          <p:nvPr/>
+        </p:nvSpPr>
+        <p:spPr>
+          <a:xfrm>
+            <a:off x="2596099" y="3981130"/>
+            <a:ext cx="7387215" cy="1631216"/>
+          </a:xfrm>
+          <a:prstGeom prst="rect">
+            <a:avLst/>
+          </a:prstGeom>
+          <a:solidFill>
+            <a:srgbClr val="FFFF99"/>
+          </a:solidFill>
+        </p:spPr>
+        <p:txBody>
+          <a:bodyPr wrap="none" rtlCol="0">
+            <a:spAutoFit/>
+          </a:bodyPr>
+          <a:lstStyle/>
+          <a:p>
+            <a:r>
+              <a:rPr lang="en-GB" sz="2000" dirty="0">
+                <a:solidFill>
+                  <a:schemeClr val="tx2"/>
+                </a:solidFill>
+              </a:rPr>
+              <a:t>BFs greater than 1 </a:t>
+            </a:r>
+            <a:r>
+              <a:rPr lang="en-GB" sz="2000" dirty="0"/>
+              <a:t>= regression model more </a:t>
+            </a:r>
+            <a:r>
+              <a:rPr lang="en-GB" sz="2000" dirty="0" smtClean="0"/>
+              <a:t>likely than intercept-only</a:t>
+            </a:r>
+            <a:endParaRPr lang="en-GB" sz="2000" dirty="0"/>
+          </a:p>
+          <a:p>
+            <a:r>
+              <a:rPr lang="en-GB" sz="2000" dirty="0">
+                <a:solidFill>
+                  <a:schemeClr val="tx2"/>
+                </a:solidFill>
+              </a:rPr>
+              <a:t>BFs less than 1</a:t>
+            </a:r>
+            <a:r>
+              <a:rPr lang="en-GB" sz="2000" dirty="0"/>
+              <a:t> = intercept-only model more likely</a:t>
+            </a:r>
+          </a:p>
+          <a:p>
+            <a:r>
+              <a:rPr lang="en-GB" sz="2000" dirty="0">
+                <a:solidFill>
+                  <a:schemeClr val="tx2"/>
+                </a:solidFill>
+              </a:rPr>
+              <a:t>BFs greater than 3 </a:t>
+            </a:r>
+            <a:r>
+              <a:rPr lang="en-GB" sz="2000" dirty="0"/>
+              <a:t>= strong evidence for the regression model</a:t>
+            </a:r>
+          </a:p>
+          <a:p>
+            <a:r>
+              <a:rPr lang="en-GB" sz="2000" dirty="0">
+                <a:solidFill>
+                  <a:schemeClr val="tx2"/>
+                </a:solidFill>
+              </a:rPr>
+              <a:t>BFs less than 0.33 </a:t>
+            </a:r>
+            <a:r>
+              <a:rPr lang="en-GB" sz="2000" dirty="0"/>
+              <a:t>= strong evidence for the intercept-only model </a:t>
+            </a:r>
+          </a:p>
+          <a:p>
+            <a:r>
+              <a:rPr lang="en-GB" sz="2000" dirty="0" smtClean="0">
+                <a:solidFill>
+                  <a:schemeClr val="tx2"/>
+                </a:solidFill>
+              </a:rPr>
+              <a:t>BFs </a:t>
+            </a:r>
+            <a:r>
+              <a:rPr lang="en-GB" sz="2000" dirty="0">
+                <a:solidFill>
+                  <a:schemeClr val="tx2"/>
+                </a:solidFill>
+              </a:rPr>
+              <a:t>between 0.33 to 3 </a:t>
+            </a:r>
+            <a:r>
+              <a:rPr lang="en-GB" sz="2000" dirty="0"/>
+              <a:t>are considered </a:t>
+            </a:r>
+            <a:r>
+              <a:rPr lang="en-GB" sz="2000" dirty="0">
+                <a:solidFill>
+                  <a:schemeClr val="tx2"/>
+                </a:solidFill>
+              </a:rPr>
+              <a:t>inconclusive</a:t>
+            </a:r>
+            <a:r>
+              <a:rPr lang="en-GB" sz="2000" dirty="0"/>
+              <a:t> </a:t>
+            </a:r>
+            <a:r>
+              <a:rPr lang="en-GB" sz="2000" dirty="0" smtClean="0"/>
+              <a:t>evidence</a:t>
+            </a:r>
             <a:endParaRPr lang="en-GB" dirty="0"/>
           </a:p>
         </p:txBody>
@@ -19793,7 +20254,7 @@
                             </p:stCondLst>
                             <p:childTnLst>
                               <p:par>
-                                <p:cTn id="5" presetID="10" presetClass="entr" presetSubtype="0" fill="hold" nodeType="clickEffect">
+                                <p:cTn id="5" presetID="1" presetClass="entr" presetSubtype="0" fill="hold" grpId="0" nodeType="clickEffect">
                                   <p:stCondLst>
                                     <p:cond delay="0"/>
                                   </p:stCondLst>
@@ -19801,6 +20262,55 @@
                                     <p:set>
                                       <p:cBhvr>
                                         <p:cTn id="6" dur="1" fill="hold">
+                                          <p:stCondLst>
+                                            <p:cond delay="0"/>
+                                          </p:stCondLst>
+                                        </p:cTn>
+                                        <p:tgtEl>
+                                          <p:spTgt spid="3">
+                                            <p:txEl>
+                                              <p:pRg st="0" end="0"/>
+                                            </p:txEl>
+                                          </p:spTgt>
+                                        </p:tgtEl>
+                                        <p:attrNameLst>
+                                          <p:attrName>style.visibility</p:attrName>
+                                        </p:attrNameLst>
+                                      </p:cBhvr>
+                                      <p:to>
+                                        <p:strVal val="visible"/>
+                                      </p:to>
+                                    </p:set>
+                                  </p:childTnLst>
+                                </p:cTn>
+                              </p:par>
+                            </p:childTnLst>
+                          </p:cTn>
+                        </p:par>
+                      </p:childTnLst>
+                    </p:cTn>
+                  </p:par>
+                  <p:par>
+                    <p:cTn id="7" fill="hold">
+                      <p:stCondLst>
+                        <p:cond delay="indefinite"/>
+                      </p:stCondLst>
+                      <p:childTnLst>
+                        <p:par>
+                          <p:cTn id="8" fill="hold">
+                            <p:stCondLst>
+                              <p:cond delay="0"/>
+                            </p:stCondLst>
+                            <p:childTnLst>
+                              <p:par>
+                                <p:cTn id="9" presetID="1" presetClass="entr" presetSubtype="0" fill="hold" grpId="0" nodeType="clickEffect">
+                                  <p:stCondLst>
+                                    <p:cond delay="0"/>
+                                  </p:stCondLst>
+                                  <p:childTnLst>
+                                    <p:set>
+                                      <p:cBhvr>
+                                        <p:cTn id="10" dur="1" fill="hold">
                                           <p:stCondLst>
                                             <p:cond delay="0"/>
                                           </p:stCondLst>
@@ -19820,18 +20330,6 @@
                                         <p:strVal val="visible"/>
                                       </p:to>
                                     </p:set>
-                                    <p:animEffect transition="in" filter="fade">
-                                      <p:cBhvr>
-                                        <p:cTn id="7" dur="500"/>
-                                        <p:tgtEl>
-                                          <p:spTgt spid="3">
-                                            <p:txEl>
-                                              <p:pRg st="1" end="1"/>
-                                            </p:txEl>
-                                          </p:spTgt>
-                                        </p:tgtEl>
-                                      </p:cBhvr>
-                                    </p:animEffect>
                                   </p:childTnLst>
                                 </p:cTn>
                               </p:par>
@@ -19842,87 +20340,26 @@
                     </p:cTn>
                   </p:par>
                   <p:par>
-                    <p:cTn id="8" fill="hold">
+                    <p:cTn id="11" fill="hold">
                       <p:stCondLst>
                         <p:cond delay="indefinite"/>
                       </p:stCondLst>
                       <p:childTnLst>
                         <p:par>
-                          <p:cTn id="9" fill="hold">
+                          <p:cTn id="12" fill="hold">
                             <p:stCondLst>
                               <p:cond delay="0"/>
                             </p:stCondLst>
                             <p:childTnLst>
                               <p:par>
-                                <p:cTn id="10" presetID="10" presetClass="entr" presetSubtype="0" fill="hold" nodeType="clickEffect">
+                                <p:cTn id="13" presetID="1" presetClass="entr" presetSubtype="0" fill="hold" grpId="0" nodeType="clickEffect">
                                   <p:stCondLst>
                                     <p:cond delay="0"/>
                                   </p:stCondLst>
                                   <p:childTnLst>
                                     <p:set>
                                       <p:cBhvr>
-                                        <p:cTn id="11" dur="1" fill="hold">
-                                          <p:stCondLst>
-                                            <p:cond delay="0"/>
-                                          </p:stCondLst>
-                                        </p:cTn>
-                                        <p:tgtEl>
-                                          <p:spTgt spid="3">
-                                            <p:txEl>
-                                              <p:pRg st="0" end="0"/>
-                                            </p:txEl>
-                                          </p:spTgt>
-                                        </p:tgtEl>
-                                        <p:attrNameLst>
-                                          <p:attrName>style.visibility</p:attrName>
-                                        </p:attrNameLst>
-                                      </p:cBhvr>
-                                      <p:to>
-                                        <p:strVal val="visible"/>
-                                      </p:to>
-                                    </p:set>
-                                    <p:animEffect transition="in" filter="fade">
-                                      <p:cBhvr>
-                                        <p:cTn id="12" dur="500"/>
-                                        <p:tgtEl>
-                                          <p:spTgt spid="3">
-                                            <p:txEl>
-                                              <p:pRg st="0" end="0"/>
-                                            </p:txEl>
-                                          </p:spTgt>
-                                        </p:tgtEl>
-                                      </p:cBhvr>
-                                    </p:animEffect>
-                                  </p:childTnLst>
-                                </p:cTn>
-                              </p:par>
-                            </p:childTnLst>
-                          </p:cTn>
-                        </p:par>
-                      </p:childTnLst>
-                    </p:cTn>
-                  </p:par>
-                  <p:par>
-                    <p:cTn id="13" fill="hold">
-                      <p:stCondLst>
-                        <p:cond delay="indefinite"/>
-                      </p:stCondLst>
-                      <p:childTnLst>
-                        <p:par>
-                          <p:cTn id="14" fill="hold">
-                            <p:stCondLst>
-                              <p:cond delay="0"/>
-                            </p:stCondLst>
-                            <p:childTnLst>
-                              <p:par>
-                                <p:cTn id="15" presetID="10" presetClass="entr" presetSubtype="0" fill="hold" nodeType="clickEffect">
-                                  <p:stCondLst>
-                                    <p:cond delay="0"/>
-                                  </p:stCondLst>
-                                  <p:childTnLst>
-                                    <p:set>
-                                      <p:cBhvr>
-                                        <p:cTn id="16" dur="1" fill="hold">
+                                        <p:cTn id="14" dur="1" fill="hold">
                                           <p:stCondLst>
                                             <p:cond delay="0"/>
                                           </p:stCondLst>
@@ -19942,18 +20379,6 @@
                                         <p:strVal val="visible"/>
                                       </p:to>
                                     </p:set>
-                                    <p:animEffect transition="in" filter="fade">
-                                      <p:cBhvr>
-                                        <p:cTn id="17" dur="500"/>
-                                        <p:tgtEl>
-                                          <p:spTgt spid="3">
-                                            <p:txEl>
-                                              <p:pRg st="2" end="2"/>
-                                            </p:txEl>
-                                          </p:spTgt>
-                                        </p:tgtEl>
-                                      </p:cBhvr>
-                                    </p:animEffect>
                                   </p:childTnLst>
                                 </p:cTn>
                               </p:par>
@@ -19964,36 +20389,32 @@
                     </p:cTn>
                   </p:par>
                   <p:par>
-                    <p:cTn id="18" fill="hold">
+                    <p:cTn id="15" fill="hold">
                       <p:stCondLst>
                         <p:cond delay="indefinite"/>
                       </p:stCondLst>
                       <p:childTnLst>
                         <p:par>
-                          <p:cTn id="19" fill="hold">
+                          <p:cTn id="16" fill="hold">
                             <p:stCondLst>
                               <p:cond delay="0"/>
                             </p:stCondLst>
                             <p:childTnLst>
                               <p:par>
-                                <p:cTn id="20" presetID="10" presetClass="entr" presetSubtype="0" fill="hold" nodeType="clickEffect">
+                                <p:cTn id="17" presetID="1" presetClass="entr" presetSubtype="0" fill="hold" grpId="0" nodeType="clickEffect">
                                   <p:stCondLst>
                                     <p:cond delay="0"/>
                                   </p:stCondLst>
                                   <p:childTnLst>
                                     <p:set>
                                       <p:cBhvr>
-                                        <p:cTn id="21" dur="1" fill="hold">
+                                        <p:cTn id="18" dur="1" fill="hold">
                                           <p:stCondLst>
                                             <p:cond delay="0"/>
                                           </p:stCondLst>
                                         </p:cTn>
                                         <p:tgtEl>
-                                          <p:spTgt spid="3">
-                                            <p:txEl>
-                                              <p:pRg st="3" end="3"/>
-                                            </p:txEl>
-                                          </p:spTgt>
+                                          <p:spTgt spid="2"/>
                                         </p:tgtEl>
                                         <p:attrNameLst>
                                           <p:attrName>style.visibility</p:attrName>
@@ -20003,18 +20424,6 @@
                                         <p:strVal val="visible"/>
                                       </p:to>
                                     </p:set>
-                                    <p:animEffect transition="in" filter="fade">
-                                      <p:cBhvr>
-                                        <p:cTn id="22" dur="500"/>
-                                        <p:tgtEl>
-                                          <p:spTgt spid="3">
-                                            <p:txEl>
-                                              <p:pRg st="3" end="3"/>
-                                            </p:txEl>
-                                          </p:spTgt>
-                                        </p:tgtEl>
-                                      </p:cBhvr>
-                                    </p:animEffect>
                                   </p:childTnLst>
                                 </p:cTn>
                               </p:par>
@@ -20025,36 +20434,32 @@
                     </p:cTn>
                   </p:par>
                   <p:par>
-                    <p:cTn id="23" fill="hold">
+                    <p:cTn id="19" fill="hold">
                       <p:stCondLst>
                         <p:cond delay="indefinite"/>
                       </p:stCondLst>
                       <p:childTnLst>
                         <p:par>
-                          <p:cTn id="24" fill="hold">
+                          <p:cTn id="20" fill="hold">
                             <p:stCondLst>
                               <p:cond delay="0"/>
                             </p:stCondLst>
                             <p:childTnLst>
                               <p:par>
-                                <p:cTn id="25" presetID="10" presetClass="entr" presetSubtype="0" fill="hold" nodeType="clickEffect">
+                                <p:cTn id="21" presetID="1" presetClass="entr" presetSubtype="0" fill="hold" grpId="0" nodeType="clickEffect">
                                   <p:stCondLst>
                                     <p:cond delay="0"/>
                                   </p:stCondLst>
                                   <p:childTnLst>
                                     <p:set>
                                       <p:cBhvr>
-                                        <p:cTn id="26" dur="1" fill="hold">
+                                        <p:cTn id="22" dur="1" fill="hold">
                                           <p:stCondLst>
                                             <p:cond delay="0"/>
                                           </p:stCondLst>
                                         </p:cTn>
                                         <p:tgtEl>
-                                          <p:spTgt spid="3">
-                                            <p:txEl>
-                                              <p:pRg st="4" end="4"/>
-                                            </p:txEl>
-                                          </p:spTgt>
+                                          <p:spTgt spid="6"/>
                                         </p:tgtEl>
                                         <p:attrNameLst>
                                           <p:attrName>style.visibility</p:attrName>
@@ -20064,201 +20469,6 @@
                                         <p:strVal val="visible"/>
                                       </p:to>
                                     </p:set>
-                                    <p:animEffect transition="in" filter="fade">
-                                      <p:cBhvr>
-                                        <p:cTn id="27" dur="500"/>
-                                        <p:tgtEl>
-                                          <p:spTgt spid="3">
-                                            <p:txEl>
-                                              <p:pRg st="4" end="4"/>
-                                            </p:txEl>
-                                          </p:spTgt>
-                                        </p:tgtEl>
-                                      </p:cBhvr>
-                                    </p:animEffect>
-                                  </p:childTnLst>
-                                </p:cTn>
-                              </p:par>
-                            </p:childTnLst>
-                          </p:cTn>
-                        </p:par>
-                      </p:childTnLst>
-                    </p:cTn>
-                  </p:par>
-                  <p:par>
-                    <p:cTn id="28" fill="hold">
-                      <p:stCondLst>
-                        <p:cond delay="indefinite"/>
-                      </p:stCondLst>
-                      <p:childTnLst>
-                        <p:par>
-                          <p:cTn id="29" fill="hold">
-                            <p:stCondLst>
-                              <p:cond delay="0"/>
-                            </p:stCondLst>
-                            <p:childTnLst>
-                              <p:par>
-                                <p:cTn id="30" presetID="10" presetClass="entr" presetSubtype="0" fill="hold" nodeType="clickEffect">
-                                  <p:stCondLst>
-                                    <p:cond delay="0"/>
-                                  </p:stCondLst>
-                                  <p:childTnLst>
-                                    <p:set>
-                                      <p:cBhvr>
-                                        <p:cTn id="31" dur="1" fill="hold">
-                                          <p:stCondLst>
-                                            <p:cond delay="0"/>
-                                          </p:stCondLst>
-                                        </p:cTn>
-                                        <p:tgtEl>
-                                          <p:spTgt spid="3">
-                                            <p:txEl>
-                                              <p:pRg st="5" end="5"/>
-                                            </p:txEl>
-                                          </p:spTgt>
-                                        </p:tgtEl>
-                                        <p:attrNameLst>
-                                          <p:attrName>style.visibility</p:attrName>
-                                        </p:attrNameLst>
-                                      </p:cBhvr>
-                                      <p:to>
-                                        <p:strVal val="visible"/>
-                                      </p:to>
-                                    </p:set>
-                                    <p:animEffect transition="in" filter="fade">
-                                      <p:cBhvr>
-                                        <p:cTn id="32" dur="500"/>
-                                        <p:tgtEl>
-                                          <p:spTgt spid="3">
-                                            <p:txEl>
-                                              <p:pRg st="5" end="5"/>
-                                            </p:txEl>
-                                          </p:spTgt>
-                                        </p:tgtEl>
-                                      </p:cBhvr>
-                                    </p:animEffect>
-                                  </p:childTnLst>
-                                </p:cTn>
-                              </p:par>
-                            </p:childTnLst>
-                          </p:cTn>
-                        </p:par>
-                      </p:childTnLst>
-                    </p:cTn>
-                  </p:par>
-                  <p:par>
-                    <p:cTn id="33" fill="hold">
-                      <p:stCondLst>
-                        <p:cond delay="indefinite"/>
-                      </p:stCondLst>
-                      <p:childTnLst>
-                        <p:par>
-                          <p:cTn id="34" fill="hold">
-                            <p:stCondLst>
-                              <p:cond delay="0"/>
-                            </p:stCondLst>
-                            <p:childTnLst>
-                              <p:par>
-                                <p:cTn id="35" presetID="10" presetClass="entr" presetSubtype="0" fill="hold" nodeType="clickEffect">
-                                  <p:stCondLst>
-                                    <p:cond delay="0"/>
-                                  </p:stCondLst>
-                                  <p:childTnLst>
-                                    <p:set>
-                                      <p:cBhvr>
-                                        <p:cTn id="36" dur="1" fill="hold">
-                                          <p:stCondLst>
-                                            <p:cond delay="0"/>
-                                          </p:stCondLst>
-                                        </p:cTn>
-                                        <p:tgtEl>
-                                          <p:spTgt spid="3">
-                                            <p:txEl>
-                                              <p:pRg st="6" end="6"/>
-                                            </p:txEl>
-                                          </p:spTgt>
-                                        </p:tgtEl>
-                                        <p:attrNameLst>
-                                          <p:attrName>style.visibility</p:attrName>
-                                        </p:attrNameLst>
-                                      </p:cBhvr>
-                                      <p:to>
-                                        <p:strVal val="visible"/>
-                                      </p:to>
-                                    </p:set>
-                                    <p:animEffect transition="in" filter="fade">
-                                      <p:cBhvr>
-                                        <p:cTn id="37" dur="500"/>
-                                        <p:tgtEl>
-                                          <p:spTgt spid="3">
-                                            <p:txEl>
-                                              <p:pRg st="6" end="6"/>
-                                            </p:txEl>
-                                          </p:spTgt>
-                                        </p:tgtEl>
-                                      </p:cBhvr>
-                                    </p:animEffect>
-                                  </p:childTnLst>
-                                </p:cTn>
-                              </p:par>
-                            </p:childTnLst>
-                          </p:cTn>
-                        </p:par>
-                      </p:childTnLst>
-                    </p:cTn>
-                  </p:par>
-                  <p:par>
-                    <p:cTn id="38" fill="hold">
-                      <p:stCondLst>
-                        <p:cond delay="indefinite"/>
-                      </p:stCondLst>
-                      <p:childTnLst>
-                        <p:par>
-                          <p:cTn id="39" fill="hold">
-                            <p:stCondLst>
-                              <p:cond delay="0"/>
-                            </p:stCondLst>
-                            <p:childTnLst>
-                              <p:par>
-                                <p:cTn id="40" presetID="10" presetClass="entr" presetSubtype="0" fill="hold" nodeType="clickEffect">
-                                  <p:stCondLst>
-                                    <p:cond delay="0"/>
-                                  </p:stCondLst>
-                                  <p:childTnLst>
-                                    <p:set>
-                                      <p:cBhvr>
-                                        <p:cTn id="41" dur="1" fill="hold">
-                                          <p:stCondLst>
-                                            <p:cond delay="0"/>
-                                          </p:stCondLst>
-                                        </p:cTn>
-                                        <p:tgtEl>
-                                          <p:spTgt spid="3">
-                                            <p:txEl>
-                                              <p:pRg st="7" end="7"/>
-                                            </p:txEl>
-                                          </p:spTgt>
-                                        </p:tgtEl>
-                                        <p:attrNameLst>
-                                          <p:attrName>style.visibility</p:attrName>
-                                        </p:attrNameLst>
-                                      </p:cBhvr>
-                                      <p:to>
-                                        <p:strVal val="visible"/>
-                                      </p:to>
-                                    </p:set>
-                                    <p:animEffect transition="in" filter="fade">
-                                      <p:cBhvr>
-                                        <p:cTn id="42" dur="500"/>
-                                        <p:tgtEl>
-                                          <p:spTgt spid="3">
-                                            <p:txEl>
-                                              <p:pRg st="7" end="7"/>
-                                            </p:txEl>
-                                          </p:spTgt>
-                                        </p:tgtEl>
-                                      </p:cBhvr>
-                                    </p:animEffect>
                                   </p:childTnLst>
                                 </p:cTn>
                               </p:par>
@@ -20289,6 +20499,11 @@
         </p:cTn>
       </p:par>
     </p:tnLst>
+    <p:bldLst>
+      <p:bldP spid="3" grpId="0" build="p"/>
+      <p:bldP spid="2" grpId="0"/>
+      <p:bldP spid="6" grpId="0"/>
+    </p:bldLst>
   </p:timing>
 </p:sld>
 </file>
@@ -20312,183 +20527,6 @@
       </p:grpSpPr>
       <p:sp>
         <p:nvSpPr>
-          <p:cNvPr id="5" name="Content Placeholder 4"/>
-          <p:cNvSpPr>
-            <a:spLocks noGrp="1"/>
-          </p:cNvSpPr>
-          <p:nvPr>
-            <p:ph idx="1"/>
-          </p:nvPr>
-        </p:nvSpPr>
-        <p:spPr>
-          <a:xfrm>
-            <a:off x="1589314" y="1524001"/>
-            <a:ext cx="8991600" cy="4832350"/>
-          </a:xfrm>
-        </p:spPr>
-        <p:txBody>
-          <a:bodyPr>
-            <a:normAutofit fontScale="92500" lnSpcReduction="20000"/>
-          </a:bodyPr>
-          <a:lstStyle/>
-          <a:p>
-            <a:pPr marL="0" indent="0">
-              <a:buNone/>
-            </a:pPr>
-            <a:r>
-              <a:rPr lang="en-GB" b="1" dirty="0" smtClean="0"/>
-              <a:t>Key functions: </a:t>
-            </a:r>
-          </a:p>
-          <a:p>
-            <a:pPr marL="0" indent="0">
-              <a:buNone/>
-            </a:pPr>
-            <a:endParaRPr lang="en-GB" b="1" dirty="0" smtClean="0"/>
-          </a:p>
-          <a:p>
-            <a:pPr marL="400050" lvl="1" indent="0">
-              <a:buNone/>
-            </a:pPr>
-            <a:r>
-              <a:rPr lang="en-GB" dirty="0" smtClean="0"/>
-              <a:t>Visualise the data  		</a:t>
-            </a:r>
-            <a:r>
-              <a:rPr lang="en-GB" dirty="0" err="1" smtClean="0">
-                <a:latin typeface="Lucida Console" panose="020B0609040504020204" pitchFamily="49" charset="0"/>
-              </a:rPr>
-              <a:t>ggplot</a:t>
-            </a:r>
-            <a:r>
-              <a:rPr lang="en-GB" dirty="0" smtClean="0">
-                <a:latin typeface="Lucida Console" panose="020B0609040504020204" pitchFamily="49" charset="0"/>
-              </a:rPr>
-              <a:t>()</a:t>
-            </a:r>
-          </a:p>
-          <a:p>
-            <a:pPr marL="400050" lvl="1" indent="0">
-              <a:buNone/>
-            </a:pPr>
-            <a:endParaRPr lang="en-GB" dirty="0"/>
-          </a:p>
-          <a:p>
-            <a:pPr marL="400050" lvl="1" indent="0">
-              <a:buNone/>
-            </a:pPr>
-            <a:r>
-              <a:rPr lang="en-GB" dirty="0" smtClean="0"/>
-              <a:t>Simple regression  		</a:t>
-            </a:r>
-            <a:r>
-              <a:rPr lang="en-GB" dirty="0" smtClean="0">
-                <a:latin typeface="Lucida Console" panose="020B0609040504020204" pitchFamily="49" charset="0"/>
-              </a:rPr>
-              <a:t>lm</a:t>
-            </a:r>
-            <a:r>
-              <a:rPr lang="en-GB" dirty="0">
-                <a:latin typeface="Lucida Console" panose="020B0609040504020204" pitchFamily="49" charset="0"/>
-              </a:rPr>
-              <a:t>()</a:t>
-            </a:r>
-          </a:p>
-          <a:p>
-            <a:pPr marL="400050" lvl="1" indent="0">
-              <a:buNone/>
-            </a:pPr>
-            <a:endParaRPr lang="en-GB" dirty="0"/>
-          </a:p>
-          <a:p>
-            <a:pPr marL="400050" lvl="1" indent="0">
-              <a:buNone/>
-            </a:pPr>
-            <a:r>
-              <a:rPr lang="en-GB" dirty="0" smtClean="0"/>
-              <a:t>R</a:t>
-            </a:r>
-            <a:r>
-              <a:rPr lang="en-GB" baseline="30000" dirty="0" smtClean="0"/>
-              <a:t>2    				</a:t>
-            </a:r>
-            <a:r>
-              <a:rPr lang="en-GB" dirty="0" smtClean="0">
-                <a:latin typeface="Lucida Console" panose="020B0609040504020204" pitchFamily="49" charset="0"/>
-              </a:rPr>
-              <a:t>glance()</a:t>
-            </a:r>
-            <a:endParaRPr lang="en-GB" dirty="0">
-              <a:latin typeface="Lucida Console" panose="020B0609040504020204" pitchFamily="49" charset="0"/>
-            </a:endParaRPr>
-          </a:p>
-          <a:p>
-            <a:pPr marL="400050" lvl="1" indent="0">
-              <a:buNone/>
-            </a:pPr>
-            <a:endParaRPr lang="en-GB" baseline="30000" dirty="0" smtClean="0"/>
-          </a:p>
-          <a:p>
-            <a:pPr marL="400050" lvl="1" indent="0">
-              <a:buNone/>
-            </a:pPr>
-            <a:endParaRPr lang="en-GB" dirty="0" smtClean="0"/>
-          </a:p>
-          <a:p>
-            <a:pPr marL="400050" lvl="1" indent="0">
-              <a:buNone/>
-            </a:pPr>
-            <a:r>
-              <a:rPr lang="en-GB" dirty="0" smtClean="0"/>
-              <a:t>Residuals  			</a:t>
-            </a:r>
-            <a:r>
-              <a:rPr lang="en-GB" dirty="0" smtClean="0">
-                <a:latin typeface="Lucida Console" panose="020B0609040504020204" pitchFamily="49" charset="0"/>
-              </a:rPr>
-              <a:t>augment()</a:t>
-            </a:r>
-            <a:endParaRPr lang="en-GB" dirty="0">
-              <a:latin typeface="Lucida Console" panose="020B0609040504020204" pitchFamily="49" charset="0"/>
-            </a:endParaRPr>
-          </a:p>
-          <a:p>
-            <a:pPr marL="400050" lvl="1" indent="0">
-              <a:buNone/>
-            </a:pPr>
-            <a:endParaRPr lang="en-GB" dirty="0" smtClean="0"/>
-          </a:p>
-          <a:p>
-            <a:pPr marL="400050" lvl="1" indent="0">
-              <a:buNone/>
-            </a:pPr>
-            <a:endParaRPr lang="en-GB" dirty="0"/>
-          </a:p>
-          <a:p>
-            <a:pPr marL="400050" lvl="1" indent="0">
-              <a:buNone/>
-            </a:pPr>
-            <a:r>
-              <a:rPr lang="en-GB" dirty="0" smtClean="0"/>
-              <a:t>Bayes Factor  		</a:t>
-            </a:r>
-            <a:r>
-              <a:rPr lang="en-GB" dirty="0" err="1" smtClean="0">
-                <a:latin typeface="Lucida Console" panose="020B0609040504020204" pitchFamily="49" charset="0"/>
-              </a:rPr>
-              <a:t>lmBF</a:t>
-            </a:r>
-            <a:r>
-              <a:rPr lang="en-GB" dirty="0">
-                <a:latin typeface="Lucida Console" panose="020B0609040504020204" pitchFamily="49" charset="0"/>
-              </a:rPr>
-              <a:t>()</a:t>
-            </a:r>
-          </a:p>
-        </p:txBody>
-      </p:sp>
-      <p:sp>
-        <p:nvSpPr>
           <p:cNvPr id="4" name="Slide Number Placeholder 3"/>
           <p:cNvSpPr>
             <a:spLocks noGrp="1"/>
@@ -20519,8 +20557,8 @@
         </p:nvSpPr>
         <p:spPr>
           <a:xfrm>
-            <a:off x="1679121" y="609600"/>
-            <a:ext cx="8833757" cy="707886"/>
+            <a:off x="1066800" y="2590800"/>
+            <a:ext cx="9677400" cy="1569660"/>
           </a:xfrm>
           <a:prstGeom prst="rect">
             <a:avLst/>
@@ -20539,20 +20577,20 @@
           <a:lstStyle/>
           <a:p>
             <a:r>
-              <a:rPr lang="en-GB" sz="2000" b="1" dirty="0" smtClean="0"/>
+              <a:rPr lang="en-GB" sz="3200" b="1" dirty="0" smtClean="0"/>
               <a:t>Activity: Remainder of Session</a:t>
             </a:r>
           </a:p>
           <a:p>
             <a:r>
-              <a:rPr lang="en-GB" sz="2000" b="1" dirty="0" smtClean="0"/>
-              <a:t>Complete Worksheet 1 and Exercises on Simple Regression using </a:t>
-            </a:r>
-            <a:r>
-              <a:rPr lang="en-GB" sz="2000" b="1" dirty="0" err="1" smtClean="0"/>
+              <a:rPr lang="en-GB" sz="3200" b="1" dirty="0" smtClean="0"/>
+              <a:t>Start Worksheet 1 and Exercises on Simple Regression using </a:t>
+            </a:r>
+            <a:r>
+              <a:rPr lang="en-GB" sz="3200" b="1" dirty="0" err="1" smtClean="0"/>
               <a:t>RStudio</a:t>
             </a:r>
-            <a:endParaRPr lang="en-GB" sz="2000" b="1" dirty="0"/>
+            <a:endParaRPr lang="en-GB" sz="3200" b="1" dirty="0"/>
           </a:p>
         </p:txBody>
       </p:sp>

--- a/docs/slides/PSYC753_L1_SimpleRegression.pptx
+++ b/docs/slides/PSYC753_L1_SimpleRegression.pptx
@@ -12367,7 +12367,7 @@
         </p:nvSpPr>
         <p:spPr>
           <a:xfrm>
-            <a:off x="5118362" y="3761634"/>
+            <a:off x="5173782" y="3803199"/>
             <a:ext cx="752451" cy="369332"/>
           </a:xfrm>
           <a:prstGeom prst="rect">
@@ -12438,7 +12438,7 @@
         </p:nvSpPr>
         <p:spPr>
           <a:xfrm>
-            <a:off x="1321961" y="3837780"/>
+            <a:off x="1321961" y="3959423"/>
             <a:ext cx="503664" cy="307777"/>
           </a:xfrm>
           <a:prstGeom prst="rect">
@@ -12460,7 +12460,7 @@
                   </a:schemeClr>
                 </a:solidFill>
               </a:rPr>
-              <a:t>6.89</a:t>
+              <a:t>6.91</a:t>
             </a:r>
             <a:endParaRPr lang="en-GB" sz="1400" dirty="0">
               <a:solidFill>
@@ -12480,7 +12480,7 @@
         </p:nvSpPr>
         <p:spPr>
           <a:xfrm>
-            <a:off x="975622" y="3759851"/>
+            <a:off x="975622" y="3768440"/>
             <a:ext cx="503664" cy="307777"/>
           </a:xfrm>
           <a:prstGeom prst="rect">
@@ -12502,7 +12502,7 @@
                   </a:schemeClr>
                 </a:solidFill>
               </a:rPr>
-              <a:t>7.02</a:t>
+              <a:t>7.04</a:t>
             </a:r>
             <a:endParaRPr lang="en-GB" sz="1400" dirty="0">
               <a:solidFill>
@@ -15511,7 +15511,15 @@
                   <a:schemeClr val="tx2"/>
                 </a:solidFill>
               </a:rPr>
-              <a:t>10 hours</a:t>
+              <a:t>7 </a:t>
+            </a:r>
+            <a:r>
+              <a:rPr lang="en-GB" sz="2300" b="1" dirty="0" smtClean="0">
+                <a:solidFill>
+                  <a:schemeClr val="tx2"/>
+                </a:solidFill>
+              </a:rPr>
+              <a:t>hours</a:t>
             </a:r>
             <a:r>
               <a:rPr lang="en-GB" sz="2300" dirty="0" smtClean="0"/>
@@ -15575,7 +15583,11 @@
             </a:r>
             <a:r>
               <a:rPr lang="en-GB" sz="2300" b="1" dirty="0" smtClean="0"/>
-              <a:t>(0.13*10)</a:t>
+              <a:t>(</a:t>
+            </a:r>
+            <a:r>
+              <a:rPr lang="en-GB" sz="2300" b="1" dirty="0" smtClean="0"/>
+              <a:t>0.13*7)</a:t>
             </a:r>
             <a:endParaRPr lang="en-GB" sz="2300" b="1" dirty="0"/>
           </a:p>
@@ -15590,7 +15602,7 @@
             </a:r>
             <a:r>
               <a:rPr lang="en-GB" sz="2300" b="1" dirty="0" smtClean="0"/>
-              <a:t>6.89</a:t>
+              <a:t>6.5</a:t>
             </a:r>
             <a:endParaRPr lang="en-GB" sz="2300" b="1" dirty="0"/>
           </a:p>
@@ -15612,7 +15624,15 @@
                   <a:schemeClr val="tx2"/>
                 </a:solidFill>
               </a:rPr>
-              <a:t>Anxiety Score is 6.89</a:t>
+              <a:t>Anxiety Score is </a:t>
+            </a:r>
+            <a:r>
+              <a:rPr lang="en-GB" sz="2300" b="1" u="sng" dirty="0" smtClean="0">
+                <a:solidFill>
+                  <a:schemeClr val="tx2"/>
+                </a:solidFill>
+              </a:rPr>
+              <a:t>6.5</a:t>
             </a:r>
             <a:endParaRPr lang="en-GB" sz="2300" b="1" u="sng" dirty="0">
               <a:solidFill>
@@ -15630,8 +15650,8 @@
         </p:nvCxnSpPr>
         <p:spPr>
           <a:xfrm flipV="1">
-            <a:off x="4724400" y="3962400"/>
-            <a:ext cx="0" cy="1160900"/>
+            <a:off x="4038600" y="4117032"/>
+            <a:ext cx="17679" cy="1006269"/>
           </a:xfrm>
           <a:prstGeom prst="line">
             <a:avLst/>
@@ -15668,8 +15688,8 @@
         </p:nvCxnSpPr>
         <p:spPr>
           <a:xfrm flipH="1">
-            <a:off x="2590800" y="3962400"/>
-            <a:ext cx="2133600" cy="0"/>
+            <a:off x="2135785" y="4114800"/>
+            <a:ext cx="1902815" cy="0"/>
           </a:xfrm>
           <a:prstGeom prst="line">
             <a:avLst/>
@@ -15706,8 +15726,8 @@
         </p:nvSpPr>
         <p:spPr>
           <a:xfrm>
-            <a:off x="1402892" y="3722701"/>
-            <a:ext cx="732893" cy="461665"/>
+            <a:off x="1556198" y="3886200"/>
+            <a:ext cx="577402" cy="461665"/>
           </a:xfrm>
           <a:prstGeom prst="rect">
             <a:avLst/>
@@ -15723,14 +15743,52 @@
             <a:r>
               <a:rPr lang="en-GB" sz="2400" b="1" dirty="0" smtClean="0">
                 <a:solidFill>
-                  <a:schemeClr val="tx2"/>
+                  <a:srgbClr val="00B050"/>
                 </a:solidFill>
               </a:rPr>
-              <a:t>6.89</a:t>
+              <a:t>6.5</a:t>
             </a:r>
             <a:endParaRPr lang="en-GB" sz="2000" b="1" dirty="0">
               <a:solidFill>
-                <a:schemeClr val="tx2"/>
+                <a:srgbClr val="00B050"/>
+              </a:solidFill>
+            </a:endParaRPr>
+          </a:p>
+        </p:txBody>
+      </p:sp>
+      <p:sp>
+        <p:nvSpPr>
+          <p:cNvPr id="15" name="TextBox 14"/>
+          <p:cNvSpPr txBox="1"/>
+          <p:nvPr/>
+        </p:nvSpPr>
+        <p:spPr>
+          <a:xfrm>
+            <a:off x="3886200" y="5058509"/>
+            <a:ext cx="340158" cy="461665"/>
+          </a:xfrm>
+          <a:prstGeom prst="rect">
+            <a:avLst/>
+          </a:prstGeom>
+          <a:noFill/>
+        </p:spPr>
+        <p:txBody>
+          <a:bodyPr wrap="none" rtlCol="0">
+            <a:spAutoFit/>
+          </a:bodyPr>
+          <a:lstStyle/>
+          <a:p>
+            <a:r>
+              <a:rPr lang="en-GB" sz="2400" b="1" dirty="0" smtClean="0">
+                <a:solidFill>
+                  <a:srgbClr val="00B050"/>
+                </a:solidFill>
+              </a:rPr>
+              <a:t>7</a:t>
+            </a:r>
+            <a:endParaRPr lang="en-GB" sz="2000" b="1" dirty="0">
+              <a:solidFill>
+                <a:srgbClr val="00B050"/>
               </a:solidFill>
             </a:endParaRPr>
           </a:p>
@@ -16383,6 +16441,105 @@
                       </p:childTnLst>
                     </p:cTn>
                   </p:par>
+                  <p:par>
+                    <p:cTn id="50" fill="hold">
+                      <p:stCondLst>
+                        <p:cond delay="indefinite"/>
+                      </p:stCondLst>
+                      <p:childTnLst>
+                        <p:par>
+                          <p:cTn id="51" fill="hold">
+                            <p:stCondLst>
+                              <p:cond delay="0"/>
+                            </p:stCondLst>
+                            <p:childTnLst>
+                              <p:par>
+                                <p:cTn id="52" presetID="42" presetClass="entr" presetSubtype="0" fill="hold" grpId="0" nodeType="clickEffect">
+                                  <p:stCondLst>
+                                    <p:cond delay="0"/>
+                                  </p:stCondLst>
+                                  <p:childTnLst>
+                                    <p:set>
+                                      <p:cBhvr>
+                                        <p:cTn id="53" dur="1" fill="hold">
+                                          <p:stCondLst>
+                                            <p:cond delay="0"/>
+                                          </p:stCondLst>
+                                        </p:cTn>
+                                        <p:tgtEl>
+                                          <p:spTgt spid="15"/>
+                                        </p:tgtEl>
+                                        <p:attrNameLst>
+                                          <p:attrName>style.visibility</p:attrName>
+                                        </p:attrNameLst>
+                                      </p:cBhvr>
+                                      <p:to>
+                                        <p:strVal val="visible"/>
+                                      </p:to>
+                                    </p:set>
+                                    <p:animEffect transition="in" filter="fade">
+                                      <p:cBhvr>
+                                        <p:cTn id="54" dur="1000"/>
+                                        <p:tgtEl>
+                                          <p:spTgt spid="15"/>
+                                        </p:tgtEl>
+                                      </p:cBhvr>
+                                    </p:animEffect>
+                                    <p:anim calcmode="lin" valueType="num">
+                                      <p:cBhvr>
+                                        <p:cTn id="55" dur="1000" fill="hold"/>
+                                        <p:tgtEl>
+                                          <p:spTgt spid="15"/>
+                                        </p:tgtEl>
+                                        <p:attrNameLst>
+                                          <p:attrName>ppt_x</p:attrName>
+                                        </p:attrNameLst>
+                                      </p:cBhvr>
+                                      <p:tavLst>
+                                        <p:tav tm="0">
+                                          <p:val>
+                                            <p:strVal val="#ppt_x"/>
+                                          </p:val>
+                                        </p:tav>
+                                        <p:tav tm="100000">
+                                          <p:val>
+                                            <p:strVal val="#ppt_x"/>
+                                          </p:val>
+                                        </p:tav>
+                                      </p:tavLst>
+                                    </p:anim>
+                                    <p:anim calcmode="lin" valueType="num">
+                                      <p:cBhvr>
+                                        <p:cTn id="56" dur="1000" fill="hold"/>
+                                        <p:tgtEl>
+                                          <p:spTgt spid="15"/>
+                                        </p:tgtEl>
+                                        <p:attrNameLst>
+                                          <p:attrName>ppt_y</p:attrName>
+                                        </p:attrNameLst>
+                                      </p:cBhvr>
+                                      <p:tavLst>
+                                        <p:tav tm="0">
+                                          <p:val>
+                                            <p:strVal val="#ppt_y+.1"/>
+                                          </p:val>
+                                        </p:tav>
+                                        <p:tav tm="100000">
+                                          <p:val>
+                                            <p:strVal val="#ppt_y"/>
+                                          </p:val>
+                                        </p:tav>
+                                      </p:tavLst>
+                                    </p:anim>
+                                  </p:childTnLst>
+                                </p:cTn>
+                              </p:par>
+                            </p:childTnLst>
+                          </p:cTn>
+                        </p:par>
+                      </p:childTnLst>
+                    </p:cTn>
+                  </p:par>
                 </p:childTnLst>
               </p:cTn>
               <p:prevCondLst>
@@ -16406,6 +16563,7 @@
     </p:tnLst>
     <p:bldLst>
       <p:bldP spid="9" grpId="0"/>
+      <p:bldP spid="15" grpId="0"/>
     </p:bldLst>
   </p:timing>
 </p:sld>
@@ -20115,7 +20273,7 @@
           <a:lstStyle/>
           <a:p>
             <a:r>
-              <a:rPr lang="en-GB" sz="2000" dirty="0">
+              <a:rPr lang="en-GB" sz="2000" b="1" dirty="0">
                 <a:solidFill>
                   <a:schemeClr val="tx2"/>
                 </a:solidFill>
@@ -20134,7 +20292,7 @@
           </a:p>
           <a:p>
             <a:r>
-              <a:rPr lang="en-GB" sz="2000" dirty="0">
+              <a:rPr lang="en-GB" sz="2000" b="1" dirty="0">
                 <a:solidFill>
                   <a:schemeClr val="tx2"/>
                 </a:solidFill>
@@ -20142,13 +20300,17 @@
               <a:t>BFs less than 1</a:t>
             </a:r>
             <a:r>
+              <a:rPr lang="en-GB" sz="2000" b="1" dirty="0"/>
+              <a:t> </a:t>
+            </a:r>
+            <a:r>
               <a:rPr lang="en-GB" sz="2000" dirty="0"/>
-              <a:t> = intercept-only model more likely</a:t>
-            </a:r>
-          </a:p>
-          <a:p>
-            <a:r>
-              <a:rPr lang="en-GB" sz="2000" dirty="0">
+              <a:t>= intercept-only model more likely</a:t>
+            </a:r>
+          </a:p>
+          <a:p>
+            <a:r>
+              <a:rPr lang="en-GB" sz="2000" b="1" dirty="0">
                 <a:solidFill>
                   <a:schemeClr val="tx2"/>
                 </a:solidFill>
@@ -20162,7 +20324,7 @@
           </a:p>
           <a:p>
             <a:r>
-              <a:rPr lang="en-GB" sz="2000" dirty="0">
+              <a:rPr lang="en-GB" sz="2000" b="1" dirty="0">
                 <a:solidFill>
                   <a:schemeClr val="tx2"/>
                 </a:solidFill>
@@ -20176,7 +20338,7 @@
           </a:p>
           <a:p>
             <a:r>
-              <a:rPr lang="en-GB" sz="2000" dirty="0" smtClean="0">
+              <a:rPr lang="en-GB" sz="2000" b="1" dirty="0" smtClean="0">
                 <a:solidFill>
                   <a:schemeClr val="tx2"/>
                 </a:solidFill>
@@ -20184,7 +20346,7 @@
               <a:t>BFs </a:t>
             </a:r>
             <a:r>
-              <a:rPr lang="en-GB" sz="2000" dirty="0">
+              <a:rPr lang="en-GB" sz="2000" b="1" dirty="0">
                 <a:solidFill>
                   <a:schemeClr val="tx2"/>
                 </a:solidFill>
@@ -20557,8 +20719,8 @@
         </p:nvSpPr>
         <p:spPr>
           <a:xfrm>
-            <a:off x="1066800" y="2590800"/>
-            <a:ext cx="9677400" cy="1569660"/>
+            <a:off x="1066800" y="2885182"/>
+            <a:ext cx="9677400" cy="1077218"/>
           </a:xfrm>
           <a:prstGeom prst="rect">
             <a:avLst/>
@@ -20584,7 +20746,11 @@
           <a:p>
             <a:r>
               <a:rPr lang="en-GB" sz="3200" b="1" dirty="0" smtClean="0"/>
-              <a:t>Start Worksheet 1 and Exercises on Simple Regression using </a:t>
+              <a:t>Start Worksheet 1 and Exercises </a:t>
+            </a:r>
+            <a:r>
+              <a:rPr lang="en-GB" sz="3200" b="1" dirty="0" smtClean="0"/>
+              <a:t>using </a:t>
             </a:r>
             <a:r>
               <a:rPr lang="en-GB" sz="3200" b="1" dirty="0" err="1" smtClean="0"/>

--- a/docs/slides/PSYC753_L1_SimpleRegression.pptx
+++ b/docs/slides/PSYC753_L1_SimpleRegression.pptx
@@ -304,27 +304,6 @@
           </c:yVal>
           <c:smooth val="0"/>
           <c:extLst>
-            <c:ext xmlns:c15="http://schemas.microsoft.com/office/drawing/2012/chart" uri="{02D57815-91ED-43cb-92C2-25804820EDAC}">
-              <c15:filteredSeriesTitle>
-                <c15:tx>
-                  <c:strRef>
-                    <c:extLst>
-                      <c:ext uri="{02D57815-91ED-43cb-92C2-25804820EDAC}">
-                        <c15:formulaRef>
-                          <c15:sqref>anscombe2!$C$2</c15:sqref>
-                        </c15:formulaRef>
-                      </c:ext>
-                    </c:extLst>
-                    <c:strCache>
-                      <c:ptCount val="1"/>
-                      <c:pt idx="0">
-                        <c:v>y</c:v>
-                      </c:pt>
-                    </c:strCache>
-                  </c:strRef>
-                </c15:tx>
-              </c15:filteredSeriesTitle>
-            </c:ext>
             <c:ext xmlns:c16="http://schemas.microsoft.com/office/drawing/2014/chart" uri="{C3380CC4-5D6E-409C-BE32-E72D297353CC}">
               <c16:uniqueId val="{00000000-DF25-4A5E-823B-5A5A391FCBDE}"/>
             </c:ext>
@@ -366,7 +345,6 @@
               </a:p>
             </c:rich>
           </c:tx>
-          <c:layout/>
           <c:overlay val="0"/>
         </c:title>
         <c:numFmt formatCode="0" sourceLinked="0"/>
@@ -420,7 +398,6 @@
               </a:p>
             </c:rich>
           </c:tx>
-          <c:layout/>
           <c:overlay val="0"/>
         </c:title>
         <c:numFmt formatCode="0" sourceLinked="0"/>
@@ -547,7 +524,7 @@
           <a:p>
             <a:fld id="{F54DD6DD-4541-4B93-806A-3220459C2350}" type="datetimeFigureOut">
               <a:rPr lang="en-GB" smtClean="0"/>
-              <a:t>12/01/2022</a:t>
+              <a:t>16/01/2022</a:t>
             </a:fld>
             <a:endParaRPr lang="en-GB"/>
           </a:p>
@@ -712,7 +689,7 @@
           <a:p>
             <a:fld id="{2C09A945-60CF-41CC-BF14-DA645D9ABE0F}" type="datetimeFigureOut">
               <a:rPr lang="en-GB" smtClean="0"/>
-              <a:t>12/01/2022</a:t>
+              <a:t>16/01/2022</a:t>
             </a:fld>
             <a:endParaRPr lang="en-GB"/>
           </a:p>
@@ -1158,7 +1135,7 @@
           <a:p>
             <a:fld id="{46EF6F6D-23AC-402A-8000-0A495137CF31}" type="slidenum">
               <a:rPr lang="en-GB" smtClean="0"/>
-              <a:t>11</a:t>
+              <a:t>10</a:t>
             </a:fld>
             <a:endParaRPr lang="en-GB" dirty="0"/>
           </a:p>
@@ -1167,7 +1144,7 @@
     </p:spTree>
     <p:extLst>
       <p:ext uri="{BB962C8B-B14F-4D97-AF65-F5344CB8AC3E}">
-        <p14:creationId xmlns:p14="http://schemas.microsoft.com/office/powerpoint/2010/main" val="1042090849"/>
+        <p14:creationId xmlns:p14="http://schemas.microsoft.com/office/powerpoint/2010/main" val="456350568"/>
       </p:ext>
     </p:extLst>
   </p:cSld>
@@ -1247,7 +1224,7 @@
           <a:p>
             <a:fld id="{46EF6F6D-23AC-402A-8000-0A495137CF31}" type="slidenum">
               <a:rPr lang="en-GB" smtClean="0"/>
-              <a:t>12</a:t>
+              <a:t>11</a:t>
             </a:fld>
             <a:endParaRPr lang="en-GB" dirty="0"/>
           </a:p>
@@ -1256,7 +1233,7 @@
     </p:spTree>
     <p:extLst>
       <p:ext uri="{BB962C8B-B14F-4D97-AF65-F5344CB8AC3E}">
-        <p14:creationId xmlns:p14="http://schemas.microsoft.com/office/powerpoint/2010/main" val="984250350"/>
+        <p14:creationId xmlns:p14="http://schemas.microsoft.com/office/powerpoint/2010/main" val="1042090849"/>
       </p:ext>
     </p:extLst>
   </p:cSld>
@@ -1336,7 +1313,7 @@
           <a:p>
             <a:fld id="{46EF6F6D-23AC-402A-8000-0A495137CF31}" type="slidenum">
               <a:rPr lang="en-GB" smtClean="0"/>
-              <a:t>13</a:t>
+              <a:t>12</a:t>
             </a:fld>
             <a:endParaRPr lang="en-GB" dirty="0"/>
           </a:p>
@@ -1345,7 +1322,7 @@
     </p:spTree>
     <p:extLst>
       <p:ext uri="{BB962C8B-B14F-4D97-AF65-F5344CB8AC3E}">
-        <p14:creationId xmlns:p14="http://schemas.microsoft.com/office/powerpoint/2010/main" val="2226217433"/>
+        <p14:creationId xmlns:p14="http://schemas.microsoft.com/office/powerpoint/2010/main" val="984250350"/>
       </p:ext>
     </p:extLst>
   </p:cSld>
@@ -1425,7 +1402,7 @@
           <a:p>
             <a:fld id="{46EF6F6D-23AC-402A-8000-0A495137CF31}" type="slidenum">
               <a:rPr lang="en-GB" smtClean="0"/>
-              <a:t>14</a:t>
+              <a:t>13</a:t>
             </a:fld>
             <a:endParaRPr lang="en-GB" dirty="0"/>
           </a:p>
@@ -1434,7 +1411,7 @@
     </p:spTree>
     <p:extLst>
       <p:ext uri="{BB962C8B-B14F-4D97-AF65-F5344CB8AC3E}">
-        <p14:creationId xmlns:p14="http://schemas.microsoft.com/office/powerpoint/2010/main" val="1527190412"/>
+        <p14:creationId xmlns:p14="http://schemas.microsoft.com/office/powerpoint/2010/main" val="2226217433"/>
       </p:ext>
     </p:extLst>
   </p:cSld>
@@ -1488,12 +1465,7 @@
             <p:ph type="body" idx="1"/>
           </p:nvPr>
         </p:nvSpPr>
-        <p:spPr>
-          <a:xfrm>
-            <a:off x="685800" y="4724202"/>
-            <a:ext cx="5486400" cy="4896842"/>
-          </a:xfrm>
-        </p:spPr>
+        <p:spPr/>
         <p:txBody>
           <a:bodyPr/>
           <a:lstStyle/>
@@ -1519,7 +1491,7 @@
           <a:p>
             <a:fld id="{46EF6F6D-23AC-402A-8000-0A495137CF31}" type="slidenum">
               <a:rPr lang="en-GB" smtClean="0"/>
-              <a:t>15</a:t>
+              <a:t>14</a:t>
             </a:fld>
             <a:endParaRPr lang="en-GB" dirty="0"/>
           </a:p>
@@ -1528,7 +1500,7 @@
     </p:spTree>
     <p:extLst>
       <p:ext uri="{BB962C8B-B14F-4D97-AF65-F5344CB8AC3E}">
-        <p14:creationId xmlns:p14="http://schemas.microsoft.com/office/powerpoint/2010/main" val="1585491452"/>
+        <p14:creationId xmlns:p14="http://schemas.microsoft.com/office/powerpoint/2010/main" val="1527190412"/>
       </p:ext>
     </p:extLst>
   </p:cSld>
@@ -1582,28 +1554,16 @@
             <p:ph type="body" idx="1"/>
           </p:nvPr>
         </p:nvSpPr>
-        <p:spPr/>
+        <p:spPr>
+          <a:xfrm>
+            <a:off x="685800" y="4724202"/>
+            <a:ext cx="5486400" cy="4896842"/>
+          </a:xfrm>
+        </p:spPr>
         <p:txBody>
           <a:bodyPr/>
           <a:lstStyle/>
           <a:p>
-            <a:pPr marL="171450" marR="0" indent="-171450" algn="l" defTabSz="914400" rtl="0" eaLnBrk="1" fontAlgn="auto" latinLnBrk="0" hangingPunct="1">
-              <a:lnSpc>
-                <a:spcPct val="100000"/>
-              </a:lnSpc>
-              <a:spcBef>
-                <a:spcPts val="0"/>
-              </a:spcBef>
-              <a:spcAft>
-                <a:spcPts val="0"/>
-              </a:spcAft>
-              <a:buClrTx/>
-              <a:buSzTx/>
-              <a:buFont typeface="Arial" panose="020B0604020202020204" pitchFamily="34" charset="0"/>
-              <a:buChar char="•"/>
-              <a:tabLst/>
-              <a:defRPr/>
-            </a:pPr>
             <a:endParaRPr lang="en-GB" dirty="0"/>
           </a:p>
         </p:txBody>
@@ -1625,7 +1585,7 @@
           <a:p>
             <a:fld id="{46EF6F6D-23AC-402A-8000-0A495137CF31}" type="slidenum">
               <a:rPr lang="en-GB" smtClean="0"/>
-              <a:t>16</a:t>
+              <a:t>15</a:t>
             </a:fld>
             <a:endParaRPr lang="en-GB" dirty="0"/>
           </a:p>
@@ -1634,7 +1594,7 @@
     </p:spTree>
     <p:extLst>
       <p:ext uri="{BB962C8B-B14F-4D97-AF65-F5344CB8AC3E}">
-        <p14:creationId xmlns:p14="http://schemas.microsoft.com/office/powerpoint/2010/main" val="1197429503"/>
+        <p14:creationId xmlns:p14="http://schemas.microsoft.com/office/powerpoint/2010/main" val="1585491452"/>
       </p:ext>
     </p:extLst>
   </p:cSld>
@@ -1693,6 +1653,23 @@
           <a:bodyPr/>
           <a:lstStyle/>
           <a:p>
+            <a:pPr marL="171450" marR="0" indent="-171450" algn="l" defTabSz="914400" rtl="0" eaLnBrk="1" fontAlgn="auto" latinLnBrk="0" hangingPunct="1">
+              <a:lnSpc>
+                <a:spcPct val="100000"/>
+              </a:lnSpc>
+              <a:spcBef>
+                <a:spcPts val="0"/>
+              </a:spcBef>
+              <a:spcAft>
+                <a:spcPts val="0"/>
+              </a:spcAft>
+              <a:buClrTx/>
+              <a:buSzTx/>
+              <a:buFont typeface="Arial" panose="020B0604020202020204" pitchFamily="34" charset="0"/>
+              <a:buChar char="•"/>
+              <a:tabLst/>
+              <a:defRPr/>
+            </a:pPr>
             <a:endParaRPr lang="en-GB" dirty="0"/>
           </a:p>
         </p:txBody>
@@ -1714,7 +1691,7 @@
           <a:p>
             <a:fld id="{46EF6F6D-23AC-402A-8000-0A495137CF31}" type="slidenum">
               <a:rPr lang="en-GB" smtClean="0"/>
-              <a:t>17</a:t>
+              <a:t>16</a:t>
             </a:fld>
             <a:endParaRPr lang="en-GB" dirty="0"/>
           </a:p>
@@ -1723,7 +1700,7 @@
     </p:spTree>
     <p:extLst>
       <p:ext uri="{BB962C8B-B14F-4D97-AF65-F5344CB8AC3E}">
-        <p14:creationId xmlns:p14="http://schemas.microsoft.com/office/powerpoint/2010/main" val="1806738922"/>
+        <p14:creationId xmlns:p14="http://schemas.microsoft.com/office/powerpoint/2010/main" val="1197429503"/>
       </p:ext>
     </p:extLst>
   </p:cSld>
@@ -1782,7 +1759,6 @@
           <a:bodyPr/>
           <a:lstStyle/>
           <a:p>
-            <a:pPr marL="171450" indent="-171450"/>
             <a:endParaRPr lang="en-GB" dirty="0"/>
           </a:p>
         </p:txBody>
@@ -1804,7 +1780,7 @@
           <a:p>
             <a:fld id="{46EF6F6D-23AC-402A-8000-0A495137CF31}" type="slidenum">
               <a:rPr lang="en-GB" smtClean="0"/>
-              <a:t>18</a:t>
+              <a:t>17</a:t>
             </a:fld>
             <a:endParaRPr lang="en-GB" dirty="0"/>
           </a:p>
@@ -1813,7 +1789,7 @@
     </p:spTree>
     <p:extLst>
       <p:ext uri="{BB962C8B-B14F-4D97-AF65-F5344CB8AC3E}">
-        <p14:creationId xmlns:p14="http://schemas.microsoft.com/office/powerpoint/2010/main" val="3973531654"/>
+        <p14:creationId xmlns:p14="http://schemas.microsoft.com/office/powerpoint/2010/main" val="1806738922"/>
       </p:ext>
     </p:extLst>
   </p:cSld>
@@ -1872,7 +1848,7 @@
           <a:bodyPr/>
           <a:lstStyle/>
           <a:p>
-            <a:pPr lvl="1"/>
+            <a:pPr marL="171450" indent="-171450"/>
             <a:endParaRPr lang="en-GB" dirty="0"/>
           </a:p>
         </p:txBody>
@@ -1894,7 +1870,7 @@
           <a:p>
             <a:fld id="{46EF6F6D-23AC-402A-8000-0A495137CF31}" type="slidenum">
               <a:rPr lang="en-GB" smtClean="0"/>
-              <a:t>19</a:t>
+              <a:t>18</a:t>
             </a:fld>
             <a:endParaRPr lang="en-GB" dirty="0"/>
           </a:p>
@@ -1903,7 +1879,7 @@
     </p:spTree>
     <p:extLst>
       <p:ext uri="{BB962C8B-B14F-4D97-AF65-F5344CB8AC3E}">
-        <p14:creationId xmlns:p14="http://schemas.microsoft.com/office/powerpoint/2010/main" val="219292978"/>
+        <p14:creationId xmlns:p14="http://schemas.microsoft.com/office/powerpoint/2010/main" val="3973531654"/>
       </p:ext>
     </p:extLst>
   </p:cSld>
@@ -1962,6 +1938,7 @@
           <a:bodyPr/>
           <a:lstStyle/>
           <a:p>
+            <a:pPr lvl="1"/>
             <a:endParaRPr lang="en-GB" dirty="0"/>
           </a:p>
         </p:txBody>
@@ -1983,7 +1960,7 @@
           <a:p>
             <a:fld id="{46EF6F6D-23AC-402A-8000-0A495137CF31}" type="slidenum">
               <a:rPr lang="en-GB" smtClean="0"/>
-              <a:t>20</a:t>
+              <a:t>19</a:t>
             </a:fld>
             <a:endParaRPr lang="en-GB" dirty="0"/>
           </a:p>
@@ -1992,7 +1969,7 @@
     </p:spTree>
     <p:extLst>
       <p:ext uri="{BB962C8B-B14F-4D97-AF65-F5344CB8AC3E}">
-        <p14:creationId xmlns:p14="http://schemas.microsoft.com/office/powerpoint/2010/main" val="2466889913"/>
+        <p14:creationId xmlns:p14="http://schemas.microsoft.com/office/powerpoint/2010/main" val="219292978"/>
       </p:ext>
     </p:extLst>
   </p:cSld>
@@ -2140,7 +2117,6 @@
           <a:bodyPr/>
           <a:lstStyle/>
           <a:p>
-            <a:pPr lvl="0"/>
             <a:endParaRPr lang="en-GB" dirty="0"/>
           </a:p>
         </p:txBody>
@@ -2162,7 +2138,7 @@
           <a:p>
             <a:fld id="{46EF6F6D-23AC-402A-8000-0A495137CF31}" type="slidenum">
               <a:rPr lang="en-GB" smtClean="0"/>
-              <a:t>21</a:t>
+              <a:t>20</a:t>
             </a:fld>
             <a:endParaRPr lang="en-GB" dirty="0"/>
           </a:p>
@@ -2171,7 +2147,7 @@
     </p:spTree>
     <p:extLst>
       <p:ext uri="{BB962C8B-B14F-4D97-AF65-F5344CB8AC3E}">
-        <p14:creationId xmlns:p14="http://schemas.microsoft.com/office/powerpoint/2010/main" val="2518735011"/>
+        <p14:creationId xmlns:p14="http://schemas.microsoft.com/office/powerpoint/2010/main" val="2466889913"/>
       </p:ext>
     </p:extLst>
   </p:cSld>
@@ -2230,6 +2206,7 @@
           <a:bodyPr/>
           <a:lstStyle/>
           <a:p>
+            <a:pPr lvl="0"/>
             <a:endParaRPr lang="en-GB" dirty="0"/>
           </a:p>
         </p:txBody>
@@ -2251,7 +2228,7 @@
           <a:p>
             <a:fld id="{46EF6F6D-23AC-402A-8000-0A495137CF31}" type="slidenum">
               <a:rPr lang="en-GB" smtClean="0"/>
-              <a:t>22</a:t>
+              <a:t>21</a:t>
             </a:fld>
             <a:endParaRPr lang="en-GB" dirty="0"/>
           </a:p>
@@ -2260,7 +2237,7 @@
     </p:spTree>
     <p:extLst>
       <p:ext uri="{BB962C8B-B14F-4D97-AF65-F5344CB8AC3E}">
-        <p14:creationId xmlns:p14="http://schemas.microsoft.com/office/powerpoint/2010/main" val="4268418127"/>
+        <p14:creationId xmlns:p14="http://schemas.microsoft.com/office/powerpoint/2010/main" val="2518735011"/>
       </p:ext>
     </p:extLst>
   </p:cSld>
@@ -2340,7 +2317,7 @@
           <a:p>
             <a:fld id="{46EF6F6D-23AC-402A-8000-0A495137CF31}" type="slidenum">
               <a:rPr lang="en-GB" smtClean="0"/>
-              <a:t>23</a:t>
+              <a:t>22</a:t>
             </a:fld>
             <a:endParaRPr lang="en-GB" dirty="0"/>
           </a:p>
@@ -2349,7 +2326,7 @@
     </p:spTree>
     <p:extLst>
       <p:ext uri="{BB962C8B-B14F-4D97-AF65-F5344CB8AC3E}">
-        <p14:creationId xmlns:p14="http://schemas.microsoft.com/office/powerpoint/2010/main" val="1073058673"/>
+        <p14:creationId xmlns:p14="http://schemas.microsoft.com/office/powerpoint/2010/main" val="4268418127"/>
       </p:ext>
     </p:extLst>
   </p:cSld>
@@ -2429,6 +2406,95 @@
           <a:p>
             <a:fld id="{46EF6F6D-23AC-402A-8000-0A495137CF31}" type="slidenum">
               <a:rPr lang="en-GB" smtClean="0"/>
+              <a:t>23</a:t>
+            </a:fld>
+            <a:endParaRPr lang="en-GB" dirty="0"/>
+          </a:p>
+        </p:txBody>
+      </p:sp>
+    </p:spTree>
+    <p:extLst>
+      <p:ext uri="{BB962C8B-B14F-4D97-AF65-F5344CB8AC3E}">
+        <p14:creationId xmlns:p14="http://schemas.microsoft.com/office/powerpoint/2010/main" val="1073058673"/>
+      </p:ext>
+    </p:extLst>
+  </p:cSld>
+  <p:clrMapOvr>
+    <a:masterClrMapping/>
+  </p:clrMapOvr>
+</p:notes>
+</file>
+
+<file path=ppt/notesSlides/notesSlide24.xml><?xml version="1.0" encoding="utf-8"?>
+<p:notes xmlns:a="http://schemas.openxmlformats.org/drawingml/2006/main" xmlns:r="http://schemas.openxmlformats.org/officeDocument/2006/relationships" xmlns:p="http://schemas.openxmlformats.org/presentationml/2006/main">
+  <p:cSld>
+    <p:spTree>
+      <p:nvGrpSpPr>
+        <p:cNvPr id="1" name=""/>
+        <p:cNvGrpSpPr/>
+        <p:nvPr/>
+      </p:nvGrpSpPr>
+      <p:grpSpPr>
+        <a:xfrm>
+          <a:off x="0" y="0"/>
+          <a:ext cx="0" cy="0"/>
+          <a:chOff x="0" y="0"/>
+          <a:chExt cx="0" cy="0"/>
+        </a:xfrm>
+      </p:grpSpPr>
+      <p:sp>
+        <p:nvSpPr>
+          <p:cNvPr id="2" name="Slide Image Placeholder 1"/>
+          <p:cNvSpPr>
+            <a:spLocks noGrp="1" noRot="1" noChangeAspect="1"/>
+          </p:cNvSpPr>
+          <p:nvPr>
+            <p:ph type="sldImg"/>
+          </p:nvPr>
+        </p:nvSpPr>
+        <p:spPr>
+          <a:xfrm>
+            <a:off x="114300" y="746125"/>
+            <a:ext cx="6629400" cy="3729038"/>
+          </a:xfrm>
+        </p:spPr>
+      </p:sp>
+      <p:sp>
+        <p:nvSpPr>
+          <p:cNvPr id="3" name="Notes Placeholder 2"/>
+          <p:cNvSpPr>
+            <a:spLocks noGrp="1"/>
+          </p:cNvSpPr>
+          <p:nvPr>
+            <p:ph type="body" idx="1"/>
+          </p:nvPr>
+        </p:nvSpPr>
+        <p:spPr/>
+        <p:txBody>
+          <a:bodyPr/>
+          <a:lstStyle/>
+          <a:p>
+            <a:endParaRPr lang="en-GB" dirty="0"/>
+          </a:p>
+        </p:txBody>
+      </p:sp>
+      <p:sp>
+        <p:nvSpPr>
+          <p:cNvPr id="4" name="Slide Number Placeholder 3"/>
+          <p:cNvSpPr>
+            <a:spLocks noGrp="1"/>
+          </p:cNvSpPr>
+          <p:nvPr>
+            <p:ph type="sldNum" sz="quarter" idx="10"/>
+          </p:nvPr>
+        </p:nvSpPr>
+        <p:spPr/>
+        <p:txBody>
+          <a:bodyPr/>
+          <a:lstStyle/>
+          <a:p>
+            <a:fld id="{46EF6F6D-23AC-402A-8000-0A495137CF31}" type="slidenum">
+              <a:rPr lang="en-GB" smtClean="0"/>
               <a:t>24</a:t>
             </a:fld>
             <a:endParaRPr lang="en-GB" dirty="0"/>
@@ -2448,7 +2514,7 @@
 </p:notes>
 </file>
 
-<file path=ppt/notesSlides/notesSlide24.xml><?xml version="1.0" encoding="utf-8"?>
+<file path=ppt/notesSlides/notesSlide25.xml><?xml version="1.0" encoding="utf-8"?>
 <p:notes xmlns:a="http://schemas.openxmlformats.org/drawingml/2006/main" xmlns:r="http://schemas.openxmlformats.org/officeDocument/2006/relationships" xmlns:p="http://schemas.openxmlformats.org/presentationml/2006/main">
   <p:cSld>
     <p:spTree>
@@ -2742,12 +2808,7 @@
             <p:ph type="sldImg"/>
           </p:nvPr>
         </p:nvSpPr>
-        <p:spPr>
-          <a:xfrm>
-            <a:off x="114300" y="746125"/>
-            <a:ext cx="6629400" cy="3729038"/>
-          </a:xfrm>
-        </p:spPr>
+        <p:spPr/>
       </p:sp>
       <p:sp>
         <p:nvSpPr>
@@ -2764,9 +2825,6 @@
           <a:bodyPr/>
           <a:lstStyle/>
           <a:p>
-            <a:pPr marL="0" indent="0">
-              <a:buNone/>
-            </a:pPr>
             <a:endParaRPr lang="en-GB" dirty="0"/>
           </a:p>
         </p:txBody>
@@ -2788,16 +2846,16 @@
           <a:p>
             <a:fld id="{46EF6F6D-23AC-402A-8000-0A495137CF31}" type="slidenum">
               <a:rPr lang="en-GB" smtClean="0"/>
-              <a:t>6</a:t>
+              <a:t>5</a:t>
             </a:fld>
-            <a:endParaRPr lang="en-GB" dirty="0"/>
+            <a:endParaRPr lang="en-GB"/>
           </a:p>
         </p:txBody>
       </p:sp>
     </p:spTree>
     <p:extLst>
       <p:ext uri="{BB962C8B-B14F-4D97-AF65-F5344CB8AC3E}">
-        <p14:creationId xmlns:p14="http://schemas.microsoft.com/office/powerpoint/2010/main" val="3766956178"/>
+        <p14:creationId xmlns:p14="http://schemas.microsoft.com/office/powerpoint/2010/main" val="953653805"/>
       </p:ext>
     </p:extLst>
   </p:cSld>
@@ -2856,7 +2914,9 @@
           <a:bodyPr/>
           <a:lstStyle/>
           <a:p>
-            <a:pPr lvl="1"/>
+            <a:pPr marL="0" indent="0">
+              <a:buNone/>
+            </a:pPr>
             <a:endParaRPr lang="en-GB" dirty="0"/>
           </a:p>
         </p:txBody>
@@ -2878,7 +2938,7 @@
           <a:p>
             <a:fld id="{46EF6F6D-23AC-402A-8000-0A495137CF31}" type="slidenum">
               <a:rPr lang="en-GB" smtClean="0"/>
-              <a:t>7</a:t>
+              <a:t>6</a:t>
             </a:fld>
             <a:endParaRPr lang="en-GB" dirty="0"/>
           </a:p>
@@ -2887,7 +2947,7 @@
     </p:spTree>
     <p:extLst>
       <p:ext uri="{BB962C8B-B14F-4D97-AF65-F5344CB8AC3E}">
-        <p14:creationId xmlns:p14="http://schemas.microsoft.com/office/powerpoint/2010/main" val="1263355229"/>
+        <p14:creationId xmlns:p14="http://schemas.microsoft.com/office/powerpoint/2010/main" val="3766956178"/>
       </p:ext>
     </p:extLst>
   </p:cSld>
@@ -2946,6 +3006,7 @@
           <a:bodyPr/>
           <a:lstStyle/>
           <a:p>
+            <a:pPr lvl="1"/>
             <a:endParaRPr lang="en-GB" dirty="0"/>
           </a:p>
         </p:txBody>
@@ -2967,7 +3028,7 @@
           <a:p>
             <a:fld id="{46EF6F6D-23AC-402A-8000-0A495137CF31}" type="slidenum">
               <a:rPr lang="en-GB" smtClean="0"/>
-              <a:t>8</a:t>
+              <a:t>7</a:t>
             </a:fld>
             <a:endParaRPr lang="en-GB" dirty="0"/>
           </a:p>
@@ -2976,7 +3037,7 @@
     </p:spTree>
     <p:extLst>
       <p:ext uri="{BB962C8B-B14F-4D97-AF65-F5344CB8AC3E}">
-        <p14:creationId xmlns:p14="http://schemas.microsoft.com/office/powerpoint/2010/main" val="3754038371"/>
+        <p14:creationId xmlns:p14="http://schemas.microsoft.com/office/powerpoint/2010/main" val="1263355229"/>
       </p:ext>
     </p:extLst>
   </p:cSld>
@@ -3056,7 +3117,7 @@
           <a:p>
             <a:fld id="{46EF6F6D-23AC-402A-8000-0A495137CF31}" type="slidenum">
               <a:rPr lang="en-GB" smtClean="0"/>
-              <a:t>9</a:t>
+              <a:t>8</a:t>
             </a:fld>
             <a:endParaRPr lang="en-GB" dirty="0"/>
           </a:p>
@@ -3065,7 +3126,7 @@
     </p:spTree>
     <p:extLst>
       <p:ext uri="{BB962C8B-B14F-4D97-AF65-F5344CB8AC3E}">
-        <p14:creationId xmlns:p14="http://schemas.microsoft.com/office/powerpoint/2010/main" val="1124553281"/>
+        <p14:creationId xmlns:p14="http://schemas.microsoft.com/office/powerpoint/2010/main" val="3754038371"/>
       </p:ext>
     </p:extLst>
   </p:cSld>
@@ -3145,7 +3206,7 @@
           <a:p>
             <a:fld id="{46EF6F6D-23AC-402A-8000-0A495137CF31}" type="slidenum">
               <a:rPr lang="en-GB" smtClean="0"/>
-              <a:t>10</a:t>
+              <a:t>9</a:t>
             </a:fld>
             <a:endParaRPr lang="en-GB" dirty="0"/>
           </a:p>
@@ -3154,7 +3215,7 @@
     </p:spTree>
     <p:extLst>
       <p:ext uri="{BB962C8B-B14F-4D97-AF65-F5344CB8AC3E}">
-        <p14:creationId xmlns:p14="http://schemas.microsoft.com/office/powerpoint/2010/main" val="456350568"/>
+        <p14:creationId xmlns:p14="http://schemas.microsoft.com/office/powerpoint/2010/main" val="1124553281"/>
       </p:ext>
     </p:extLst>
   </p:cSld>
@@ -3345,7 +3406,7 @@
           <a:p>
             <a:fld id="{FD207E47-C1CA-47C9-BFA1-FDEFD1CE1BAA}" type="datetime1">
               <a:rPr lang="en-US" smtClean="0"/>
-              <a:t>1/12/2022</a:t>
+              <a:t>1/16/2022</a:t>
             </a:fld>
             <a:endParaRPr lang="en-US"/>
           </a:p>
@@ -3511,7 +3572,7 @@
           <a:p>
             <a:fld id="{58C692B5-BE86-445D-88C0-242C83A9421E}" type="datetime1">
               <a:rPr lang="en-US" smtClean="0"/>
-              <a:t>1/12/2022</a:t>
+              <a:t>1/16/2022</a:t>
             </a:fld>
             <a:endParaRPr lang="en-US"/>
           </a:p>
@@ -3687,7 +3748,7 @@
           <a:p>
             <a:fld id="{6A70B350-EB04-4702-A2C6-BB029CC917C4}" type="datetime1">
               <a:rPr lang="en-US" smtClean="0"/>
-              <a:t>1/12/2022</a:t>
+              <a:t>1/16/2022</a:t>
             </a:fld>
             <a:endParaRPr lang="en-US"/>
           </a:p>
@@ -3853,7 +3914,7 @@
           <a:p>
             <a:fld id="{B19C5C7B-1CCF-4D03-A2E8-D3591213E0F6}" type="datetime1">
               <a:rPr lang="en-US" smtClean="0"/>
-              <a:t>1/12/2022</a:t>
+              <a:t>1/16/2022</a:t>
             </a:fld>
             <a:endParaRPr lang="en-US"/>
           </a:p>
@@ -4095,7 +4156,7 @@
           <a:p>
             <a:fld id="{617DE08F-8114-45C2-9520-EC1882F8A669}" type="datetime1">
               <a:rPr lang="en-US" smtClean="0"/>
-              <a:t>1/12/2022</a:t>
+              <a:t>1/16/2022</a:t>
             </a:fld>
             <a:endParaRPr lang="en-US"/>
           </a:p>
@@ -4379,7 +4440,7 @@
           <a:p>
             <a:fld id="{67FBBCEA-51D6-4D4F-B700-EBDD8904452C}" type="datetime1">
               <a:rPr lang="en-US" smtClean="0"/>
-              <a:t>1/12/2022</a:t>
+              <a:t>1/16/2022</a:t>
             </a:fld>
             <a:endParaRPr lang="en-US"/>
           </a:p>
@@ -4797,7 +4858,7 @@
           <a:p>
             <a:fld id="{7C3355C0-4DE2-42D1-B918-7B0FCE7481FD}" type="datetime1">
               <a:rPr lang="en-US" smtClean="0"/>
-              <a:t>1/12/2022</a:t>
+              <a:t>1/16/2022</a:t>
             </a:fld>
             <a:endParaRPr lang="en-US"/>
           </a:p>
@@ -4911,7 +4972,7 @@
           <a:p>
             <a:fld id="{41F9056E-53B5-467C-A68C-D5DD1F771BB5}" type="datetime1">
               <a:rPr lang="en-US" smtClean="0"/>
-              <a:t>1/12/2022</a:t>
+              <a:t>1/16/2022</a:t>
             </a:fld>
             <a:endParaRPr lang="en-US"/>
           </a:p>
@@ -5002,7 +5063,7 @@
           <a:p>
             <a:fld id="{73236B7C-1414-4D49-8A59-8F56128C501B}" type="datetime1">
               <a:rPr lang="en-US" smtClean="0"/>
-              <a:t>1/12/2022</a:t>
+              <a:t>1/16/2022</a:t>
             </a:fld>
             <a:endParaRPr lang="en-US"/>
           </a:p>
@@ -5275,7 +5336,7 @@
           <a:p>
             <a:fld id="{A40AEADC-23C0-4767-9AD7-3E7B6C343A0A}" type="datetime1">
               <a:rPr lang="en-US" smtClean="0"/>
-              <a:t>1/12/2022</a:t>
+              <a:t>1/16/2022</a:t>
             </a:fld>
             <a:endParaRPr lang="en-US"/>
           </a:p>
@@ -5524,7 +5585,7 @@
           <a:p>
             <a:fld id="{07762B3B-4AFD-4E39-B6F8-E1A2354BA336}" type="datetime1">
               <a:rPr lang="en-US" smtClean="0"/>
-              <a:t>1/12/2022</a:t>
+              <a:t>1/16/2022</a:t>
             </a:fld>
             <a:endParaRPr lang="en-US"/>
           </a:p>
@@ -5733,7 +5794,7 @@
           <a:p>
             <a:fld id="{16C4ABC6-3BA1-4854-92CA-2B0133ECAB44}" type="datetime1">
               <a:rPr lang="en-US" smtClean="0"/>
-              <a:t>1/12/2022</a:t>
+              <a:t>1/16/2022</a:t>
             </a:fld>
             <a:endParaRPr lang="en-US"/>
           </a:p>
@@ -15511,15 +15572,7 @@
                   <a:schemeClr val="tx2"/>
                 </a:solidFill>
               </a:rPr>
-              <a:t>7 </a:t>
-            </a:r>
-            <a:r>
-              <a:rPr lang="en-GB" sz="2300" b="1" dirty="0" smtClean="0">
-                <a:solidFill>
-                  <a:schemeClr val="tx2"/>
-                </a:solidFill>
-              </a:rPr>
-              <a:t>hours</a:t>
+              <a:t>7 hours</a:t>
             </a:r>
             <a:r>
               <a:rPr lang="en-GB" sz="2300" dirty="0" smtClean="0"/>
@@ -15583,11 +15636,7 @@
             </a:r>
             <a:r>
               <a:rPr lang="en-GB" sz="2300" b="1" dirty="0" smtClean="0"/>
-              <a:t>(</a:t>
-            </a:r>
-            <a:r>
-              <a:rPr lang="en-GB" sz="2300" b="1" dirty="0" smtClean="0"/>
-              <a:t>0.13*7)</a:t>
+              <a:t>(0.13*7)</a:t>
             </a:r>
             <a:endParaRPr lang="en-GB" sz="2300" b="1" dirty="0"/>
           </a:p>
@@ -15624,15 +15673,7 @@
                   <a:schemeClr val="tx2"/>
                 </a:solidFill>
               </a:rPr>
-              <a:t>Anxiety Score is </a:t>
-            </a:r>
-            <a:r>
-              <a:rPr lang="en-GB" sz="2300" b="1" u="sng" dirty="0" smtClean="0">
-                <a:solidFill>
-                  <a:schemeClr val="tx2"/>
-                </a:solidFill>
-              </a:rPr>
-              <a:t>6.5</a:t>
+              <a:t>Anxiety Score is 6.5</a:t>
             </a:r>
             <a:endParaRPr lang="en-GB" sz="2300" b="1" u="sng" dirty="0">
               <a:solidFill>
@@ -15947,7 +15988,7 @@
                             </p:stCondLst>
                             <p:childTnLst>
                               <p:par>
-                                <p:cTn id="15" presetID="2" presetClass="entr" presetSubtype="4" fill="hold" nodeType="clickEffect">
+                                <p:cTn id="15" presetID="42" presetClass="entr" presetSubtype="0" fill="hold" grpId="0" nodeType="clickEffect">
                                   <p:stCondLst>
                                     <p:cond delay="0"/>
                                   </p:stCondLst>
@@ -15955,6 +15996,105 @@
                                     <p:set>
                                       <p:cBhvr>
                                         <p:cTn id="16" dur="1" fill="hold">
+                                          <p:stCondLst>
+                                            <p:cond delay="0"/>
+                                          </p:stCondLst>
+                                        </p:cTn>
+                                        <p:tgtEl>
+                                          <p:spTgt spid="15"/>
+                                        </p:tgtEl>
+                                        <p:attrNameLst>
+                                          <p:attrName>style.visibility</p:attrName>
+                                        </p:attrNameLst>
+                                      </p:cBhvr>
+                                      <p:to>
+                                        <p:strVal val="visible"/>
+                                      </p:to>
+                                    </p:set>
+                                    <p:animEffect transition="in" filter="fade">
+                                      <p:cBhvr>
+                                        <p:cTn id="17" dur="1000"/>
+                                        <p:tgtEl>
+                                          <p:spTgt spid="15"/>
+                                        </p:tgtEl>
+                                      </p:cBhvr>
+                                    </p:animEffect>
+                                    <p:anim calcmode="lin" valueType="num">
+                                      <p:cBhvr>
+                                        <p:cTn id="18" dur="1000" fill="hold"/>
+                                        <p:tgtEl>
+                                          <p:spTgt spid="15"/>
+                                        </p:tgtEl>
+                                        <p:attrNameLst>
+                                          <p:attrName>ppt_x</p:attrName>
+                                        </p:attrNameLst>
+                                      </p:cBhvr>
+                                      <p:tavLst>
+                                        <p:tav tm="0">
+                                          <p:val>
+                                            <p:strVal val="#ppt_x"/>
+                                          </p:val>
+                                        </p:tav>
+                                        <p:tav tm="100000">
+                                          <p:val>
+                                            <p:strVal val="#ppt_x"/>
+                                          </p:val>
+                                        </p:tav>
+                                      </p:tavLst>
+                                    </p:anim>
+                                    <p:anim calcmode="lin" valueType="num">
+                                      <p:cBhvr>
+                                        <p:cTn id="19" dur="1000" fill="hold"/>
+                                        <p:tgtEl>
+                                          <p:spTgt spid="15"/>
+                                        </p:tgtEl>
+                                        <p:attrNameLst>
+                                          <p:attrName>ppt_y</p:attrName>
+                                        </p:attrNameLst>
+                                      </p:cBhvr>
+                                      <p:tavLst>
+                                        <p:tav tm="0">
+                                          <p:val>
+                                            <p:strVal val="#ppt_y+.1"/>
+                                          </p:val>
+                                        </p:tav>
+                                        <p:tav tm="100000">
+                                          <p:val>
+                                            <p:strVal val="#ppt_y"/>
+                                          </p:val>
+                                        </p:tav>
+                                      </p:tavLst>
+                                    </p:anim>
+                                  </p:childTnLst>
+                                </p:cTn>
+                              </p:par>
+                            </p:childTnLst>
+                          </p:cTn>
+                        </p:par>
+                      </p:childTnLst>
+                    </p:cTn>
+                  </p:par>
+                  <p:par>
+                    <p:cTn id="20" fill="hold">
+                      <p:stCondLst>
+                        <p:cond delay="indefinite"/>
+                      </p:stCondLst>
+                      <p:childTnLst>
+                        <p:par>
+                          <p:cTn id="21" fill="hold">
+                            <p:stCondLst>
+                              <p:cond delay="0"/>
+                            </p:stCondLst>
+                            <p:childTnLst>
+                              <p:par>
+                                <p:cTn id="22" presetID="2" presetClass="entr" presetSubtype="4" fill="hold" nodeType="clickEffect">
+                                  <p:stCondLst>
+                                    <p:cond delay="0"/>
+                                  </p:stCondLst>
+                                  <p:childTnLst>
+                                    <p:set>
+                                      <p:cBhvr>
+                                        <p:cTn id="23" dur="1" fill="hold">
                                           <p:stCondLst>
                                             <p:cond delay="0"/>
                                           </p:stCondLst>
@@ -15972,7 +16112,7 @@
                                     </p:set>
                                     <p:anim calcmode="lin" valueType="num">
                                       <p:cBhvr additive="base">
-                                        <p:cTn id="17" dur="500" fill="hold"/>
+                                        <p:cTn id="24" dur="500" fill="hold"/>
                                         <p:tgtEl>
                                           <p:spTgt spid="5"/>
                                         </p:tgtEl>
@@ -15995,7 +16135,7 @@
                                     </p:anim>
                                     <p:anim calcmode="lin" valueType="num">
                                       <p:cBhvr additive="base">
-                                        <p:cTn id="18" dur="500" fill="hold"/>
+                                        <p:cTn id="25" dur="500" fill="hold"/>
                                         <p:tgtEl>
                                           <p:spTgt spid="5"/>
                                         </p:tgtEl>
@@ -16026,26 +16166,26 @@
                     </p:cTn>
                   </p:par>
                   <p:par>
-                    <p:cTn id="19" fill="hold">
+                    <p:cTn id="26" fill="hold">
                       <p:stCondLst>
                         <p:cond delay="indefinite"/>
                       </p:stCondLst>
                       <p:childTnLst>
                         <p:par>
-                          <p:cTn id="20" fill="hold">
+                          <p:cTn id="27" fill="hold">
                             <p:stCondLst>
                               <p:cond delay="0"/>
                             </p:stCondLst>
                             <p:childTnLst>
                               <p:par>
-                                <p:cTn id="21" presetID="2" presetClass="entr" presetSubtype="4" fill="hold" nodeType="clickEffect">
+                                <p:cTn id="28" presetID="2" presetClass="entr" presetSubtype="4" fill="hold" nodeType="clickEffect">
                                   <p:stCondLst>
                                     <p:cond delay="0"/>
                                   </p:stCondLst>
                                   <p:childTnLst>
                                     <p:set>
                                       <p:cBhvr>
-                                        <p:cTn id="22" dur="1" fill="hold">
+                                        <p:cTn id="29" dur="1" fill="hold">
                                           <p:stCondLst>
                                             <p:cond delay="0"/>
                                           </p:stCondLst>
@@ -16063,7 +16203,7 @@
                                     </p:set>
                                     <p:anim calcmode="lin" valueType="num">
                                       <p:cBhvr additive="base">
-                                        <p:cTn id="23" dur="500" fill="hold"/>
+                                        <p:cTn id="30" dur="500" fill="hold"/>
                                         <p:tgtEl>
                                           <p:spTgt spid="12"/>
                                         </p:tgtEl>
@@ -16086,7 +16226,7 @@
                                     </p:anim>
                                     <p:anim calcmode="lin" valueType="num">
                                       <p:cBhvr additive="base">
-                                        <p:cTn id="24" dur="500" fill="hold"/>
+                                        <p:cTn id="31" dur="500" fill="hold"/>
                                         <p:tgtEl>
                                           <p:spTgt spid="12"/>
                                         </p:tgtEl>
@@ -16098,105 +16238,6 @@
                                         <p:tav tm="0">
                                           <p:val>
                                             <p:strVal val="1+#ppt_h/2"/>
-                                          </p:val>
-                                        </p:tav>
-                                        <p:tav tm="100000">
-                                          <p:val>
-                                            <p:strVal val="#ppt_y"/>
-                                          </p:val>
-                                        </p:tav>
-                                      </p:tavLst>
-                                    </p:anim>
-                                  </p:childTnLst>
-                                </p:cTn>
-                              </p:par>
-                            </p:childTnLst>
-                          </p:cTn>
-                        </p:par>
-                      </p:childTnLst>
-                    </p:cTn>
-                  </p:par>
-                  <p:par>
-                    <p:cTn id="25" fill="hold">
-                      <p:stCondLst>
-                        <p:cond delay="indefinite"/>
-                      </p:stCondLst>
-                      <p:childTnLst>
-                        <p:par>
-                          <p:cTn id="26" fill="hold">
-                            <p:stCondLst>
-                              <p:cond delay="0"/>
-                            </p:stCondLst>
-                            <p:childTnLst>
-                              <p:par>
-                                <p:cTn id="27" presetID="42" presetClass="entr" presetSubtype="0" fill="hold" grpId="0" nodeType="clickEffect">
-                                  <p:stCondLst>
-                                    <p:cond delay="0"/>
-                                  </p:stCondLst>
-                                  <p:childTnLst>
-                                    <p:set>
-                                      <p:cBhvr>
-                                        <p:cTn id="28" dur="1" fill="hold">
-                                          <p:stCondLst>
-                                            <p:cond delay="0"/>
-                                          </p:stCondLst>
-                                        </p:cTn>
-                                        <p:tgtEl>
-                                          <p:spTgt spid="9"/>
-                                        </p:tgtEl>
-                                        <p:attrNameLst>
-                                          <p:attrName>style.visibility</p:attrName>
-                                        </p:attrNameLst>
-                                      </p:cBhvr>
-                                      <p:to>
-                                        <p:strVal val="visible"/>
-                                      </p:to>
-                                    </p:set>
-                                    <p:animEffect transition="in" filter="fade">
-                                      <p:cBhvr>
-                                        <p:cTn id="29" dur="1000"/>
-                                        <p:tgtEl>
-                                          <p:spTgt spid="9"/>
-                                        </p:tgtEl>
-                                      </p:cBhvr>
-                                    </p:animEffect>
-                                    <p:anim calcmode="lin" valueType="num">
-                                      <p:cBhvr>
-                                        <p:cTn id="30" dur="1000" fill="hold"/>
-                                        <p:tgtEl>
-                                          <p:spTgt spid="9"/>
-                                        </p:tgtEl>
-                                        <p:attrNameLst>
-                                          <p:attrName>ppt_x</p:attrName>
-                                        </p:attrNameLst>
-                                      </p:cBhvr>
-                                      <p:tavLst>
-                                        <p:tav tm="0">
-                                          <p:val>
-                                            <p:strVal val="#ppt_x"/>
-                                          </p:val>
-                                        </p:tav>
-                                        <p:tav tm="100000">
-                                          <p:val>
-                                            <p:strVal val="#ppt_x"/>
-                                          </p:val>
-                                        </p:tav>
-                                      </p:tavLst>
-                                    </p:anim>
-                                    <p:anim calcmode="lin" valueType="num">
-                                      <p:cBhvr>
-                                        <p:cTn id="31" dur="1000" fill="hold"/>
-                                        <p:tgtEl>
-                                          <p:spTgt spid="9"/>
-                                        </p:tgtEl>
-                                        <p:attrNameLst>
-                                          <p:attrName>ppt_y</p:attrName>
-                                        </p:attrNameLst>
-                                      </p:cBhvr>
-                                      <p:tavLst>
-                                        <p:tav tm="0">
-                                          <p:val>
-                                            <p:strVal val="#ppt_y+.1"/>
                                           </p:val>
                                         </p:tav>
                                         <p:tav tm="100000">
@@ -16228,7 +16269,7 @@
                             </p:stCondLst>
                             <p:childTnLst>
                               <p:par>
-                                <p:cTn id="34" presetID="10" presetClass="entr" presetSubtype="0" fill="hold" nodeType="clickEffect">
+                                <p:cTn id="34" presetID="42" presetClass="entr" presetSubtype="0" fill="hold" grpId="0" nodeType="clickEffect">
                                   <p:stCondLst>
                                     <p:cond delay="0"/>
                                   </p:stCondLst>
@@ -16236,6 +16277,105 @@
                                     <p:set>
                                       <p:cBhvr>
                                         <p:cTn id="35" dur="1" fill="hold">
+                                          <p:stCondLst>
+                                            <p:cond delay="0"/>
+                                          </p:stCondLst>
+                                        </p:cTn>
+                                        <p:tgtEl>
+                                          <p:spTgt spid="9"/>
+                                        </p:tgtEl>
+                                        <p:attrNameLst>
+                                          <p:attrName>style.visibility</p:attrName>
+                                        </p:attrNameLst>
+                                      </p:cBhvr>
+                                      <p:to>
+                                        <p:strVal val="visible"/>
+                                      </p:to>
+                                    </p:set>
+                                    <p:animEffect transition="in" filter="fade">
+                                      <p:cBhvr>
+                                        <p:cTn id="36" dur="1000"/>
+                                        <p:tgtEl>
+                                          <p:spTgt spid="9"/>
+                                        </p:tgtEl>
+                                      </p:cBhvr>
+                                    </p:animEffect>
+                                    <p:anim calcmode="lin" valueType="num">
+                                      <p:cBhvr>
+                                        <p:cTn id="37" dur="1000" fill="hold"/>
+                                        <p:tgtEl>
+                                          <p:spTgt spid="9"/>
+                                        </p:tgtEl>
+                                        <p:attrNameLst>
+                                          <p:attrName>ppt_x</p:attrName>
+                                        </p:attrNameLst>
+                                      </p:cBhvr>
+                                      <p:tavLst>
+                                        <p:tav tm="0">
+                                          <p:val>
+                                            <p:strVal val="#ppt_x"/>
+                                          </p:val>
+                                        </p:tav>
+                                        <p:tav tm="100000">
+                                          <p:val>
+                                            <p:strVal val="#ppt_x"/>
+                                          </p:val>
+                                        </p:tav>
+                                      </p:tavLst>
+                                    </p:anim>
+                                    <p:anim calcmode="lin" valueType="num">
+                                      <p:cBhvr>
+                                        <p:cTn id="38" dur="1000" fill="hold"/>
+                                        <p:tgtEl>
+                                          <p:spTgt spid="9"/>
+                                        </p:tgtEl>
+                                        <p:attrNameLst>
+                                          <p:attrName>ppt_y</p:attrName>
+                                        </p:attrNameLst>
+                                      </p:cBhvr>
+                                      <p:tavLst>
+                                        <p:tav tm="0">
+                                          <p:val>
+                                            <p:strVal val="#ppt_y+.1"/>
+                                          </p:val>
+                                        </p:tav>
+                                        <p:tav tm="100000">
+                                          <p:val>
+                                            <p:strVal val="#ppt_y"/>
+                                          </p:val>
+                                        </p:tav>
+                                      </p:tavLst>
+                                    </p:anim>
+                                  </p:childTnLst>
+                                </p:cTn>
+                              </p:par>
+                            </p:childTnLst>
+                          </p:cTn>
+                        </p:par>
+                      </p:childTnLst>
+                    </p:cTn>
+                  </p:par>
+                  <p:par>
+                    <p:cTn id="39" fill="hold">
+                      <p:stCondLst>
+                        <p:cond delay="indefinite"/>
+                      </p:stCondLst>
+                      <p:childTnLst>
+                        <p:par>
+                          <p:cTn id="40" fill="hold">
+                            <p:stCondLst>
+                              <p:cond delay="0"/>
+                            </p:stCondLst>
+                            <p:childTnLst>
+                              <p:par>
+                                <p:cTn id="41" presetID="10" presetClass="entr" presetSubtype="0" fill="hold" nodeType="clickEffect">
+                                  <p:stCondLst>
+                                    <p:cond delay="0"/>
+                                  </p:stCondLst>
+                                  <p:childTnLst>
+                                    <p:set>
+                                      <p:cBhvr>
+                                        <p:cTn id="42" dur="1" fill="hold">
                                           <p:stCondLst>
                                             <p:cond delay="0"/>
                                           </p:stCondLst>
@@ -16257,7 +16397,7 @@
                                     </p:set>
                                     <p:animEffect transition="in" filter="fade">
                                       <p:cBhvr>
-                                        <p:cTn id="36" dur="500"/>
+                                        <p:cTn id="43" dur="500"/>
                                         <p:tgtEl>
                                           <p:spTgt spid="10">
                                             <p:txEl>
@@ -16277,26 +16417,26 @@
                     </p:cTn>
                   </p:par>
                   <p:par>
-                    <p:cTn id="37" fill="hold">
+                    <p:cTn id="44" fill="hold">
                       <p:stCondLst>
                         <p:cond delay="indefinite"/>
                       </p:stCondLst>
                       <p:childTnLst>
                         <p:par>
-                          <p:cTn id="38" fill="hold">
+                          <p:cTn id="45" fill="hold">
                             <p:stCondLst>
                               <p:cond delay="0"/>
                             </p:stCondLst>
                             <p:childTnLst>
                               <p:par>
-                                <p:cTn id="39" presetID="10" presetClass="entr" presetSubtype="0" fill="hold" nodeType="clickEffect">
+                                <p:cTn id="46" presetID="10" presetClass="entr" presetSubtype="0" fill="hold" nodeType="clickEffect">
                                   <p:stCondLst>
                                     <p:cond delay="0"/>
                                   </p:stCondLst>
                                   <p:childTnLst>
                                     <p:set>
                                       <p:cBhvr>
-                                        <p:cTn id="40" dur="1" fill="hold">
+                                        <p:cTn id="47" dur="1" fill="hold">
                                           <p:stCondLst>
                                             <p:cond delay="0"/>
                                           </p:stCondLst>
@@ -16318,7 +16458,7 @@
                                     </p:set>
                                     <p:animEffect transition="in" filter="fade">
                                       <p:cBhvr>
-                                        <p:cTn id="41" dur="500"/>
+                                        <p:cTn id="48" dur="500"/>
                                         <p:tgtEl>
                                           <p:spTgt spid="10">
                                             <p:txEl>
@@ -16332,14 +16472,14 @@
                                 </p:cTn>
                               </p:par>
                               <p:par>
-                                <p:cTn id="42" presetID="10" presetClass="entr" presetSubtype="0" fill="hold" nodeType="withEffect">
+                                <p:cTn id="49" presetID="10" presetClass="entr" presetSubtype="0" fill="hold" nodeType="withEffect">
                                   <p:stCondLst>
                                     <p:cond delay="0"/>
                                   </p:stCondLst>
                                   <p:childTnLst>
                                     <p:set>
                                       <p:cBhvr>
-                                        <p:cTn id="43" dur="1" fill="hold">
+                                        <p:cTn id="50" dur="1" fill="hold">
                                           <p:stCondLst>
                                             <p:cond delay="0"/>
                                           </p:stCondLst>
@@ -16361,7 +16501,7 @@
                                     </p:set>
                                     <p:animEffect transition="in" filter="fade">
                                       <p:cBhvr>
-                                        <p:cTn id="44" dur="500"/>
+                                        <p:cTn id="51" dur="500"/>
                                         <p:tgtEl>
                                           <p:spTgt spid="10">
                                             <p:txEl>
@@ -16381,26 +16521,26 @@
                     </p:cTn>
                   </p:par>
                   <p:par>
-                    <p:cTn id="45" fill="hold">
+                    <p:cTn id="52" fill="hold">
                       <p:stCondLst>
                         <p:cond delay="indefinite"/>
                       </p:stCondLst>
                       <p:childTnLst>
                         <p:par>
-                          <p:cTn id="46" fill="hold">
+                          <p:cTn id="53" fill="hold">
                             <p:stCondLst>
                               <p:cond delay="0"/>
                             </p:stCondLst>
                             <p:childTnLst>
                               <p:par>
-                                <p:cTn id="47" presetID="10" presetClass="entr" presetSubtype="0" fill="hold" nodeType="clickEffect">
+                                <p:cTn id="54" presetID="10" presetClass="entr" presetSubtype="0" fill="hold" nodeType="clickEffect">
                                   <p:stCondLst>
                                     <p:cond delay="0"/>
                                   </p:stCondLst>
                                   <p:childTnLst>
                                     <p:set>
                                       <p:cBhvr>
-                                        <p:cTn id="48" dur="1" fill="hold">
+                                        <p:cTn id="55" dur="1" fill="hold">
                                           <p:stCondLst>
                                             <p:cond delay="0"/>
                                           </p:stCondLst>
@@ -16422,7 +16562,7 @@
                                     </p:set>
                                     <p:animEffect transition="in" filter="fade">
                                       <p:cBhvr>
-                                        <p:cTn id="49" dur="500"/>
+                                        <p:cTn id="56" dur="500"/>
                                         <p:tgtEl>
                                           <p:spTgt spid="10">
                                             <p:txEl>
@@ -16432,105 +16572,6 @@
                                         </p:tgtEl>
                                       </p:cBhvr>
                                     </p:animEffect>
-                                  </p:childTnLst>
-                                </p:cTn>
-                              </p:par>
-                            </p:childTnLst>
-                          </p:cTn>
-                        </p:par>
-                      </p:childTnLst>
-                    </p:cTn>
-                  </p:par>
-                  <p:par>
-                    <p:cTn id="50" fill="hold">
-                      <p:stCondLst>
-                        <p:cond delay="indefinite"/>
-                      </p:stCondLst>
-                      <p:childTnLst>
-                        <p:par>
-                          <p:cTn id="51" fill="hold">
-                            <p:stCondLst>
-                              <p:cond delay="0"/>
-                            </p:stCondLst>
-                            <p:childTnLst>
-                              <p:par>
-                                <p:cTn id="52" presetID="42" presetClass="entr" presetSubtype="0" fill="hold" grpId="0" nodeType="clickEffect">
-                                  <p:stCondLst>
-                                    <p:cond delay="0"/>
-                                  </p:stCondLst>
-                                  <p:childTnLst>
-                                    <p:set>
-                                      <p:cBhvr>
-                                        <p:cTn id="53" dur="1" fill="hold">
-                                          <p:stCondLst>
-                                            <p:cond delay="0"/>
-                                          </p:stCondLst>
-                                        </p:cTn>
-                                        <p:tgtEl>
-                                          <p:spTgt spid="15"/>
-                                        </p:tgtEl>
-                                        <p:attrNameLst>
-                                          <p:attrName>style.visibility</p:attrName>
-                                        </p:attrNameLst>
-                                      </p:cBhvr>
-                                      <p:to>
-                                        <p:strVal val="visible"/>
-                                      </p:to>
-                                    </p:set>
-                                    <p:animEffect transition="in" filter="fade">
-                                      <p:cBhvr>
-                                        <p:cTn id="54" dur="1000"/>
-                                        <p:tgtEl>
-                                          <p:spTgt spid="15"/>
-                                        </p:tgtEl>
-                                      </p:cBhvr>
-                                    </p:animEffect>
-                                    <p:anim calcmode="lin" valueType="num">
-                                      <p:cBhvr>
-                                        <p:cTn id="55" dur="1000" fill="hold"/>
-                                        <p:tgtEl>
-                                          <p:spTgt spid="15"/>
-                                        </p:tgtEl>
-                                        <p:attrNameLst>
-                                          <p:attrName>ppt_x</p:attrName>
-                                        </p:attrNameLst>
-                                      </p:cBhvr>
-                                      <p:tavLst>
-                                        <p:tav tm="0">
-                                          <p:val>
-                                            <p:strVal val="#ppt_x"/>
-                                          </p:val>
-                                        </p:tav>
-                                        <p:tav tm="100000">
-                                          <p:val>
-                                            <p:strVal val="#ppt_x"/>
-                                          </p:val>
-                                        </p:tav>
-                                      </p:tavLst>
-                                    </p:anim>
-                                    <p:anim calcmode="lin" valueType="num">
-                                      <p:cBhvr>
-                                        <p:cTn id="56" dur="1000" fill="hold"/>
-                                        <p:tgtEl>
-                                          <p:spTgt spid="15"/>
-                                        </p:tgtEl>
-                                        <p:attrNameLst>
-                                          <p:attrName>ppt_y</p:attrName>
-                                        </p:attrNameLst>
-                                      </p:cBhvr>
-                                      <p:tavLst>
-                                        <p:tav tm="0">
-                                          <p:val>
-                                            <p:strVal val="#ppt_y+.1"/>
-                                          </p:val>
-                                        </p:tav>
-                                        <p:tav tm="100000">
-                                          <p:val>
-                                            <p:strVal val="#ppt_y"/>
-                                          </p:val>
-                                        </p:tav>
-                                      </p:tavLst>
-                                    </p:anim>
                                   </p:childTnLst>
                                 </p:cTn>
                               </p:par>
@@ -19294,7 +19335,15 @@
           <a:p>
             <a:r>
               <a:rPr lang="en-GB" dirty="0" smtClean="0"/>
-              <a:t>If we only had the outcome variable (and no predictor), the best estimate or “model” of the outcome would be its </a:t>
+              <a:t>If we only had the outcome variable (and no predictor), the </a:t>
+            </a:r>
+            <a:r>
+              <a:rPr lang="en-GB" smtClean="0"/>
+              <a:t>best prediction or </a:t>
+            </a:r>
+            <a:r>
+              <a:rPr lang="en-GB" dirty="0" smtClean="0"/>
+              <a:t>“model” of the outcome would be its </a:t>
             </a:r>
             <a:r>
               <a:rPr lang="en-GB" b="1" dirty="0" smtClean="0">
@@ -20257,7 +20306,7 @@
         <p:spPr>
           <a:xfrm>
             <a:off x="2596099" y="3981130"/>
-            <a:ext cx="7387215" cy="1631216"/>
+            <a:ext cx="7504875" cy="1631216"/>
           </a:xfrm>
           <a:prstGeom prst="rect">
             <a:avLst/>
@@ -20319,7 +20368,15 @@
             </a:r>
             <a:r>
               <a:rPr lang="en-GB" sz="2000" dirty="0"/>
-              <a:t>= strong evidence for the regression model</a:t>
+              <a:t>= </a:t>
+            </a:r>
+            <a:r>
+              <a:rPr lang="en-GB" sz="2000" dirty="0" smtClean="0"/>
+              <a:t>substantial </a:t>
+            </a:r>
+            <a:r>
+              <a:rPr lang="en-GB" sz="2000" dirty="0"/>
+              <a:t>evidence for the regression model</a:t>
             </a:r>
           </a:p>
           <a:p>
@@ -20333,7 +20390,15 @@
             </a:r>
             <a:r>
               <a:rPr lang="en-GB" sz="2000" dirty="0"/>
-              <a:t>= strong evidence for the intercept-only model </a:t>
+              <a:t>= </a:t>
+            </a:r>
+            <a:r>
+              <a:rPr lang="en-GB" sz="2000" dirty="0" smtClean="0"/>
+              <a:t>substantial </a:t>
+            </a:r>
+            <a:r>
+              <a:rPr lang="en-GB" sz="2000" dirty="0"/>
+              <a:t>evidence for the intercept-only model </a:t>
             </a:r>
           </a:p>
           <a:p>
@@ -20576,7 +20641,7 @@
                                           </p:stCondLst>
                                         </p:cTn>
                                         <p:tgtEl>
-                                          <p:spTgt spid="2"/>
+                                          <p:spTgt spid="7"/>
                                         </p:tgtEl>
                                         <p:attrNameLst>
                                           <p:attrName>style.visibility</p:attrName>
@@ -20616,6 +20681,51 @@
                                     <p:set>
                                       <p:cBhvr>
                                         <p:cTn id="22" dur="1" fill="hold">
+                                          <p:stCondLst>
+                                            <p:cond delay="0"/>
+                                          </p:stCondLst>
+                                        </p:cTn>
+                                        <p:tgtEl>
+                                          <p:spTgt spid="2"/>
+                                        </p:tgtEl>
+                                        <p:attrNameLst>
+                                          <p:attrName>style.visibility</p:attrName>
+                                        </p:attrNameLst>
+                                      </p:cBhvr>
+                                      <p:to>
+                                        <p:strVal val="visible"/>
+                                      </p:to>
+                                    </p:set>
+                                  </p:childTnLst>
+                                </p:cTn>
+                              </p:par>
+                            </p:childTnLst>
+                          </p:cTn>
+                        </p:par>
+                      </p:childTnLst>
+                    </p:cTn>
+                  </p:par>
+                  <p:par>
+                    <p:cTn id="23" fill="hold">
+                      <p:stCondLst>
+                        <p:cond delay="indefinite"/>
+                      </p:stCondLst>
+                      <p:childTnLst>
+                        <p:par>
+                          <p:cTn id="24" fill="hold">
+                            <p:stCondLst>
+                              <p:cond delay="0"/>
+                            </p:stCondLst>
+                            <p:childTnLst>
+                              <p:par>
+                                <p:cTn id="25" presetID="1" presetClass="entr" presetSubtype="0" fill="hold" grpId="0" nodeType="clickEffect">
+                                  <p:stCondLst>
+                                    <p:cond delay="0"/>
+                                  </p:stCondLst>
+                                  <p:childTnLst>
+                                    <p:set>
+                                      <p:cBhvr>
+                                        <p:cTn id="26" dur="1" fill="hold">
                                           <p:stCondLst>
                                             <p:cond delay="0"/>
                                           </p:stCondLst>
@@ -20665,6 +20775,7 @@
       <p:bldP spid="3" grpId="0" build="p"/>
       <p:bldP spid="2" grpId="0"/>
       <p:bldP spid="6" grpId="0"/>
+      <p:bldP spid="7" grpId="0" animBg="1"/>
     </p:bldLst>
   </p:timing>
 </p:sld>
@@ -20719,7 +20830,7 @@
         </p:nvSpPr>
         <p:spPr>
           <a:xfrm>
-            <a:off x="1066800" y="2885182"/>
+            <a:off x="1066800" y="2438400"/>
             <a:ext cx="9677400" cy="1077218"/>
           </a:xfrm>
           <a:prstGeom prst="rect">
@@ -20746,17 +20857,52 @@
           <a:p>
             <a:r>
               <a:rPr lang="en-GB" sz="3200" b="1" dirty="0" smtClean="0"/>
-              <a:t>Start Worksheet 1 and Exercises </a:t>
-            </a:r>
-            <a:r>
-              <a:rPr lang="en-GB" sz="3200" b="1" dirty="0" smtClean="0"/>
-              <a:t>using </a:t>
+              <a:t>Start Worksheet 1 and Exercises using </a:t>
             </a:r>
             <a:r>
               <a:rPr lang="en-GB" sz="3200" b="1" dirty="0" err="1" smtClean="0"/>
               <a:t>RStudio</a:t>
             </a:r>
             <a:endParaRPr lang="en-GB" sz="3200" b="1" dirty="0"/>
+          </a:p>
+        </p:txBody>
+      </p:sp>
+      <p:sp>
+        <p:nvSpPr>
+          <p:cNvPr id="2" name="TextBox 1"/>
+          <p:cNvSpPr txBox="1"/>
+          <p:nvPr/>
+        </p:nvSpPr>
+        <p:spPr>
+          <a:xfrm>
+            <a:off x="1066800" y="4250928"/>
+            <a:ext cx="10210800" cy="523220"/>
+          </a:xfrm>
+          <a:prstGeom prst="rect">
+            <a:avLst/>
+          </a:prstGeom>
+          <a:noFill/>
+        </p:spPr>
+        <p:txBody>
+          <a:bodyPr wrap="square" rtlCol="0">
+            <a:spAutoFit/>
+          </a:bodyPr>
+          <a:lstStyle/>
+          <a:p>
+            <a:r>
+              <a:rPr lang="en-GB" sz="2800" b="1" dirty="0">
+                <a:solidFill>
+                  <a:srgbClr val="002060"/>
+                </a:solidFill>
+                <a:hlinkClick r:id="rId3"/>
+              </a:rPr>
+              <a:t>https://chrisjberry.github.io/datafluencyCB/</a:t>
+            </a:r>
+            <a:endParaRPr lang="en-GB" sz="2800" b="1" dirty="0">
+              <a:solidFill>
+                <a:srgbClr val="002060"/>
+              </a:solidFill>
+            </a:endParaRPr>
           </a:p>
         </p:txBody>
       </p:sp>
@@ -21616,7 +21762,7 @@
           <p:nvPr/>
         </p:nvPicPr>
         <p:blipFill>
-          <a:blip r:embed="rId2" cstate="print">
+          <a:blip r:embed="rId3" cstate="print">
             <a:extLst>
               <a:ext uri="{28A0092B-C50C-407E-A947-70E740481C1C}">
                 <a14:useLocalDpi xmlns:a14="http://schemas.microsoft.com/office/drawing/2010/main" val="0"/>

--- a/docs/slides/PSYC753_L1_SimpleRegression.pptx
+++ b/docs/slides/PSYC753_L1_SimpleRegression.pptx
@@ -345,6 +345,7 @@
               </a:p>
             </c:rich>
           </c:tx>
+          <c:layout/>
           <c:overlay val="0"/>
         </c:title>
         <c:numFmt formatCode="0" sourceLinked="0"/>
@@ -398,6 +399,7 @@
               </a:p>
             </c:rich>
           </c:tx>
+          <c:layout/>
           <c:overlay val="0"/>
         </c:title>
         <c:numFmt formatCode="0" sourceLinked="0"/>

--- a/docs/slides/PSYC753_L1_SimpleRegression.pptx
+++ b/docs/slides/PSYC753_L1_SimpleRegression.pptx
@@ -345,7 +345,6 @@
               </a:p>
             </c:rich>
           </c:tx>
-          <c:layout/>
           <c:overlay val="0"/>
         </c:title>
         <c:numFmt formatCode="0" sourceLinked="0"/>
@@ -399,7 +398,6 @@
               </a:p>
             </c:rich>
           </c:tx>
-          <c:layout/>
           <c:overlay val="0"/>
         </c:title>
         <c:numFmt formatCode="0" sourceLinked="0"/>
@@ -526,7 +524,7 @@
           <a:p>
             <a:fld id="{F54DD6DD-4541-4B93-806A-3220459C2350}" type="datetimeFigureOut">
               <a:rPr lang="en-GB" smtClean="0"/>
-              <a:t>16/01/2022</a:t>
+              <a:t>19/01/2022</a:t>
             </a:fld>
             <a:endParaRPr lang="en-GB"/>
           </a:p>
@@ -691,7 +689,7 @@
           <a:p>
             <a:fld id="{2C09A945-60CF-41CC-BF14-DA645D9ABE0F}" type="datetimeFigureOut">
               <a:rPr lang="en-GB" smtClean="0"/>
-              <a:t>16/01/2022</a:t>
+              <a:t>19/01/2022</a:t>
             </a:fld>
             <a:endParaRPr lang="en-GB"/>
           </a:p>
@@ -3408,7 +3406,7 @@
           <a:p>
             <a:fld id="{FD207E47-C1CA-47C9-BFA1-FDEFD1CE1BAA}" type="datetime1">
               <a:rPr lang="en-US" smtClean="0"/>
-              <a:t>1/16/2022</a:t>
+              <a:t>1/19/2022</a:t>
             </a:fld>
             <a:endParaRPr lang="en-US"/>
           </a:p>
@@ -3574,7 +3572,7 @@
           <a:p>
             <a:fld id="{58C692B5-BE86-445D-88C0-242C83A9421E}" type="datetime1">
               <a:rPr lang="en-US" smtClean="0"/>
-              <a:t>1/16/2022</a:t>
+              <a:t>1/19/2022</a:t>
             </a:fld>
             <a:endParaRPr lang="en-US"/>
           </a:p>
@@ -3750,7 +3748,7 @@
           <a:p>
             <a:fld id="{6A70B350-EB04-4702-A2C6-BB029CC917C4}" type="datetime1">
               <a:rPr lang="en-US" smtClean="0"/>
-              <a:t>1/16/2022</a:t>
+              <a:t>1/19/2022</a:t>
             </a:fld>
             <a:endParaRPr lang="en-US"/>
           </a:p>
@@ -3916,7 +3914,7 @@
           <a:p>
             <a:fld id="{B19C5C7B-1CCF-4D03-A2E8-D3591213E0F6}" type="datetime1">
               <a:rPr lang="en-US" smtClean="0"/>
-              <a:t>1/16/2022</a:t>
+              <a:t>1/19/2022</a:t>
             </a:fld>
             <a:endParaRPr lang="en-US"/>
           </a:p>
@@ -4158,7 +4156,7 @@
           <a:p>
             <a:fld id="{617DE08F-8114-45C2-9520-EC1882F8A669}" type="datetime1">
               <a:rPr lang="en-US" smtClean="0"/>
-              <a:t>1/16/2022</a:t>
+              <a:t>1/19/2022</a:t>
             </a:fld>
             <a:endParaRPr lang="en-US"/>
           </a:p>
@@ -4442,7 +4440,7 @@
           <a:p>
             <a:fld id="{67FBBCEA-51D6-4D4F-B700-EBDD8904452C}" type="datetime1">
               <a:rPr lang="en-US" smtClean="0"/>
-              <a:t>1/16/2022</a:t>
+              <a:t>1/19/2022</a:t>
             </a:fld>
             <a:endParaRPr lang="en-US"/>
           </a:p>
@@ -4860,7 +4858,7 @@
           <a:p>
             <a:fld id="{7C3355C0-4DE2-42D1-B918-7B0FCE7481FD}" type="datetime1">
               <a:rPr lang="en-US" smtClean="0"/>
-              <a:t>1/16/2022</a:t>
+              <a:t>1/19/2022</a:t>
             </a:fld>
             <a:endParaRPr lang="en-US"/>
           </a:p>
@@ -4974,7 +4972,7 @@
           <a:p>
             <a:fld id="{41F9056E-53B5-467C-A68C-D5DD1F771BB5}" type="datetime1">
               <a:rPr lang="en-US" smtClean="0"/>
-              <a:t>1/16/2022</a:t>
+              <a:t>1/19/2022</a:t>
             </a:fld>
             <a:endParaRPr lang="en-US"/>
           </a:p>
@@ -5065,7 +5063,7 @@
           <a:p>
             <a:fld id="{73236B7C-1414-4D49-8A59-8F56128C501B}" type="datetime1">
               <a:rPr lang="en-US" smtClean="0"/>
-              <a:t>1/16/2022</a:t>
+              <a:t>1/19/2022</a:t>
             </a:fld>
             <a:endParaRPr lang="en-US"/>
           </a:p>
@@ -5338,7 +5336,7 @@
           <a:p>
             <a:fld id="{A40AEADC-23C0-4767-9AD7-3E7B6C343A0A}" type="datetime1">
               <a:rPr lang="en-US" smtClean="0"/>
-              <a:t>1/16/2022</a:t>
+              <a:t>1/19/2022</a:t>
             </a:fld>
             <a:endParaRPr lang="en-US"/>
           </a:p>
@@ -5587,7 +5585,7 @@
           <a:p>
             <a:fld id="{07762B3B-4AFD-4E39-B6F8-E1A2354BA336}" type="datetime1">
               <a:rPr lang="en-US" smtClean="0"/>
-              <a:t>1/16/2022</a:t>
+              <a:t>1/19/2022</a:t>
             </a:fld>
             <a:endParaRPr lang="en-US"/>
           </a:p>
@@ -5796,7 +5794,7 @@
           <a:p>
             <a:fld id="{16C4ABC6-3BA1-4854-92CA-2B0133ECAB44}" type="datetime1">
               <a:rPr lang="en-US" smtClean="0"/>
-              <a:t>1/16/2022</a:t>
+              <a:t>1/19/2022</a:t>
             </a:fld>
             <a:endParaRPr lang="en-US"/>
           </a:p>
@@ -21244,8 +21242,25 @@
             </a:r>
             <a:r>
               <a:rPr lang="en-GB" dirty="0" smtClean="0"/>
-              <a:t> equation relates scores of X (e.g., Anxiety) to scores of Y (e.g., Screen Time).</a:t>
-            </a:r>
+              <a:t> equation relates scores of X (e.g., </a:t>
+            </a:r>
+            <a:r>
+              <a:rPr lang="en-GB" dirty="0" smtClean="0"/>
+              <a:t>Screen Time) </a:t>
+            </a:r>
+            <a:r>
+              <a:rPr lang="en-GB" dirty="0" smtClean="0"/>
+              <a:t>to scores of Y (e.g</a:t>
+            </a:r>
+            <a:r>
+              <a:rPr lang="en-GB" smtClean="0"/>
+              <a:t>., </a:t>
+            </a:r>
+            <a:r>
+              <a:rPr lang="en-GB" smtClean="0"/>
+              <a:t>Anxiety).</a:t>
+            </a:r>
+            <a:endParaRPr lang="en-GB" dirty="0" smtClean="0"/>
           </a:p>
           <a:p>
             <a:pPr lvl="1"/>

--- a/docs/slides/PSYC753_L1_SimpleRegression.pptx
+++ b/docs/slides/PSYC753_L1_SimpleRegression.pptx
@@ -170,7 +170,7 @@
 <file path=ppt/charts/chart1.xml><?xml version="1.0" encoding="utf-8"?>
 <c:chartSpace xmlns:c="http://schemas.openxmlformats.org/drawingml/2006/chart" xmlns:a="http://schemas.openxmlformats.org/drawingml/2006/main" xmlns:r="http://schemas.openxmlformats.org/officeDocument/2006/relationships" xmlns:c16r2="http://schemas.microsoft.com/office/drawing/2015/06/chart">
   <c:date1904 val="0"/>
-  <c:lang val="en-US"/>
+  <c:lang val="en-GB"/>
   <c:roundedCorners val="0"/>
   <mc:AlternateContent xmlns:mc="http://schemas.openxmlformats.org/markup-compatibility/2006">
     <mc:Choice xmlns:c14="http://schemas.microsoft.com/office/drawing/2007/8/2/chart" Requires="c14">
@@ -524,7 +524,7 @@
           <a:p>
             <a:fld id="{F54DD6DD-4541-4B93-806A-3220459C2350}" type="datetimeFigureOut">
               <a:rPr lang="en-GB" smtClean="0"/>
-              <a:t>19/01/2022</a:t>
+              <a:t>21/12/2022</a:t>
             </a:fld>
             <a:endParaRPr lang="en-GB"/>
           </a:p>
@@ -689,7 +689,7 @@
           <a:p>
             <a:fld id="{2C09A945-60CF-41CC-BF14-DA645D9ABE0F}" type="datetimeFigureOut">
               <a:rPr lang="en-GB" smtClean="0"/>
-              <a:t>19/01/2022</a:t>
+              <a:t>21/12/2022</a:t>
             </a:fld>
             <a:endParaRPr lang="en-GB"/>
           </a:p>
@@ -753,35 +753,35 @@
           <a:p>
             <a:pPr lvl="0"/>
             <a:r>
-              <a:rPr lang="en-US" dirty="0" smtClean="0"/>
+              <a:rPr lang="en-US" dirty="0"/>
               <a:t>Click to edit Master text styles</a:t>
             </a:r>
           </a:p>
           <a:p>
             <a:pPr lvl="1"/>
             <a:r>
-              <a:rPr lang="en-US" dirty="0" smtClean="0"/>
+              <a:rPr lang="en-US" dirty="0"/>
               <a:t>Second level</a:t>
             </a:r>
           </a:p>
           <a:p>
             <a:pPr lvl="2"/>
             <a:r>
-              <a:rPr lang="en-US" dirty="0" smtClean="0"/>
+              <a:rPr lang="en-US" dirty="0"/>
               <a:t>Third level</a:t>
             </a:r>
           </a:p>
           <a:p>
             <a:pPr lvl="3"/>
             <a:r>
-              <a:rPr lang="en-US" dirty="0" smtClean="0"/>
+              <a:rPr lang="en-US" dirty="0"/>
               <a:t>Fourth level</a:t>
             </a:r>
           </a:p>
           <a:p>
             <a:pPr lvl="4"/>
             <a:r>
-              <a:rPr lang="en-US" dirty="0" smtClean="0"/>
+              <a:rPr lang="en-US" dirty="0"/>
               <a:t>Fifth level</a:t>
             </a:r>
             <a:endParaRPr lang="en-GB" dirty="0"/>
@@ -3263,10 +3263,9 @@
           <a:lstStyle/>
           <a:p>
             <a:r>
-              <a:rPr lang="en-US" smtClean="0"/>
+              <a:rPr lang="en-US"/>
               <a:t>Click to edit Master title style</a:t>
             </a:r>
-            <a:endParaRPr lang="en-US"/>
           </a:p>
         </p:txBody>
       </p:sp>
@@ -3382,10 +3381,9 @@
           </a:lstStyle>
           <a:p>
             <a:r>
-              <a:rPr lang="en-US" smtClean="0"/>
+              <a:rPr lang="en-US"/>
               <a:t>Click to edit Master subtitle style</a:t>
             </a:r>
-            <a:endParaRPr lang="en-US"/>
           </a:p>
         </p:txBody>
       </p:sp>
@@ -3406,7 +3404,7 @@
           <a:p>
             <a:fld id="{FD207E47-C1CA-47C9-BFA1-FDEFD1CE1BAA}" type="datetime1">
               <a:rPr lang="en-US" smtClean="0"/>
-              <a:t>1/19/2022</a:t>
+              <a:t>12/21/2022</a:t>
             </a:fld>
             <a:endParaRPr lang="en-US"/>
           </a:p>
@@ -3496,10 +3494,9 @@
           <a:lstStyle/>
           <a:p>
             <a:r>
-              <a:rPr lang="en-US" smtClean="0"/>
+              <a:rPr lang="en-US"/>
               <a:t>Click to edit Master title style</a:t>
             </a:r>
-            <a:endParaRPr lang="en-US"/>
           </a:p>
         </p:txBody>
       </p:sp>
@@ -3520,38 +3517,37 @@
           <a:p>
             <a:pPr lvl="0"/>
             <a:r>
-              <a:rPr lang="en-US" smtClean="0"/>
+              <a:rPr lang="en-US"/>
               <a:t>Click to edit Master text styles</a:t>
             </a:r>
           </a:p>
           <a:p>
             <a:pPr lvl="1"/>
             <a:r>
-              <a:rPr lang="en-US" smtClean="0"/>
+              <a:rPr lang="en-US"/>
               <a:t>Second level</a:t>
             </a:r>
           </a:p>
           <a:p>
             <a:pPr lvl="2"/>
             <a:r>
-              <a:rPr lang="en-US" smtClean="0"/>
+              <a:rPr lang="en-US"/>
               <a:t>Third level</a:t>
             </a:r>
           </a:p>
           <a:p>
             <a:pPr lvl="3"/>
             <a:r>
-              <a:rPr lang="en-US" smtClean="0"/>
+              <a:rPr lang="en-US"/>
               <a:t>Fourth level</a:t>
             </a:r>
           </a:p>
           <a:p>
             <a:pPr lvl="4"/>
             <a:r>
-              <a:rPr lang="en-US" smtClean="0"/>
+              <a:rPr lang="en-US"/>
               <a:t>Fifth level</a:t>
             </a:r>
-            <a:endParaRPr lang="en-US"/>
           </a:p>
         </p:txBody>
       </p:sp>
@@ -3572,7 +3568,7 @@
           <a:p>
             <a:fld id="{58C692B5-BE86-445D-88C0-242C83A9421E}" type="datetime1">
               <a:rPr lang="en-US" smtClean="0"/>
-              <a:t>1/19/2022</a:t>
+              <a:t>12/21/2022</a:t>
             </a:fld>
             <a:endParaRPr lang="en-US"/>
           </a:p>
@@ -3667,10 +3663,9 @@
           <a:lstStyle/>
           <a:p>
             <a:r>
-              <a:rPr lang="en-US" smtClean="0"/>
+              <a:rPr lang="en-US"/>
               <a:t>Click to edit Master title style</a:t>
             </a:r>
-            <a:endParaRPr lang="en-US"/>
           </a:p>
         </p:txBody>
       </p:sp>
@@ -3696,38 +3691,37 @@
           <a:p>
             <a:pPr lvl="0"/>
             <a:r>
-              <a:rPr lang="en-US" smtClean="0"/>
+              <a:rPr lang="en-US"/>
               <a:t>Click to edit Master text styles</a:t>
             </a:r>
           </a:p>
           <a:p>
             <a:pPr lvl="1"/>
             <a:r>
-              <a:rPr lang="en-US" smtClean="0"/>
+              <a:rPr lang="en-US"/>
               <a:t>Second level</a:t>
             </a:r>
           </a:p>
           <a:p>
             <a:pPr lvl="2"/>
             <a:r>
-              <a:rPr lang="en-US" smtClean="0"/>
+              <a:rPr lang="en-US"/>
               <a:t>Third level</a:t>
             </a:r>
           </a:p>
           <a:p>
             <a:pPr lvl="3"/>
             <a:r>
-              <a:rPr lang="en-US" smtClean="0"/>
+              <a:rPr lang="en-US"/>
               <a:t>Fourth level</a:t>
             </a:r>
           </a:p>
           <a:p>
             <a:pPr lvl="4"/>
             <a:r>
-              <a:rPr lang="en-US" smtClean="0"/>
+              <a:rPr lang="en-US"/>
               <a:t>Fifth level</a:t>
             </a:r>
-            <a:endParaRPr lang="en-US"/>
           </a:p>
         </p:txBody>
       </p:sp>
@@ -3748,7 +3742,7 @@
           <a:p>
             <a:fld id="{6A70B350-EB04-4702-A2C6-BB029CC917C4}" type="datetime1">
               <a:rPr lang="en-US" smtClean="0"/>
-              <a:t>1/19/2022</a:t>
+              <a:t>12/21/2022</a:t>
             </a:fld>
             <a:endParaRPr lang="en-US"/>
           </a:p>
@@ -3838,10 +3832,9 @@
           <a:lstStyle/>
           <a:p>
             <a:r>
-              <a:rPr lang="en-US" smtClean="0"/>
+              <a:rPr lang="en-US"/>
               <a:t>Click to edit Master title style</a:t>
             </a:r>
-            <a:endParaRPr lang="en-US"/>
           </a:p>
         </p:txBody>
       </p:sp>
@@ -3862,38 +3855,37 @@
           <a:p>
             <a:pPr lvl="0"/>
             <a:r>
-              <a:rPr lang="en-US" smtClean="0"/>
+              <a:rPr lang="en-US"/>
               <a:t>Click to edit Master text styles</a:t>
             </a:r>
           </a:p>
           <a:p>
             <a:pPr lvl="1"/>
             <a:r>
-              <a:rPr lang="en-US" smtClean="0"/>
+              <a:rPr lang="en-US"/>
               <a:t>Second level</a:t>
             </a:r>
           </a:p>
           <a:p>
             <a:pPr lvl="2"/>
             <a:r>
-              <a:rPr lang="en-US" smtClean="0"/>
+              <a:rPr lang="en-US"/>
               <a:t>Third level</a:t>
             </a:r>
           </a:p>
           <a:p>
             <a:pPr lvl="3"/>
             <a:r>
-              <a:rPr lang="en-US" smtClean="0"/>
+              <a:rPr lang="en-US"/>
               <a:t>Fourth level</a:t>
             </a:r>
           </a:p>
           <a:p>
             <a:pPr lvl="4"/>
             <a:r>
-              <a:rPr lang="en-US" smtClean="0"/>
+              <a:rPr lang="en-US"/>
               <a:t>Fifth level</a:t>
             </a:r>
-            <a:endParaRPr lang="en-US"/>
           </a:p>
         </p:txBody>
       </p:sp>
@@ -3914,7 +3906,7 @@
           <a:p>
             <a:fld id="{B19C5C7B-1CCF-4D03-A2E8-D3591213E0F6}" type="datetime1">
               <a:rPr lang="en-US" smtClean="0"/>
-              <a:t>1/19/2022</a:t>
+              <a:t>12/21/2022</a:t>
             </a:fld>
             <a:endParaRPr lang="en-US"/>
           </a:p>
@@ -4013,10 +4005,9 @@
           </a:lstStyle>
           <a:p>
             <a:r>
-              <a:rPr lang="en-US" smtClean="0"/>
+              <a:rPr lang="en-US"/>
               <a:t>Click to edit Master title style</a:t>
             </a:r>
-            <a:endParaRPr lang="en-US"/>
           </a:p>
         </p:txBody>
       </p:sp>
@@ -4133,7 +4124,7 @@
           <a:p>
             <a:pPr lvl="0"/>
             <a:r>
-              <a:rPr lang="en-US" smtClean="0"/>
+              <a:rPr lang="en-US"/>
               <a:t>Click to edit Master text styles</a:t>
             </a:r>
           </a:p>
@@ -4156,7 +4147,7 @@
           <a:p>
             <a:fld id="{617DE08F-8114-45C2-9520-EC1882F8A669}" type="datetime1">
               <a:rPr lang="en-US" smtClean="0"/>
-              <a:t>1/19/2022</a:t>
+              <a:t>12/21/2022</a:t>
             </a:fld>
             <a:endParaRPr lang="en-US"/>
           </a:p>
@@ -4246,10 +4237,9 @@
           <a:lstStyle/>
           <a:p>
             <a:r>
-              <a:rPr lang="en-US" smtClean="0"/>
+              <a:rPr lang="en-US"/>
               <a:t>Click to edit Master title style</a:t>
             </a:r>
-            <a:endParaRPr lang="en-US"/>
           </a:p>
         </p:txBody>
       </p:sp>
@@ -4303,38 +4293,37 @@
           <a:p>
             <a:pPr lvl="0"/>
             <a:r>
-              <a:rPr lang="en-US" smtClean="0"/>
+              <a:rPr lang="en-US"/>
               <a:t>Click to edit Master text styles</a:t>
             </a:r>
           </a:p>
           <a:p>
             <a:pPr lvl="1"/>
             <a:r>
-              <a:rPr lang="en-US" smtClean="0"/>
+              <a:rPr lang="en-US"/>
               <a:t>Second level</a:t>
             </a:r>
           </a:p>
           <a:p>
             <a:pPr lvl="2"/>
             <a:r>
-              <a:rPr lang="en-US" smtClean="0"/>
+              <a:rPr lang="en-US"/>
               <a:t>Third level</a:t>
             </a:r>
           </a:p>
           <a:p>
             <a:pPr lvl="3"/>
             <a:r>
-              <a:rPr lang="en-US" smtClean="0"/>
+              <a:rPr lang="en-US"/>
               <a:t>Fourth level</a:t>
             </a:r>
           </a:p>
           <a:p>
             <a:pPr lvl="4"/>
             <a:r>
-              <a:rPr lang="en-US" smtClean="0"/>
+              <a:rPr lang="en-US"/>
               <a:t>Fifth level</a:t>
             </a:r>
-            <a:endParaRPr lang="en-US"/>
           </a:p>
         </p:txBody>
       </p:sp>
@@ -4388,38 +4377,37 @@
           <a:p>
             <a:pPr lvl="0"/>
             <a:r>
-              <a:rPr lang="en-US" smtClean="0"/>
+              <a:rPr lang="en-US"/>
               <a:t>Click to edit Master text styles</a:t>
             </a:r>
           </a:p>
           <a:p>
             <a:pPr lvl="1"/>
             <a:r>
-              <a:rPr lang="en-US" smtClean="0"/>
+              <a:rPr lang="en-US"/>
               <a:t>Second level</a:t>
             </a:r>
           </a:p>
           <a:p>
             <a:pPr lvl="2"/>
             <a:r>
-              <a:rPr lang="en-US" smtClean="0"/>
+              <a:rPr lang="en-US"/>
               <a:t>Third level</a:t>
             </a:r>
           </a:p>
           <a:p>
             <a:pPr lvl="3"/>
             <a:r>
-              <a:rPr lang="en-US" smtClean="0"/>
+              <a:rPr lang="en-US"/>
               <a:t>Fourth level</a:t>
             </a:r>
           </a:p>
           <a:p>
             <a:pPr lvl="4"/>
             <a:r>
-              <a:rPr lang="en-US" smtClean="0"/>
+              <a:rPr lang="en-US"/>
               <a:t>Fifth level</a:t>
             </a:r>
-            <a:endParaRPr lang="en-US"/>
           </a:p>
         </p:txBody>
       </p:sp>
@@ -4440,7 +4428,7 @@
           <a:p>
             <a:fld id="{67FBBCEA-51D6-4D4F-B700-EBDD8904452C}" type="datetime1">
               <a:rPr lang="en-US" smtClean="0"/>
-              <a:t>1/19/2022</a:t>
+              <a:t>12/21/2022</a:t>
             </a:fld>
             <a:endParaRPr lang="en-US"/>
           </a:p>
@@ -4534,10 +4522,9 @@
           </a:lstStyle>
           <a:p>
             <a:r>
-              <a:rPr lang="en-US" smtClean="0"/>
+              <a:rPr lang="en-US"/>
               <a:t>Click to edit Master title style</a:t>
             </a:r>
-            <a:endParaRPr lang="en-US"/>
           </a:p>
         </p:txBody>
       </p:sp>
@@ -4600,7 +4587,7 @@
           <a:p>
             <a:pPr lvl="0"/>
             <a:r>
-              <a:rPr lang="en-US" smtClean="0"/>
+              <a:rPr lang="en-US"/>
               <a:t>Click to edit Master text styles</a:t>
             </a:r>
           </a:p>
@@ -4656,38 +4643,37 @@
           <a:p>
             <a:pPr lvl="0"/>
             <a:r>
-              <a:rPr lang="en-US" smtClean="0"/>
+              <a:rPr lang="en-US"/>
               <a:t>Click to edit Master text styles</a:t>
             </a:r>
           </a:p>
           <a:p>
             <a:pPr lvl="1"/>
             <a:r>
-              <a:rPr lang="en-US" smtClean="0"/>
+              <a:rPr lang="en-US"/>
               <a:t>Second level</a:t>
             </a:r>
           </a:p>
           <a:p>
             <a:pPr lvl="2"/>
             <a:r>
-              <a:rPr lang="en-US" smtClean="0"/>
+              <a:rPr lang="en-US"/>
               <a:t>Third level</a:t>
             </a:r>
           </a:p>
           <a:p>
             <a:pPr lvl="3"/>
             <a:r>
-              <a:rPr lang="en-US" smtClean="0"/>
+              <a:rPr lang="en-US"/>
               <a:t>Fourth level</a:t>
             </a:r>
           </a:p>
           <a:p>
             <a:pPr lvl="4"/>
             <a:r>
-              <a:rPr lang="en-US" smtClean="0"/>
+              <a:rPr lang="en-US"/>
               <a:t>Fifth level</a:t>
             </a:r>
-            <a:endParaRPr lang="en-US"/>
           </a:p>
         </p:txBody>
       </p:sp>
@@ -4750,7 +4736,7 @@
           <a:p>
             <a:pPr lvl="0"/>
             <a:r>
-              <a:rPr lang="en-US" smtClean="0"/>
+              <a:rPr lang="en-US"/>
               <a:t>Click to edit Master text styles</a:t>
             </a:r>
           </a:p>
@@ -4806,38 +4792,37 @@
           <a:p>
             <a:pPr lvl="0"/>
             <a:r>
-              <a:rPr lang="en-US" smtClean="0"/>
+              <a:rPr lang="en-US"/>
               <a:t>Click to edit Master text styles</a:t>
             </a:r>
           </a:p>
           <a:p>
             <a:pPr lvl="1"/>
             <a:r>
-              <a:rPr lang="en-US" smtClean="0"/>
+              <a:rPr lang="en-US"/>
               <a:t>Second level</a:t>
             </a:r>
           </a:p>
           <a:p>
             <a:pPr lvl="2"/>
             <a:r>
-              <a:rPr lang="en-US" smtClean="0"/>
+              <a:rPr lang="en-US"/>
               <a:t>Third level</a:t>
             </a:r>
           </a:p>
           <a:p>
             <a:pPr lvl="3"/>
             <a:r>
-              <a:rPr lang="en-US" smtClean="0"/>
+              <a:rPr lang="en-US"/>
               <a:t>Fourth level</a:t>
             </a:r>
           </a:p>
           <a:p>
             <a:pPr lvl="4"/>
             <a:r>
-              <a:rPr lang="en-US" smtClean="0"/>
+              <a:rPr lang="en-US"/>
               <a:t>Fifth level</a:t>
             </a:r>
-            <a:endParaRPr lang="en-US"/>
           </a:p>
         </p:txBody>
       </p:sp>
@@ -4858,7 +4843,7 @@
           <a:p>
             <a:fld id="{7C3355C0-4DE2-42D1-B918-7B0FCE7481FD}" type="datetime1">
               <a:rPr lang="en-US" smtClean="0"/>
-              <a:t>1/19/2022</a:t>
+              <a:t>12/21/2022</a:t>
             </a:fld>
             <a:endParaRPr lang="en-US"/>
           </a:p>
@@ -4948,10 +4933,9 @@
           <a:lstStyle/>
           <a:p>
             <a:r>
-              <a:rPr lang="en-US" smtClean="0"/>
+              <a:rPr lang="en-US"/>
               <a:t>Click to edit Master title style</a:t>
             </a:r>
-            <a:endParaRPr lang="en-US"/>
           </a:p>
         </p:txBody>
       </p:sp>
@@ -4972,7 +4956,7 @@
           <a:p>
             <a:fld id="{41F9056E-53B5-467C-A68C-D5DD1F771BB5}" type="datetime1">
               <a:rPr lang="en-US" smtClean="0"/>
-              <a:t>1/19/2022</a:t>
+              <a:t>12/21/2022</a:t>
             </a:fld>
             <a:endParaRPr lang="en-US"/>
           </a:p>
@@ -5063,7 +5047,7 @@
           <a:p>
             <a:fld id="{73236B7C-1414-4D49-8A59-8F56128C501B}" type="datetime1">
               <a:rPr lang="en-US" smtClean="0"/>
-              <a:t>1/19/2022</a:t>
+              <a:t>12/21/2022</a:t>
             </a:fld>
             <a:endParaRPr lang="en-US"/>
           </a:p>
@@ -5162,10 +5146,9 @@
           </a:lstStyle>
           <a:p>
             <a:r>
-              <a:rPr lang="en-US" smtClean="0"/>
+              <a:rPr lang="en-US"/>
               <a:t>Click to edit Master title style</a:t>
             </a:r>
-            <a:endParaRPr lang="en-US"/>
           </a:p>
         </p:txBody>
       </p:sp>
@@ -5219,38 +5202,37 @@
           <a:p>
             <a:pPr lvl="0"/>
             <a:r>
-              <a:rPr lang="en-US" smtClean="0"/>
+              <a:rPr lang="en-US"/>
               <a:t>Click to edit Master text styles</a:t>
             </a:r>
           </a:p>
           <a:p>
             <a:pPr lvl="1"/>
             <a:r>
-              <a:rPr lang="en-US" smtClean="0"/>
+              <a:rPr lang="en-US"/>
               <a:t>Second level</a:t>
             </a:r>
           </a:p>
           <a:p>
             <a:pPr lvl="2"/>
             <a:r>
-              <a:rPr lang="en-US" smtClean="0"/>
+              <a:rPr lang="en-US"/>
               <a:t>Third level</a:t>
             </a:r>
           </a:p>
           <a:p>
             <a:pPr lvl="3"/>
             <a:r>
-              <a:rPr lang="en-US" smtClean="0"/>
+              <a:rPr lang="en-US"/>
               <a:t>Fourth level</a:t>
             </a:r>
           </a:p>
           <a:p>
             <a:pPr lvl="4"/>
             <a:r>
-              <a:rPr lang="en-US" smtClean="0"/>
+              <a:rPr lang="en-US"/>
               <a:t>Fifth level</a:t>
             </a:r>
-            <a:endParaRPr lang="en-US"/>
           </a:p>
         </p:txBody>
       </p:sp>
@@ -5313,7 +5295,7 @@
           <a:p>
             <a:pPr lvl="0"/>
             <a:r>
-              <a:rPr lang="en-US" smtClean="0"/>
+              <a:rPr lang="en-US"/>
               <a:t>Click to edit Master text styles</a:t>
             </a:r>
           </a:p>
@@ -5336,7 +5318,7 @@
           <a:p>
             <a:fld id="{A40AEADC-23C0-4767-9AD7-3E7B6C343A0A}" type="datetime1">
               <a:rPr lang="en-US" smtClean="0"/>
-              <a:t>1/19/2022</a:t>
+              <a:t>12/21/2022</a:t>
             </a:fld>
             <a:endParaRPr lang="en-US"/>
           </a:p>
@@ -5435,10 +5417,9 @@
           </a:lstStyle>
           <a:p>
             <a:r>
-              <a:rPr lang="en-US" smtClean="0"/>
+              <a:rPr lang="en-US"/>
               <a:t>Click to edit Master title style</a:t>
             </a:r>
-            <a:endParaRPr lang="en-US"/>
           </a:p>
         </p:txBody>
       </p:sp>
@@ -5562,7 +5543,7 @@
           <a:p>
             <a:pPr lvl="0"/>
             <a:r>
-              <a:rPr lang="en-US" smtClean="0"/>
+              <a:rPr lang="en-US"/>
               <a:t>Click to edit Master text styles</a:t>
             </a:r>
           </a:p>
@@ -5585,7 +5566,7 @@
           <a:p>
             <a:fld id="{07762B3B-4AFD-4E39-B6F8-E1A2354BA336}" type="datetime1">
               <a:rPr lang="en-US" smtClean="0"/>
-              <a:t>1/19/2022</a:t>
+              <a:t>12/21/2022</a:t>
             </a:fld>
             <a:endParaRPr lang="en-US"/>
           </a:p>
@@ -5690,10 +5671,9 @@
           <a:lstStyle/>
           <a:p>
             <a:r>
-              <a:rPr lang="en-US" dirty="0" smtClean="0"/>
+              <a:rPr lang="en-US" dirty="0"/>
               <a:t>Click to edit Master title style</a:t>
             </a:r>
-            <a:endParaRPr lang="en-US" dirty="0"/>
           </a:p>
         </p:txBody>
       </p:sp>
@@ -5724,38 +5704,37 @@
           <a:p>
             <a:pPr lvl="0"/>
             <a:r>
-              <a:rPr lang="en-US" dirty="0" smtClean="0"/>
+              <a:rPr lang="en-US" dirty="0"/>
               <a:t>Click to edit Master text styles</a:t>
             </a:r>
           </a:p>
           <a:p>
             <a:pPr lvl="1"/>
             <a:r>
-              <a:rPr lang="en-US" dirty="0" smtClean="0"/>
+              <a:rPr lang="en-US" dirty="0"/>
               <a:t>Second level</a:t>
             </a:r>
           </a:p>
           <a:p>
             <a:pPr lvl="2"/>
             <a:r>
-              <a:rPr lang="en-US" dirty="0" smtClean="0"/>
+              <a:rPr lang="en-US" dirty="0"/>
               <a:t>Third level</a:t>
             </a:r>
           </a:p>
           <a:p>
             <a:pPr lvl="3"/>
             <a:r>
-              <a:rPr lang="en-US" dirty="0" smtClean="0"/>
+              <a:rPr lang="en-US" dirty="0"/>
               <a:t>Fourth level</a:t>
             </a:r>
           </a:p>
           <a:p>
             <a:pPr lvl="4"/>
             <a:r>
-              <a:rPr lang="en-US" dirty="0" smtClean="0"/>
+              <a:rPr lang="en-US" dirty="0"/>
               <a:t>Fifth level</a:t>
             </a:r>
-            <a:endParaRPr lang="en-US" dirty="0"/>
           </a:p>
         </p:txBody>
       </p:sp>
@@ -5794,7 +5773,7 @@
           <a:p>
             <a:fld id="{16C4ABC6-3BA1-4854-92CA-2B0133ECAB44}" type="datetime1">
               <a:rPr lang="en-US" smtClean="0"/>
-              <a:t>1/19/2022</a:t>
+              <a:t>12/21/2022</a:t>
             </a:fld>
             <a:endParaRPr lang="en-US"/>
           </a:p>
@@ -6198,7 +6177,7 @@
           <a:lstStyle/>
           <a:p>
             <a:r>
-              <a:rPr lang="en-GB" sz="3200" b="1" dirty="0" smtClean="0">
+              <a:rPr lang="en-GB" sz="3200" b="1" dirty="0">
                 <a:solidFill>
                   <a:srgbClr val="000066"/>
                 </a:solidFill>
@@ -6217,55 +6196,14 @@
           </a:p>
           <a:p>
             <a:r>
-              <a:rPr lang="en-GB" sz="2800" b="1" dirty="0" smtClean="0">
-                <a:solidFill>
-                  <a:srgbClr val="000066"/>
-                </a:solidFill>
-                <a:latin typeface="Calibri" pitchFamily="34" charset="0"/>
-              </a:rPr>
-              <a:t>1</a:t>
-            </a:r>
-            <a:r>
               <a:rPr lang="en-GB" sz="2800" b="1" dirty="0">
                 <a:solidFill>
                   <a:srgbClr val="000066"/>
                 </a:solidFill>
                 <a:latin typeface="Calibri" pitchFamily="34" charset="0"/>
               </a:rPr>
-              <a:t>.</a:t>
-            </a:r>
-            <a:r>
-              <a:rPr lang="en-GB" sz="2800" b="1" dirty="0" smtClean="0">
-                <a:solidFill>
-                  <a:srgbClr val="000066"/>
-                </a:solidFill>
-                <a:latin typeface="Calibri" pitchFamily="34" charset="0"/>
-              </a:rPr>
-              <a:t> Simple Regression</a:t>
-            </a:r>
-            <a:endParaRPr lang="en-GB" sz="2800" b="1" dirty="0">
-              <a:solidFill>
-                <a:srgbClr val="000066"/>
-              </a:solidFill>
-              <a:latin typeface="Calibri" pitchFamily="34" charset="0"/>
-            </a:endParaRPr>
-          </a:p>
-          <a:p>
-            <a:r>
-              <a:rPr lang="en-GB" sz="2800" dirty="0" smtClean="0">
-                <a:solidFill>
-                  <a:srgbClr val="000066"/>
-                </a:solidFill>
-                <a:latin typeface="Calibri" pitchFamily="34" charset="0"/>
-              </a:rPr>
-              <a:t>2022</a:t>
-            </a:r>
-            <a:endParaRPr lang="en-GB" sz="2800" dirty="0">
-              <a:solidFill>
-                <a:srgbClr val="000066"/>
-              </a:solidFill>
-              <a:latin typeface="Calibri" pitchFamily="34" charset="0"/>
-            </a:endParaRPr>
+              <a:t>1. Simple Regression</a:t>
+            </a:r>
           </a:p>
           <a:p>
             <a:r>
@@ -6275,8 +6213,10 @@
                 </a:solidFill>
                 <a:latin typeface="Calibri" pitchFamily="34" charset="0"/>
               </a:rPr>
-              <a:t/>
-            </a:r>
+              <a:t>2023</a:t>
+            </a:r>
+          </a:p>
+          <a:p>
             <a:br>
               <a:rPr lang="en-GB" sz="2800" dirty="0">
                 <a:solidFill>
@@ -6286,31 +6226,13 @@
               </a:rPr>
             </a:br>
             <a:r>
-              <a:rPr lang="en-GB" sz="2800" b="1" dirty="0" smtClean="0">
-                <a:solidFill>
-                  <a:srgbClr val="000066"/>
-                </a:solidFill>
-                <a:latin typeface="Calibri" pitchFamily="34" charset="0"/>
-              </a:rPr>
-              <a:t>Dr Chris </a:t>
-            </a:r>
-            <a:r>
               <a:rPr lang="en-GB" sz="2800" b="1" dirty="0">
                 <a:solidFill>
                   <a:srgbClr val="000066"/>
                 </a:solidFill>
                 <a:latin typeface="Calibri" pitchFamily="34" charset="0"/>
               </a:rPr>
-              <a:t>Berry</a:t>
-            </a:r>
-            <a:r>
-              <a:rPr lang="en-GB" sz="2800" dirty="0">
-                <a:solidFill>
-                  <a:srgbClr val="000066"/>
-                </a:solidFill>
-                <a:latin typeface="Calibri" pitchFamily="34" charset="0"/>
-              </a:rPr>
-              <a:t/>
+              <a:t>Dr Chris Berry</a:t>
             </a:r>
             <a:br>
               <a:rPr lang="en-GB" sz="2800" dirty="0">
@@ -6361,19 +6283,10 @@
                 </a:solidFill>
                 <a:latin typeface="Calibri" pitchFamily="34" charset="0"/>
               </a:rPr>
-              <a:t>PSQ </a:t>
-            </a:r>
-            <a:r>
-              <a:rPr lang="en-GB" dirty="0" smtClean="0">
-                <a:solidFill>
-                  <a:srgbClr val="990033"/>
-                </a:solidFill>
-                <a:latin typeface="Calibri" pitchFamily="34" charset="0"/>
-              </a:rPr>
-              <a:t>B212 </a:t>
-            </a:r>
-            <a:r>
-              <a:rPr lang="en-GB" dirty="0" smtClean="0">
+              <a:t>PSQ B212 </a:t>
+            </a:r>
+            <a:r>
+              <a:rPr lang="en-GB" dirty="0">
                 <a:solidFill>
                   <a:srgbClr val="990033"/>
                 </a:solidFill>
@@ -6449,13 +6362,6 @@
   <p:clrMapOvr>
     <a:masterClrMapping/>
   </p:clrMapOvr>
-  <p:timing>
-    <p:tnLst>
-      <p:par>
-        <p:cTn id="1" dur="indefinite" restart="never" nodeType="tmRoot"/>
-      </p:par>
-    </p:tnLst>
-  </p:timing>
 </p:sld>
 </file>
 
@@ -6521,10 +6427,9 @@
           <a:lstStyle/>
           <a:p>
             <a:r>
-              <a:rPr lang="en-GB" dirty="0" smtClean="0"/>
+              <a:rPr lang="en-GB" dirty="0"/>
               <a:t>Anxiety Example: The Intercept a</a:t>
             </a:r>
-            <a:endParaRPr lang="en-GB" dirty="0"/>
           </a:p>
         </p:txBody>
       </p:sp>
@@ -6586,63 +6491,20 @@
                   </a:schemeClr>
                 </a:solidFill>
               </a:rPr>
-              <a:t>a = </a:t>
-            </a:r>
-            <a:r>
-              <a:rPr lang="en-GB" sz="2200" b="1" dirty="0" smtClean="0">
-                <a:solidFill>
-                  <a:schemeClr val="accent6">
-                    <a:lumMod val="50000"/>
-                  </a:schemeClr>
-                </a:solidFill>
-              </a:rPr>
-              <a:t>5.59</a:t>
-            </a:r>
-            <a:r>
-              <a:rPr lang="en-GB" sz="2200" dirty="0" smtClean="0"/>
-              <a:t>, </a:t>
+              <a:t>a = 5.59</a:t>
             </a:r>
             <a:r>
               <a:rPr lang="en-GB" sz="2200" dirty="0"/>
-              <a:t>this means that if the </a:t>
-            </a:r>
-            <a:r>
-              <a:rPr lang="en-GB" sz="2200" dirty="0" smtClean="0"/>
-              <a:t>Screen Time </a:t>
-            </a:r>
-            <a:r>
-              <a:rPr lang="en-GB" sz="2200" dirty="0"/>
-              <a:t>score </a:t>
-            </a:r>
-            <a:r>
-              <a:rPr lang="en-GB" sz="2200" dirty="0" smtClean="0"/>
-              <a:t>were </a:t>
-            </a:r>
-            <a:r>
-              <a:rPr lang="en-GB" sz="2200" dirty="0"/>
-              <a:t>equal to zero, the </a:t>
-            </a:r>
-            <a:r>
-              <a:rPr lang="en-GB" sz="2200" dirty="0" smtClean="0"/>
-              <a:t>Anxiety </a:t>
-            </a:r>
-            <a:r>
-              <a:rPr lang="en-GB" sz="2200" dirty="0"/>
-              <a:t>score would be </a:t>
-            </a:r>
-            <a:r>
-              <a:rPr lang="en-GB" sz="2200" b="1" dirty="0" smtClean="0">
+              <a:t>, this means that if the Screen Time score were equal to zero, the Anxiety score would be </a:t>
+            </a:r>
+            <a:r>
+              <a:rPr lang="en-GB" sz="2200" b="1" dirty="0">
                 <a:solidFill>
                   <a:schemeClr val="tx2"/>
                 </a:solidFill>
               </a:rPr>
               <a:t>5.59</a:t>
             </a:r>
-            <a:endParaRPr lang="en-GB" sz="2200" b="1" dirty="0">
-              <a:solidFill>
-                <a:schemeClr val="tx2"/>
-              </a:solidFill>
-            </a:endParaRPr>
           </a:p>
         </p:txBody>
       </p:sp>
@@ -6744,7 +6606,7 @@
           <a:lstStyle/>
           <a:p>
             <a:r>
-              <a:rPr lang="en-GB" sz="2400" dirty="0" smtClean="0">
+              <a:rPr lang="en-GB" sz="2400" dirty="0">
                 <a:solidFill>
                   <a:schemeClr val="accent6">
                     <a:lumMod val="50000"/>
@@ -6753,13 +6615,6 @@
               </a:rPr>
               <a:t>5.59</a:t>
             </a:r>
-            <a:endParaRPr lang="en-GB" sz="2400" dirty="0">
-              <a:solidFill>
-                <a:schemeClr val="accent6">
-                  <a:lumMod val="50000"/>
-                </a:schemeClr>
-              </a:solidFill>
-            </a:endParaRPr>
           </a:p>
         </p:txBody>
       </p:sp>
@@ -7042,10 +6897,9 @@
           <a:lstStyle/>
           <a:p>
             <a:r>
-              <a:rPr lang="en-GB" dirty="0" smtClean="0"/>
+              <a:rPr lang="en-GB" dirty="0"/>
               <a:t>The Slope b</a:t>
             </a:r>
-            <a:endParaRPr lang="en-GB" dirty="0"/>
           </a:p>
         </p:txBody>
       </p:sp>
@@ -7144,7 +6998,7 @@
           <a:lstStyle/>
           <a:p>
             <a:r>
-              <a:rPr lang="en-GB" sz="4000" b="1" dirty="0" smtClean="0"/>
+              <a:rPr lang="en-GB" sz="4000" b="1" dirty="0"/>
               <a:t>X</a:t>
             </a:r>
             <a:endParaRPr lang="en-GB" b="1" dirty="0"/>
@@ -7174,7 +7028,7 @@
           <a:lstStyle/>
           <a:p>
             <a:r>
-              <a:rPr lang="en-GB" sz="4000" b="1" dirty="0" smtClean="0"/>
+              <a:rPr lang="en-GB" sz="4000" b="1" dirty="0"/>
               <a:t>Y</a:t>
             </a:r>
             <a:endParaRPr lang="en-GB" b="1" dirty="0"/>
@@ -7278,7 +7132,7 @@
           <a:lstStyle/>
           <a:p>
             <a:r>
-              <a:rPr lang="en-GB" sz="4000" b="1" dirty="0" smtClean="0"/>
+              <a:rPr lang="en-GB" sz="4000" b="1" dirty="0"/>
               <a:t>0</a:t>
             </a:r>
             <a:endParaRPr lang="en-GB" b="1" dirty="0"/>
@@ -7308,23 +7162,6 @@
           <a:lstStyle/>
           <a:p>
             <a:r>
-              <a:rPr lang="en-GB" sz="2400" b="1" dirty="0" smtClean="0">
-                <a:solidFill>
-                  <a:schemeClr val="tx2"/>
-                </a:solidFill>
-              </a:rPr>
-              <a:t>b</a:t>
-            </a:r>
-            <a:r>
-              <a:rPr lang="en-GB" sz="2400" dirty="0" smtClean="0"/>
-              <a:t> is the amount of change in Y with a one unit increase in X.</a:t>
-            </a:r>
-          </a:p>
-          <a:p>
-            <a:endParaRPr lang="en-GB" sz="2400" dirty="0"/>
-          </a:p>
-          <a:p>
-            <a:r>
               <a:rPr lang="en-GB" sz="2400" b="1" dirty="0">
                 <a:solidFill>
                   <a:schemeClr val="tx2"/>
@@ -7333,10 +7170,26 @@
               <a:t>b</a:t>
             </a:r>
             <a:r>
-              <a:rPr lang="en-GB" sz="2400" dirty="0" smtClean="0"/>
+              <a:rPr lang="en-GB" sz="2400" dirty="0"/>
+              <a:t> is the amount of change in Y with a one unit increase in X.</a:t>
+            </a:r>
+          </a:p>
+          <a:p>
+            <a:endParaRPr lang="en-GB" sz="2400" dirty="0"/>
+          </a:p>
+          <a:p>
+            <a:r>
+              <a:rPr lang="en-GB" sz="2400" b="1" dirty="0">
+                <a:solidFill>
+                  <a:schemeClr val="tx2"/>
+                </a:solidFill>
+              </a:rPr>
+              <a:t>b</a:t>
+            </a:r>
+            <a:r>
+              <a:rPr lang="en-GB" sz="2400" dirty="0"/>
               <a:t> can be positive or negative.</a:t>
             </a:r>
-            <a:endParaRPr lang="en-GB" sz="2400" dirty="0"/>
           </a:p>
         </p:txBody>
       </p:sp>
@@ -7448,7 +7301,7 @@
           <a:lstStyle/>
           <a:p>
             <a:r>
-              <a:rPr lang="en-GB" sz="2800" b="1" dirty="0" smtClean="0"/>
+              <a:rPr lang="en-GB" sz="2800" b="1" dirty="0"/>
               <a:t>1</a:t>
             </a:r>
             <a:endParaRPr lang="en-GB" sz="2000" b="1" dirty="0"/>
@@ -9949,7 +9802,7 @@
           <a:lstStyle/>
           <a:p>
             <a:r>
-              <a:rPr lang="en-GB" sz="2800" b="1" dirty="0" smtClean="0"/>
+              <a:rPr lang="en-GB" sz="2800" b="1" dirty="0"/>
               <a:t>b</a:t>
             </a:r>
             <a:endParaRPr lang="en-GB" sz="2000" b="1" dirty="0"/>
@@ -12086,10 +11939,9 @@
           <a:lstStyle/>
           <a:p>
             <a:r>
-              <a:rPr lang="en-GB" dirty="0" smtClean="0"/>
+              <a:rPr lang="en-GB" dirty="0"/>
               <a:t>Anxiety Example: Slope b</a:t>
             </a:r>
-            <a:endParaRPr lang="en-GB" dirty="0"/>
           </a:p>
         </p:txBody>
       </p:sp>
@@ -12152,7 +12004,7 @@
               <a:t>b = </a:t>
             </a:r>
             <a:r>
-              <a:rPr lang="en-GB" sz="2400" b="1" dirty="0" smtClean="0">
+              <a:rPr lang="en-GB" sz="2400" b="1" dirty="0">
                 <a:solidFill>
                   <a:srgbClr val="C00000"/>
                 </a:solidFill>
@@ -12160,31 +12012,11 @@
               <a:t>0.13</a:t>
             </a:r>
             <a:r>
-              <a:rPr lang="en-GB" sz="2400" dirty="0" smtClean="0"/>
-              <a:t>, </a:t>
-            </a:r>
-            <a:r>
               <a:rPr lang="en-GB" sz="2400" dirty="0"/>
-              <a:t>this means that for each unit </a:t>
-            </a:r>
-            <a:r>
-              <a:rPr lang="en-GB" sz="2400" dirty="0" smtClean="0"/>
-              <a:t>(1) increase in Screen Time, </a:t>
-            </a:r>
-            <a:r>
-              <a:rPr lang="en-GB" sz="2400" dirty="0"/>
-              <a:t>the </a:t>
-            </a:r>
-            <a:r>
-              <a:rPr lang="en-GB" sz="2400" dirty="0" smtClean="0"/>
-              <a:t>predicted Anxiety Score increases </a:t>
-            </a:r>
-            <a:r>
-              <a:rPr lang="en-GB" sz="2400" dirty="0"/>
-              <a:t>by </a:t>
-            </a:r>
-            <a:r>
-              <a:rPr lang="en-GB" sz="2400" b="1" dirty="0" smtClean="0">
+              <a:t>, this means that for each unit (1) increase in Screen Time, the predicted Anxiety Score increases by </a:t>
+            </a:r>
+            <a:r>
+              <a:rPr lang="en-GB" sz="2400" b="1" dirty="0">
                 <a:solidFill>
                   <a:srgbClr val="C00000"/>
                 </a:solidFill>
@@ -12192,18 +12024,13 @@
               <a:t>0.13</a:t>
             </a:r>
             <a:r>
-              <a:rPr lang="en-GB" sz="2400" dirty="0" smtClean="0">
+              <a:rPr lang="en-GB" sz="2400" dirty="0">
                 <a:solidFill>
                   <a:srgbClr val="C00000"/>
                 </a:solidFill>
               </a:rPr>
               <a:t>.</a:t>
             </a:r>
-            <a:endParaRPr lang="en-GB" sz="2400" dirty="0">
-              <a:solidFill>
-                <a:srgbClr val="C00000"/>
-              </a:solidFill>
-            </a:endParaRPr>
           </a:p>
         </p:txBody>
       </p:sp>
@@ -12443,18 +12270,13 @@
           <a:lstStyle/>
           <a:p>
             <a:r>
-              <a:rPr lang="en-GB" b="1" dirty="0" smtClean="0">
+              <a:rPr lang="en-GB" b="1" dirty="0">
                 <a:solidFill>
                   <a:srgbClr val="FF0000"/>
                 </a:solidFill>
               </a:rPr>
               <a:t>0.13</a:t>
             </a:r>
-            <a:endParaRPr lang="en-GB" b="1" dirty="0">
-              <a:solidFill>
-                <a:srgbClr val="FF0000"/>
-              </a:solidFill>
-            </a:endParaRPr>
           </a:p>
         </p:txBody>
       </p:sp>
@@ -12514,7 +12336,7 @@
           <a:lstStyle/>
           <a:p>
             <a:r>
-              <a:rPr lang="en-GB" sz="1400" dirty="0" smtClean="0">
+              <a:rPr lang="en-GB" sz="1400" dirty="0">
                 <a:solidFill>
                   <a:schemeClr val="accent6">
                     <a:lumMod val="50000"/>
@@ -12523,13 +12345,6 @@
               </a:rPr>
               <a:t>6.91</a:t>
             </a:r>
-            <a:endParaRPr lang="en-GB" sz="1400" dirty="0">
-              <a:solidFill>
-                <a:schemeClr val="accent6">
-                  <a:lumMod val="50000"/>
-                </a:schemeClr>
-              </a:solidFill>
-            </a:endParaRPr>
           </a:p>
         </p:txBody>
       </p:sp>
@@ -12556,7 +12371,7 @@
           <a:lstStyle/>
           <a:p>
             <a:r>
-              <a:rPr lang="en-GB" sz="1400" dirty="0" smtClean="0">
+              <a:rPr lang="en-GB" sz="1400" dirty="0">
                 <a:solidFill>
                   <a:schemeClr val="accent6">
                     <a:lumMod val="50000"/>
@@ -12565,13 +12380,6 @@
               </a:rPr>
               <a:t>7.04</a:t>
             </a:r>
-            <a:endParaRPr lang="en-GB" sz="1400" dirty="0">
-              <a:solidFill>
-                <a:schemeClr val="accent6">
-                  <a:lumMod val="50000"/>
-                </a:schemeClr>
-              </a:solidFill>
-            </a:endParaRPr>
           </a:p>
         </p:txBody>
       </p:sp>
@@ -12702,10 +12510,9 @@
           <a:lstStyle/>
           <a:p>
             <a:r>
-              <a:rPr lang="en-GB" dirty="0" smtClean="0"/>
+              <a:rPr lang="en-GB" dirty="0"/>
               <a:t>Writing the Regression Equation</a:t>
             </a:r>
-            <a:endParaRPr lang="en-GB" dirty="0"/>
           </a:p>
         </p:txBody>
       </p:sp>
@@ -12783,25 +12590,13 @@
                   <a:schemeClr val="tx2"/>
                 </a:solidFill>
               </a:rPr>
-              <a:t>a = </a:t>
-            </a:r>
-            <a:r>
-              <a:rPr lang="en-GB" sz="2400" dirty="0" smtClean="0">
-                <a:solidFill>
-                  <a:schemeClr val="tx2"/>
-                </a:solidFill>
-              </a:rPr>
-              <a:t>5.59</a:t>
-            </a:r>
-          </a:p>
-          <a:p>
-            <a:r>
-              <a:rPr lang="en-GB" sz="2400" dirty="0" smtClean="0"/>
-              <a:t>and </a:t>
-            </a:r>
+              <a:t>a = 5.59</a:t>
+            </a:r>
+          </a:p>
+          <a:p>
             <a:r>
               <a:rPr lang="en-GB" sz="2400" dirty="0"/>
-              <a:t>the slope </a:t>
+              <a:t>and the slope </a:t>
             </a:r>
             <a:r>
               <a:rPr lang="en-GB" sz="2400" dirty="0">
@@ -12809,21 +12604,12 @@
                   <a:schemeClr val="tx2"/>
                 </a:solidFill>
               </a:rPr>
-              <a:t>b = </a:t>
-            </a:r>
-            <a:r>
-              <a:rPr lang="en-GB" sz="2400" dirty="0" smtClean="0">
-                <a:solidFill>
-                  <a:schemeClr val="tx2"/>
-                </a:solidFill>
-              </a:rPr>
-              <a:t>0.13</a:t>
-            </a:r>
-            <a:r>
-              <a:rPr lang="en-GB" sz="2400" dirty="0" smtClean="0"/>
+              <a:t>b = 0.13</a:t>
+            </a:r>
+            <a:r>
+              <a:rPr lang="en-GB" sz="2400" dirty="0"/>
               <a:t>,</a:t>
             </a:r>
-            <a:endParaRPr lang="en-GB" sz="2400" dirty="0"/>
           </a:p>
           <a:p>
             <a:endParaRPr lang="en-GB" sz="2400" dirty="0"/>
@@ -12838,23 +12624,7 @@
             </a:br>
             <a:r>
               <a:rPr lang="en-GB" sz="2400" dirty="0"/>
-              <a:t>for </a:t>
-            </a:r>
-            <a:r>
-              <a:rPr lang="en-GB" sz="2400" dirty="0" smtClean="0"/>
-              <a:t>Anxiety </a:t>
-            </a:r>
-            <a:r>
-              <a:rPr lang="en-GB" sz="2400" dirty="0"/>
-              <a:t>and </a:t>
-            </a:r>
-            <a:r>
-              <a:rPr lang="en-GB" sz="2400" dirty="0" smtClean="0"/>
-              <a:t>Screen Time </a:t>
-            </a:r>
-            <a:r>
-              <a:rPr lang="en-GB" sz="2400" dirty="0"/>
-              <a:t>is </a:t>
+              <a:t>for Anxiety and Screen Time is </a:t>
             </a:r>
           </a:p>
           <a:p>
@@ -12863,29 +12633,8 @@
           <a:p>
             <a:r>
               <a:rPr lang="en-GB" sz="2800" b="1" dirty="0"/>
-              <a:t>Predicted </a:t>
-            </a:r>
-            <a:r>
-              <a:rPr lang="en-GB" sz="2800" b="1" dirty="0" smtClean="0"/>
-              <a:t>Anxiety </a:t>
-            </a:r>
-            <a:r>
-              <a:rPr lang="en-GB" sz="2800" b="1" dirty="0"/>
-              <a:t>= </a:t>
-            </a:r>
-            <a:r>
-              <a:rPr lang="en-GB" sz="2800" b="1" dirty="0" smtClean="0"/>
-              <a:t> 5.59   </a:t>
-            </a:r>
-            <a:r>
-              <a:rPr lang="en-GB" sz="2800" b="1" dirty="0"/>
-              <a:t>+   </a:t>
-            </a:r>
-            <a:r>
-              <a:rPr lang="en-GB" sz="2800" b="1" dirty="0" smtClean="0"/>
-              <a:t>0.13*Screen Time</a:t>
-            </a:r>
-            <a:endParaRPr lang="en-GB" sz="2800" b="1" dirty="0"/>
+              <a:t>Predicted Anxiety =  5.59   +   0.13*Screen Time</a:t>
+            </a:r>
           </a:p>
         </p:txBody>
       </p:sp>
@@ -13452,10 +13201,9 @@
           <a:lstStyle/>
           <a:p>
             <a:r>
-              <a:rPr lang="en-GB" dirty="0" smtClean="0"/>
+              <a:rPr lang="en-GB" dirty="0"/>
               <a:t>Residuals</a:t>
             </a:r>
-            <a:endParaRPr lang="en-GB" dirty="0"/>
           </a:p>
         </p:txBody>
       </p:sp>
@@ -13532,7 +13280,7 @@
           </a:p>
           <a:p>
             <a:r>
-              <a:rPr lang="en-GB" sz="2400" b="1" dirty="0" smtClean="0">
+              <a:rPr lang="en-GB" sz="2400" b="1" dirty="0">
                 <a:solidFill>
                   <a:srgbClr val="FF0000"/>
                 </a:solidFill>
@@ -13542,20 +13290,12 @@
           </a:p>
           <a:p>
             <a:r>
-              <a:rPr lang="en-GB" sz="2400" b="1" dirty="0" smtClean="0">
-                <a:solidFill>
-                  <a:srgbClr val="FF0000"/>
-                </a:solidFill>
-              </a:rPr>
-              <a:t>Residual </a:t>
-            </a:r>
-            <a:r>
               <a:rPr lang="en-GB" sz="2400" b="1" dirty="0">
                 <a:solidFill>
                   <a:srgbClr val="FF0000"/>
                 </a:solidFill>
               </a:rPr>
-              <a:t>= Y - Ŷ</a:t>
+              <a:t>Residual = Y - Ŷ</a:t>
             </a:r>
           </a:p>
         </p:txBody>
@@ -14413,10 +14153,9 @@
           <a:lstStyle/>
           <a:p>
             <a:r>
-              <a:rPr lang="en-GB" dirty="0" smtClean="0"/>
+              <a:rPr lang="en-GB" dirty="0"/>
               <a:t>Method of Least Squares</a:t>
             </a:r>
-            <a:endParaRPr lang="en-GB" dirty="0"/>
           </a:p>
         </p:txBody>
       </p:sp>
@@ -14444,34 +14183,18 @@
           <a:p>
             <a:pPr marL="457200" indent="-457200"/>
             <a:r>
-              <a:rPr lang="en-GB" dirty="0" smtClean="0"/>
-              <a:t>The </a:t>
-            </a:r>
-            <a:r>
               <a:rPr lang="en-GB" dirty="0"/>
-              <a:t>goal of </a:t>
-            </a:r>
-            <a:r>
-              <a:rPr lang="en-GB" dirty="0" smtClean="0"/>
-              <a:t>regression </a:t>
-            </a:r>
+              <a:t>The goal of regression is to find the values of the intercept a and slope b that minimise the residuals (errors).</a:t>
+            </a:r>
+          </a:p>
+          <a:p>
+            <a:pPr marL="457200" indent="-457200"/>
             <a:r>
               <a:rPr lang="en-GB" dirty="0"/>
-              <a:t>is to find the values of the </a:t>
-            </a:r>
-            <a:r>
-              <a:rPr lang="en-GB" dirty="0" smtClean="0"/>
-              <a:t>intercept a and slope b that minimise the residuals (errors).</a:t>
-            </a:r>
-          </a:p>
-          <a:p>
-            <a:pPr marL="457200" indent="-457200"/>
-            <a:r>
-              <a:rPr lang="en-GB" dirty="0" smtClean="0"/>
               <a:t>Specifically, we want to minimise the </a:t>
             </a:r>
             <a:r>
-              <a:rPr lang="en-GB" b="1" dirty="0" smtClean="0">
+              <a:rPr lang="en-GB" b="1" dirty="0">
                 <a:solidFill>
                   <a:schemeClr val="tx2"/>
                 </a:solidFill>
@@ -14479,7 +14202,7 @@
               <a:t>sum of the </a:t>
             </a:r>
             <a:r>
-              <a:rPr lang="en-GB" b="1" u="sng" dirty="0" smtClean="0">
+              <a:rPr lang="en-GB" b="1" u="sng" dirty="0">
                 <a:solidFill>
                   <a:schemeClr val="tx2"/>
                 </a:solidFill>
@@ -14487,31 +14210,19 @@
               <a:t>squared</a:t>
             </a:r>
             <a:r>
-              <a:rPr lang="en-GB" b="1" dirty="0" smtClean="0">
+              <a:rPr lang="en-GB" b="1" dirty="0">
                 <a:solidFill>
                   <a:schemeClr val="tx2"/>
                 </a:solidFill>
               </a:rPr>
               <a:t> residuals</a:t>
             </a:r>
-            <a:endParaRPr lang="en-GB" dirty="0" smtClean="0"/>
-          </a:p>
-          <a:p>
-            <a:r>
-              <a:rPr lang="en-GB" dirty="0" smtClean="0"/>
-              <a:t>This method of finding the “best fitting line” is called </a:t>
-            </a:r>
+            <a:endParaRPr lang="en-GB" dirty="0"/>
+          </a:p>
+          <a:p>
             <a:r>
               <a:rPr lang="en-GB" dirty="0"/>
-              <a:t>the </a:t>
-            </a:r>
-            <a:r>
-              <a:rPr lang="en-GB" b="1" dirty="0" smtClean="0">
-                <a:solidFill>
-                  <a:schemeClr val="tx2"/>
-                </a:solidFill>
-              </a:rPr>
-              <a:t>method </a:t>
+              <a:t>This method of finding the “best fitting line” is called the </a:t>
             </a:r>
             <a:r>
               <a:rPr lang="en-GB" b="1" dirty="0">
@@ -14519,32 +14230,23 @@
                   <a:schemeClr val="tx2"/>
                 </a:solidFill>
               </a:rPr>
-              <a:t>of least </a:t>
-            </a:r>
-            <a:r>
-              <a:rPr lang="en-GB" b="1" dirty="0" smtClean="0">
-                <a:solidFill>
-                  <a:schemeClr val="tx2"/>
-                </a:solidFill>
-              </a:rPr>
-              <a:t>squares.</a:t>
-            </a:r>
-          </a:p>
-          <a:p>
-            <a:r>
-              <a:rPr lang="en-GB" dirty="0" smtClean="0"/>
+              <a:t>method of least squares.</a:t>
+            </a:r>
+          </a:p>
+          <a:p>
+            <a:r>
+              <a:rPr lang="en-GB" dirty="0"/>
               <a:t>Automatically obtained by statistical software (e.g., R Studio)</a:t>
             </a:r>
-            <a:endParaRPr lang="en-GB" dirty="0"/>
           </a:p>
           <a:p>
             <a:pPr marL="0" indent="0">
               <a:buNone/>
             </a:pPr>
-            <a:endParaRPr lang="en-GB" b="1" baseline="30000" dirty="0" smtClean="0"/>
-          </a:p>
-          <a:p>
-            <a:endParaRPr lang="en-GB" dirty="0" smtClean="0"/>
+            <a:endParaRPr lang="en-GB" b="1" baseline="30000" dirty="0"/>
+          </a:p>
+          <a:p>
+            <a:endParaRPr lang="en-GB" dirty="0"/>
           </a:p>
         </p:txBody>
       </p:sp>
@@ -14997,7 +14699,7 @@
           <a:lstStyle/>
           <a:p>
             <a:r>
-              <a:rPr lang="en-GB" dirty="0" smtClean="0">
+              <a:rPr lang="en-GB" dirty="0">
                 <a:solidFill>
                   <a:schemeClr val="tx2">
                     <a:lumMod val="75000"/>
@@ -15006,13 +14708,6 @@
               </a:rPr>
               <a:t>Interim Summary</a:t>
             </a:r>
-            <a:endParaRPr lang="en-GB" dirty="0">
-              <a:solidFill>
-                <a:schemeClr val="tx2">
-                  <a:lumMod val="75000"/>
-                </a:schemeClr>
-              </a:solidFill>
-            </a:endParaRPr>
           </a:p>
         </p:txBody>
       </p:sp>
@@ -15042,7 +14737,7 @@
               <a:buNone/>
             </a:pPr>
             <a:r>
-              <a:rPr lang="en-GB" dirty="0" smtClean="0"/>
+              <a:rPr lang="en-GB" dirty="0"/>
               <a:t>The regression equation is </a:t>
             </a:r>
           </a:p>
@@ -15063,11 +14758,11 @@
           </a:p>
           <a:p>
             <a:r>
-              <a:rPr lang="en-GB" dirty="0" smtClean="0"/>
+              <a:rPr lang="en-GB" dirty="0"/>
               <a:t>This is a </a:t>
             </a:r>
             <a:r>
-              <a:rPr lang="en-GB" b="1" dirty="0" smtClean="0">
+              <a:rPr lang="en-GB" b="1" dirty="0">
                 <a:solidFill>
                   <a:schemeClr val="tx2"/>
                 </a:solidFill>
@@ -15075,7 +14770,7 @@
               <a:t>linear model </a:t>
             </a:r>
             <a:r>
-              <a:rPr lang="en-GB" dirty="0" smtClean="0"/>
+              <a:rPr lang="en-GB" dirty="0"/>
               <a:t>of our data</a:t>
             </a:r>
           </a:p>
@@ -15084,55 +14779,54 @@
           </a:p>
           <a:p>
             <a:r>
-              <a:rPr lang="en-GB" dirty="0" smtClean="0"/>
+              <a:rPr lang="en-GB" dirty="0"/>
               <a:t>The values of </a:t>
             </a:r>
             <a:r>
-              <a:rPr lang="en-GB" b="1" dirty="0" smtClean="0"/>
+              <a:rPr lang="en-GB" b="1" dirty="0"/>
               <a:t>a</a:t>
             </a:r>
             <a:r>
-              <a:rPr lang="en-GB" dirty="0" smtClean="0"/>
+              <a:rPr lang="en-GB" dirty="0"/>
               <a:t> (the intercept) and </a:t>
             </a:r>
             <a:r>
-              <a:rPr lang="en-GB" b="1" dirty="0" smtClean="0"/>
+              <a:rPr lang="en-GB" b="1" dirty="0"/>
               <a:t>b</a:t>
             </a:r>
             <a:r>
-              <a:rPr lang="en-GB" dirty="0" smtClean="0"/>
+              <a:rPr lang="en-GB" dirty="0"/>
               <a:t> (the slope) are the values that minimize the sum of the squared residuals </a:t>
             </a:r>
           </a:p>
           <a:p>
-            <a:endParaRPr lang="en-GB" dirty="0" smtClean="0"/>
-          </a:p>
-          <a:p>
-            <a:r>
-              <a:rPr lang="en-GB" b="1" dirty="0" smtClean="0"/>
+            <a:endParaRPr lang="en-GB" dirty="0"/>
+          </a:p>
+          <a:p>
+            <a:r>
+              <a:rPr lang="en-GB" b="1" dirty="0"/>
               <a:t>a</a:t>
             </a:r>
             <a:r>
-              <a:rPr lang="en-GB" dirty="0" smtClean="0"/>
+              <a:rPr lang="en-GB" dirty="0"/>
               <a:t> and </a:t>
             </a:r>
             <a:r>
-              <a:rPr lang="en-GB" b="1" dirty="0" smtClean="0"/>
+              <a:rPr lang="en-GB" b="1" dirty="0"/>
               <a:t>b</a:t>
             </a:r>
             <a:r>
-              <a:rPr lang="en-GB" dirty="0" smtClean="0"/>
+              <a:rPr lang="en-GB" dirty="0"/>
               <a:t> are automatically calculated by </a:t>
             </a:r>
             <a:r>
-              <a:rPr lang="en-GB" dirty="0" err="1" smtClean="0"/>
+              <a:rPr lang="en-GB" dirty="0" err="1"/>
               <a:t>RStudio</a:t>
             </a:r>
             <a:r>
-              <a:rPr lang="en-GB" dirty="0" smtClean="0"/>
+              <a:rPr lang="en-GB" dirty="0"/>
               <a:t>.</a:t>
             </a:r>
-            <a:endParaRPr lang="en-GB" dirty="0"/>
           </a:p>
         </p:txBody>
       </p:sp>
@@ -15488,14 +15182,13 @@
           <a:lstStyle/>
           <a:p>
             <a:r>
-              <a:rPr lang="en-GB" dirty="0" smtClean="0"/>
+              <a:rPr lang="en-GB" dirty="0"/>
               <a:t>Using the regression equation for </a:t>
             </a:r>
             <a:r>
-              <a:rPr lang="en-GB" u="sng" dirty="0" smtClean="0"/>
+              <a:rPr lang="en-GB" u="sng" dirty="0"/>
               <a:t>prediction</a:t>
             </a:r>
-            <a:endParaRPr lang="en-GB" u="sng" dirty="0"/>
           </a:p>
         </p:txBody>
       </p:sp>
@@ -15556,18 +15249,10 @@
           <a:p>
             <a:r>
               <a:rPr lang="en-GB" sz="2300" dirty="0"/>
-              <a:t>If a person’s </a:t>
-            </a:r>
-            <a:r>
-              <a:rPr lang="en-GB" sz="2300" dirty="0" smtClean="0"/>
-              <a:t>Screen Time </a:t>
-            </a:r>
-            <a:r>
-              <a:rPr lang="en-GB" sz="2300" dirty="0"/>
-              <a:t>score = </a:t>
-            </a:r>
-            <a:r>
-              <a:rPr lang="en-GB" sz="2300" b="1" dirty="0" smtClean="0">
+              <a:t>If a person’s Screen Time score = </a:t>
+            </a:r>
+            <a:r>
+              <a:rPr lang="en-GB" sz="2300" b="1" dirty="0">
                 <a:solidFill>
                   <a:schemeClr val="tx2"/>
                 </a:solidFill>
@@ -15575,85 +15260,33 @@
               <a:t>7 hours</a:t>
             </a:r>
             <a:r>
-              <a:rPr lang="en-GB" sz="2300" dirty="0" smtClean="0"/>
-              <a:t>, </a:t>
-            </a:r>
-            <a:r>
               <a:rPr lang="en-GB" sz="2300" dirty="0"/>
-              <a:t>what is their predicted </a:t>
-            </a:r>
-            <a:r>
-              <a:rPr lang="en-GB" sz="2300" dirty="0" smtClean="0"/>
-              <a:t>Anxiety score?</a:t>
-            </a:r>
-            <a:endParaRPr lang="en-GB" sz="2300" dirty="0"/>
+              <a:t>, what is their predicted Anxiety score?</a:t>
+            </a:r>
           </a:p>
           <a:p>
             <a:endParaRPr lang="en-GB" sz="2300" b="1" dirty="0"/>
           </a:p>
           <a:p>
             <a:r>
-              <a:rPr lang="en-GB" sz="2300" b="1" dirty="0" smtClean="0"/>
-              <a:t>Anxiety </a:t>
-            </a:r>
-            <a:r>
               <a:rPr lang="en-GB" sz="2300" b="1" dirty="0"/>
-              <a:t>= </a:t>
-            </a:r>
-            <a:r>
-              <a:rPr lang="en-GB" sz="2300" b="1" dirty="0" smtClean="0"/>
-              <a:t>5.59 </a:t>
-            </a:r>
+              <a:t>Anxiety = 5.59 + 0.13*Screen Time </a:t>
+            </a:r>
+          </a:p>
+          <a:p>
+            <a:endParaRPr lang="en-GB" sz="2300" b="1" dirty="0"/>
+          </a:p>
+          <a:p>
             <a:r>
               <a:rPr lang="en-GB" sz="2300" b="1" dirty="0"/>
-              <a:t>+ </a:t>
-            </a:r>
-            <a:r>
-              <a:rPr lang="en-GB" sz="2300" b="1" dirty="0" smtClean="0"/>
-              <a:t>0.13*Screen Time </a:t>
-            </a:r>
-            <a:endParaRPr lang="en-GB" sz="2300" b="1" dirty="0"/>
-          </a:p>
-          <a:p>
-            <a:endParaRPr lang="en-GB" sz="2300" b="1" dirty="0"/>
-          </a:p>
-          <a:p>
-            <a:r>
-              <a:rPr lang="en-GB" sz="2300" b="1" dirty="0" smtClean="0"/>
-              <a:t>Anxiety </a:t>
-            </a:r>
+              <a:t>Anxiety = 5.59 + (0.13*7)</a:t>
+            </a:r>
+          </a:p>
+          <a:p>
             <a:r>
               <a:rPr lang="en-GB" sz="2300" b="1" dirty="0"/>
-              <a:t>= </a:t>
-            </a:r>
-            <a:r>
-              <a:rPr lang="en-GB" sz="2300" b="1" dirty="0" smtClean="0"/>
-              <a:t>5.59 </a:t>
-            </a:r>
-            <a:r>
-              <a:rPr lang="en-GB" sz="2300" b="1" dirty="0"/>
-              <a:t>+ </a:t>
-            </a:r>
-            <a:r>
-              <a:rPr lang="en-GB" sz="2300" b="1" dirty="0" smtClean="0"/>
-              <a:t>(0.13*7)</a:t>
-            </a:r>
-            <a:endParaRPr lang="en-GB" sz="2300" b="1" dirty="0"/>
-          </a:p>
-          <a:p>
-            <a:r>
-              <a:rPr lang="en-GB" sz="2300" b="1" dirty="0" smtClean="0"/>
-              <a:t>Anxiety </a:t>
-            </a:r>
-            <a:r>
-              <a:rPr lang="en-GB" sz="2300" b="1" dirty="0"/>
-              <a:t>= </a:t>
-            </a:r>
-            <a:r>
-              <a:rPr lang="en-GB" sz="2300" b="1" dirty="0" smtClean="0"/>
-              <a:t>6.5</a:t>
-            </a:r>
-            <a:endParaRPr lang="en-GB" sz="2300" b="1" dirty="0"/>
+              <a:t>Anxiety = 6.5</a:t>
+            </a:r>
           </a:p>
           <a:p>
             <a:endParaRPr lang="en-GB" sz="2300" b="1" dirty="0"/>
@@ -15665,21 +15298,8 @@
                   <a:schemeClr val="tx2"/>
                 </a:solidFill>
               </a:rPr>
-              <a:t>The predicted </a:t>
-            </a:r>
-            <a:r>
-              <a:rPr lang="en-GB" sz="2300" b="1" u="sng" dirty="0" smtClean="0">
-                <a:solidFill>
-                  <a:schemeClr val="tx2"/>
-                </a:solidFill>
-              </a:rPr>
-              <a:t>Anxiety Score is 6.5</a:t>
-            </a:r>
-            <a:endParaRPr lang="en-GB" sz="2300" b="1" u="sng" dirty="0">
-              <a:solidFill>
-                <a:schemeClr val="tx2"/>
-              </a:solidFill>
-            </a:endParaRPr>
+              <a:t>The predicted Anxiety Score is 6.5</a:t>
+            </a:r>
           </a:p>
         </p:txBody>
       </p:sp>
@@ -15782,7 +15402,7 @@
           <a:lstStyle/>
           <a:p>
             <a:r>
-              <a:rPr lang="en-GB" sz="2400" b="1" dirty="0" smtClean="0">
+              <a:rPr lang="en-GB" sz="2400" b="1" dirty="0">
                 <a:solidFill>
                   <a:srgbClr val="00B050"/>
                 </a:solidFill>
@@ -15820,7 +15440,7 @@
           <a:lstStyle/>
           <a:p>
             <a:r>
-              <a:rPr lang="en-GB" sz="2400" b="1" dirty="0" smtClean="0">
+              <a:rPr lang="en-GB" sz="2400" b="1" dirty="0">
                 <a:solidFill>
                   <a:srgbClr val="00B050"/>
                 </a:solidFill>
@@ -16650,10 +16270,9 @@
           <a:lstStyle/>
           <a:p>
             <a:r>
-              <a:rPr lang="en-GB" dirty="0" smtClean="0"/>
+              <a:rPr lang="en-GB" dirty="0"/>
               <a:t>Assumptions of Regression</a:t>
             </a:r>
-            <a:endParaRPr lang="en-GB" dirty="0"/>
           </a:p>
         </p:txBody>
       </p:sp>
@@ -17140,10 +16759,9 @@
           <a:lstStyle/>
           <a:p>
             <a:r>
-              <a:rPr lang="en-GB" dirty="0" smtClean="0"/>
+              <a:rPr lang="en-GB" dirty="0"/>
               <a:t>Overview</a:t>
             </a:r>
-            <a:endParaRPr lang="en-GB" dirty="0"/>
           </a:p>
         </p:txBody>
       </p:sp>
@@ -17170,7 +16788,7 @@
           <a:lstStyle/>
           <a:p>
             <a:r>
-              <a:rPr lang="en-GB" sz="2400" b="1" dirty="0" smtClean="0">
+              <a:rPr lang="en-GB" sz="2400" b="1" dirty="0">
                 <a:solidFill>
                   <a:schemeClr val="tx2"/>
                 </a:solidFill>
@@ -17181,20 +16799,20 @@
           <a:p>
             <a:pPr lvl="1"/>
             <a:r>
-              <a:rPr lang="en-GB" sz="2400" dirty="0" smtClean="0"/>
-              <a:t>7 sessions, weekly until 07/03/22</a:t>
+              <a:rPr lang="en-GB" sz="2400" dirty="0"/>
+              <a:t>7 sessions, weekly until 06/03/23</a:t>
             </a:r>
           </a:p>
           <a:p>
             <a:pPr lvl="1"/>
             <a:r>
-              <a:rPr lang="en-GB" sz="2400" dirty="0" smtClean="0"/>
-              <a:t>No session on 21/02/22</a:t>
-            </a:r>
-          </a:p>
-          <a:p>
-            <a:r>
-              <a:rPr lang="en-GB" sz="2400" b="1" dirty="0" smtClean="0">
+              <a:rPr lang="en-GB" sz="2400" dirty="0"/>
+              <a:t>No session on 13/02/23</a:t>
+            </a:r>
+          </a:p>
+          <a:p>
+            <a:r>
+              <a:rPr lang="en-GB" sz="2400" b="1" dirty="0">
                 <a:solidFill>
                   <a:schemeClr val="tx2"/>
                 </a:solidFill>
@@ -17205,71 +16823,54 @@
           <a:p>
             <a:pPr lvl="1"/>
             <a:r>
-              <a:rPr lang="en-GB" sz="2400" dirty="0" smtClean="0"/>
-              <a:t>Mondays</a:t>
+              <a:rPr lang="en-GB" sz="2400" dirty="0"/>
+              <a:t>First session in each week</a:t>
             </a:r>
           </a:p>
           <a:p>
             <a:pPr lvl="2"/>
             <a:r>
-              <a:rPr lang="en-GB" sz="2400" dirty="0" smtClean="0"/>
+              <a:rPr lang="en-GB" sz="2400" dirty="0"/>
               <a:t>Short lecture</a:t>
             </a:r>
           </a:p>
           <a:p>
             <a:pPr lvl="2"/>
             <a:r>
-              <a:rPr lang="en-GB" sz="2400" dirty="0" smtClean="0"/>
+              <a:rPr lang="en-GB" sz="2400" dirty="0"/>
               <a:t>Worksheet</a:t>
             </a:r>
           </a:p>
           <a:p>
             <a:pPr lvl="1"/>
             <a:r>
-              <a:rPr lang="en-GB" sz="2400" dirty="0" smtClean="0"/>
+              <a:rPr lang="en-GB" sz="2400" dirty="0"/>
               <a:t>Fridays</a:t>
             </a:r>
           </a:p>
           <a:p>
             <a:pPr lvl="2"/>
             <a:r>
-              <a:rPr lang="en-GB" sz="2400" dirty="0" smtClean="0"/>
+              <a:rPr lang="en-GB" sz="2400" dirty="0"/>
               <a:t>Support session (4-5pm first two </a:t>
             </a:r>
             <a:r>
-              <a:rPr lang="en-GB" sz="2400" dirty="0" err="1" smtClean="0"/>
+              <a:rPr lang="en-GB" sz="2400" dirty="0" err="1"/>
               <a:t>wks</a:t>
             </a:r>
             <a:r>
-              <a:rPr lang="en-GB" sz="2400" dirty="0" smtClean="0"/>
+              <a:rPr lang="en-GB" sz="2400" dirty="0"/>
               <a:t>, then 1-2pm after)</a:t>
             </a:r>
-            <a:endParaRPr lang="en-GB" sz="2400" dirty="0"/>
-          </a:p>
-          <a:p>
-            <a:r>
-              <a:rPr lang="en-GB" sz="2400" b="1" dirty="0" smtClean="0">
-                <a:solidFill>
-                  <a:schemeClr val="tx2"/>
-                </a:solidFill>
-              </a:rPr>
-              <a:t>Analysis Assessment</a:t>
-            </a:r>
+          </a:p>
+          <a:p>
             <a:r>
               <a:rPr lang="en-GB" sz="2400" b="1" dirty="0">
                 <a:solidFill>
                   <a:schemeClr val="tx2"/>
                 </a:solidFill>
               </a:rPr>
-              <a:t> </a:t>
-            </a:r>
-            <a:r>
-              <a:rPr lang="en-GB" sz="2400" b="1" dirty="0" smtClean="0">
-                <a:solidFill>
-                  <a:schemeClr val="tx2"/>
-                </a:solidFill>
-              </a:rPr>
-              <a:t>(50%)</a:t>
+              <a:t>Analysis Assessment (50%)</a:t>
             </a:r>
           </a:p>
           <a:p>
@@ -17283,11 +16884,13 @@
             <a:pPr lvl="2"/>
             <a:r>
               <a:rPr lang="en-GB" sz="2400" dirty="0"/>
-              <a:t>31/03/22. </a:t>
-            </a:r>
-            <a:r>
-              <a:rPr lang="en-GB" sz="2400" dirty="0" smtClean="0"/>
-              <a:t>Submission deadline</a:t>
+              <a:t>30/03/23. </a:t>
+            </a:r>
+            <a:r>
+              <a:rPr lang="en-GB" sz="2400" dirty="0">
+                <a:hlinkClick r:id="rId3"/>
+              </a:rPr>
+              <a:t>Submission deadlines</a:t>
             </a:r>
             <a:endParaRPr lang="en-GB" sz="2400" dirty="0"/>
           </a:p>
@@ -17715,10 +17318,9 @@
           <a:lstStyle/>
           <a:p>
             <a:r>
-              <a:rPr lang="en-GB" dirty="0" smtClean="0"/>
+              <a:rPr lang="en-GB" dirty="0"/>
               <a:t>Assumptions of Regression</a:t>
             </a:r>
-            <a:endParaRPr lang="en-GB" dirty="0"/>
           </a:p>
         </p:txBody>
       </p:sp>
@@ -17757,17 +17359,13 @@
             <a:pPr lvl="1"/>
             <a:r>
               <a:rPr lang="en-GB" sz="2200" dirty="0"/>
-              <a:t>For each value of X, the residuals should have the same </a:t>
-            </a:r>
-            <a:r>
-              <a:rPr lang="en-GB" sz="2200" dirty="0" smtClean="0"/>
-              <a:t>variance.</a:t>
+              <a:t>For each value of X, the residuals should have the same variance.</a:t>
             </a:r>
           </a:p>
           <a:p>
             <a:pPr lvl="1"/>
             <a:r>
-              <a:rPr lang="en-GB" sz="2200" b="1" dirty="0" smtClean="0">
+              <a:rPr lang="en-GB" sz="2200" b="1" dirty="0">
                 <a:solidFill>
                   <a:schemeClr val="tx2">
                     <a:lumMod val="60000"/>
@@ -17778,7 +17376,7 @@
               <a:t>Check</a:t>
             </a:r>
             <a:r>
-              <a:rPr lang="en-GB" sz="2200" dirty="0" smtClean="0">
+              <a:rPr lang="en-GB" sz="2200" dirty="0">
                 <a:solidFill>
                   <a:schemeClr val="tx2">
                     <a:lumMod val="60000"/>
@@ -17790,27 +17388,14 @@
             </a:r>
             <a:r>
               <a:rPr lang="en-GB" sz="2200" dirty="0"/>
-              <a:t>with scatterplot of predicted </a:t>
-            </a:r>
-            <a:r>
-              <a:rPr lang="en-GB" sz="2200" dirty="0" smtClean="0"/>
-              <a:t>(fitted) values </a:t>
-            </a:r>
-            <a:r>
-              <a:rPr lang="en-GB" sz="2200" dirty="0"/>
-              <a:t>vs. </a:t>
-            </a:r>
-            <a:r>
-              <a:rPr lang="en-GB" sz="2200" dirty="0" smtClean="0"/>
-              <a:t>residuals:</a:t>
-            </a:r>
-            <a:endParaRPr lang="en-GB" sz="2200" dirty="0"/>
+              <a:t>with scatterplot of predicted (fitted) values vs. residuals:</a:t>
+            </a:r>
           </a:p>
           <a:p>
             <a:pPr marL="457200" lvl="1" indent="0">
               <a:buNone/>
             </a:pPr>
-            <a:endParaRPr lang="en-GB" dirty="0" smtClean="0"/>
+            <a:endParaRPr lang="en-GB" dirty="0"/>
           </a:p>
           <a:p>
             <a:pPr marL="457200" lvl="1" indent="0">
@@ -17866,7 +17451,7 @@
           <a:lstStyle/>
           <a:p>
             <a:r>
-              <a:rPr lang="en-GB" sz="2400" b="1" dirty="0" smtClean="0">
+              <a:rPr lang="en-GB" sz="2400" b="1" dirty="0">
                 <a:solidFill>
                   <a:srgbClr val="00B050"/>
                 </a:solidFill>
@@ -17875,7 +17460,7 @@
               <a:t>ok</a:t>
             </a:r>
             <a:r>
-              <a:rPr lang="en-GB" sz="3200" b="1" dirty="0" smtClean="0">
+              <a:rPr lang="en-GB" sz="3200" b="1" dirty="0">
                 <a:solidFill>
                   <a:srgbClr val="00B050"/>
                 </a:solidFill>
@@ -18223,10 +17808,9 @@
           <a:lstStyle/>
           <a:p>
             <a:r>
-              <a:rPr lang="en-GB" dirty="0" smtClean="0"/>
+              <a:rPr lang="en-GB" dirty="0"/>
               <a:t>Assumptions of Regression</a:t>
             </a:r>
-            <a:endParaRPr lang="en-GB" dirty="0"/>
           </a:p>
         </p:txBody>
       </p:sp>
@@ -18308,18 +17892,7 @@
                   </a:schemeClr>
                 </a:solidFill>
               </a:rPr>
-              <a:t>residuals vs. predicted </a:t>
-            </a:r>
-            <a:r>
-              <a:rPr lang="en-GB" sz="2200" dirty="0" smtClean="0">
-                <a:solidFill>
-                  <a:schemeClr val="tx2">
-                    <a:lumMod val="60000"/>
-                    <a:lumOff val="40000"/>
-                  </a:schemeClr>
-                </a:solidFill>
-              </a:rPr>
-              <a:t>values</a:t>
+              <a:t>residuals vs. predicted values</a:t>
             </a:r>
             <a:endParaRPr lang="en-GB" sz="2200" dirty="0"/>
           </a:p>
@@ -18448,16 +18021,7 @@
                 </a:solidFill>
                 <a:sym typeface="Wingdings"/>
               </a:rPr>
-              <a:t>Pattern </a:t>
-            </a:r>
-            <a:r>
-              <a:rPr lang="en-GB" b="1" dirty="0" smtClean="0">
-                <a:solidFill>
-                  <a:srgbClr val="00B050"/>
-                </a:solidFill>
-                <a:sym typeface="Wingdings"/>
-              </a:rPr>
-              <a:t>ok</a:t>
+              <a:t>Pattern ok</a:t>
             </a:r>
             <a:endParaRPr lang="en-GB" sz="1400" b="1" dirty="0">
               <a:solidFill>
@@ -18902,52 +18466,52 @@
           <a:lstStyle/>
           <a:p>
             <a:r>
-              <a:rPr lang="en-GB" dirty="0" smtClean="0"/>
+              <a:rPr lang="en-GB" dirty="0"/>
               <a:t>The proportion of the total variability in the outcome variable that can be accounted for by the model is given by R</a:t>
             </a:r>
             <a:r>
-              <a:rPr lang="en-GB" baseline="30000" dirty="0" smtClean="0"/>
+              <a:rPr lang="en-GB" baseline="30000" dirty="0"/>
               <a:t>2</a:t>
             </a:r>
             <a:endParaRPr lang="en-GB" dirty="0"/>
           </a:p>
           <a:p>
             <a:r>
-              <a:rPr lang="en-GB" dirty="0" smtClean="0"/>
+              <a:rPr lang="en-GB" dirty="0"/>
               <a:t>Multiply R</a:t>
             </a:r>
             <a:r>
-              <a:rPr lang="en-GB" baseline="30000" dirty="0" smtClean="0"/>
+              <a:rPr lang="en-GB" baseline="30000" dirty="0"/>
               <a:t>2</a:t>
             </a:r>
             <a:r>
-              <a:rPr lang="en-GB" dirty="0" smtClean="0"/>
+              <a:rPr lang="en-GB" dirty="0"/>
               <a:t> by 100 to report as a percentage. </a:t>
             </a:r>
           </a:p>
           <a:p>
             <a:r>
-              <a:rPr lang="en-GB" dirty="0" smtClean="0"/>
+              <a:rPr lang="en-GB" dirty="0"/>
               <a:t>For example, if </a:t>
             </a:r>
             <a:r>
-              <a:rPr lang="en-GB" b="1" dirty="0" smtClean="0"/>
+              <a:rPr lang="en-GB" b="1" dirty="0"/>
               <a:t>R</a:t>
             </a:r>
             <a:r>
-              <a:rPr lang="en-GB" b="1" baseline="30000" dirty="0" smtClean="0"/>
+              <a:rPr lang="en-GB" b="1" baseline="30000" dirty="0"/>
               <a:t>2</a:t>
             </a:r>
             <a:r>
-              <a:rPr lang="en-GB" b="1" dirty="0" smtClean="0"/>
+              <a:rPr lang="en-GB" b="1" dirty="0"/>
               <a:t> = .3412</a:t>
             </a:r>
             <a:r>
-              <a:rPr lang="en-GB" dirty="0" smtClean="0"/>
+              <a:rPr lang="en-GB" dirty="0"/>
               <a:t>, then </a:t>
             </a:r>
             <a:r>
-              <a:rPr lang="en-GB" b="1" dirty="0" smtClean="0">
+              <a:rPr lang="en-GB" b="1" dirty="0">
                 <a:solidFill>
                   <a:schemeClr val="tx2">
                     <a:lumMod val="75000"/>
@@ -18957,7 +18521,7 @@
               <a:t>34.12% of the total variability in the outcome variable (anxiety) can be accounted for by the regression model (screen time)</a:t>
             </a:r>
             <a:r>
-              <a:rPr lang="en-GB" dirty="0" smtClean="0">
+              <a:rPr lang="en-GB" dirty="0">
                 <a:solidFill>
                   <a:schemeClr val="tx2">
                     <a:lumMod val="75000"/>
@@ -19070,14 +18634,6 @@
   <p:clrMapOvr>
     <a:masterClrMapping/>
   </p:clrMapOvr>
-  <mc:AlternateContent xmlns:mc="http://schemas.openxmlformats.org/markup-compatibility/2006" xmlns:p14="http://schemas.microsoft.com/office/powerpoint/2010/main">
-    <mc:Choice Requires="p14">
-      <p:transition p14:dur="0"/>
-    </mc:Choice>
-    <mc:Fallback xmlns="">
-      <p:transition/>
-    </mc:Fallback>
-  </mc:AlternateContent>
   <p:timing>
     <p:tnLst>
       <p:par>
@@ -19334,19 +18890,19 @@
           <a:lstStyle/>
           <a:p>
             <a:r>
-              <a:rPr lang="en-GB" dirty="0" smtClean="0"/>
+              <a:rPr lang="en-GB" dirty="0"/>
               <a:t>If we only had the outcome variable (and no predictor), the </a:t>
             </a:r>
             <a:r>
-              <a:rPr lang="en-GB" smtClean="0"/>
+              <a:rPr lang="en-GB"/>
               <a:t>best prediction or </a:t>
             </a:r>
             <a:r>
-              <a:rPr lang="en-GB" dirty="0" smtClean="0"/>
+              <a:rPr lang="en-GB" dirty="0"/>
               <a:t>“model” of the outcome would be its </a:t>
             </a:r>
             <a:r>
-              <a:rPr lang="en-GB" b="1" dirty="0" smtClean="0">
+              <a:rPr lang="en-GB" b="1" dirty="0">
                 <a:solidFill>
                   <a:schemeClr val="tx2"/>
                 </a:solidFill>
@@ -19354,7 +18910,7 @@
               <a:t>mean value</a:t>
             </a:r>
             <a:r>
-              <a:rPr lang="en-GB" dirty="0" smtClean="0">
+              <a:rPr lang="en-GB" dirty="0">
                 <a:solidFill>
                   <a:schemeClr val="tx2"/>
                 </a:solidFill>
@@ -19362,17 +18918,17 @@
               <a:t> </a:t>
             </a:r>
             <a:r>
-              <a:rPr lang="en-GB" dirty="0" smtClean="0"/>
+              <a:rPr lang="en-GB" dirty="0"/>
               <a:t>(e.g., the mean Anxiety Score).</a:t>
             </a:r>
           </a:p>
           <a:p>
             <a:r>
-              <a:rPr lang="en-GB" dirty="0" smtClean="0"/>
+              <a:rPr lang="en-GB" dirty="0"/>
               <a:t>This is called the </a:t>
             </a:r>
             <a:r>
-              <a:rPr lang="en-GB" dirty="0" smtClean="0">
+              <a:rPr lang="en-GB" dirty="0">
                 <a:solidFill>
                   <a:schemeClr val="tx2">
                     <a:lumMod val="75000"/>
@@ -19382,11 +18938,11 @@
               <a:t>null</a:t>
             </a:r>
             <a:r>
-              <a:rPr lang="en-GB" dirty="0" smtClean="0"/>
+              <a:rPr lang="en-GB" dirty="0"/>
               <a:t> </a:t>
             </a:r>
             <a:r>
-              <a:rPr lang="en-GB" dirty="0" smtClean="0">
+              <a:rPr lang="en-GB" dirty="0">
                 <a:solidFill>
                   <a:schemeClr val="tx2"/>
                 </a:solidFill>
@@ -19394,11 +18950,11 @@
               <a:t>model</a:t>
             </a:r>
             <a:r>
-              <a:rPr lang="en-GB" dirty="0" smtClean="0"/>
+              <a:rPr lang="en-GB" dirty="0"/>
               <a:t> or </a:t>
             </a:r>
             <a:r>
-              <a:rPr lang="en-GB" b="1" dirty="0" smtClean="0">
+              <a:rPr lang="en-GB" b="1" dirty="0">
                 <a:solidFill>
                   <a:schemeClr val="tx2"/>
                 </a:solidFill>
@@ -19406,27 +18962,27 @@
               <a:t>Intercept-only model</a:t>
             </a:r>
             <a:r>
-              <a:rPr lang="en-GB" dirty="0" smtClean="0"/>
+              <a:rPr lang="en-GB" dirty="0"/>
               <a:t>.</a:t>
             </a:r>
           </a:p>
           <a:p>
             <a:r>
-              <a:rPr lang="en-GB" dirty="0" smtClean="0"/>
+              <a:rPr lang="en-GB" dirty="0"/>
               <a:t>It is the scenario where the predictor does not predict the outcome at all and has a zero-slope (a flat regression line).</a:t>
             </a:r>
           </a:p>
           <a:p>
-            <a:endParaRPr lang="en-GB" b="1" dirty="0" smtClean="0"/>
+            <a:endParaRPr lang="en-GB" b="1" dirty="0"/>
           </a:p>
           <a:p>
             <a:pPr marL="0" indent="0">
               <a:buNone/>
             </a:pPr>
-            <a:endParaRPr lang="en-GB" dirty="0" smtClean="0"/>
-          </a:p>
-          <a:p>
-            <a:endParaRPr lang="en-GB" dirty="0" smtClean="0"/>
+            <a:endParaRPr lang="en-GB" dirty="0"/>
+          </a:p>
+          <a:p>
+            <a:endParaRPr lang="en-GB" dirty="0"/>
           </a:p>
           <a:p>
             <a:pPr marL="0" indent="0">
@@ -19512,25 +19068,8 @@
                   </a:schemeClr>
                 </a:solidFill>
               </a:rPr>
-              <a:t>Evaluating the Regression Model: </a:t>
-            </a:r>
-            <a:r>
-              <a:rPr lang="en-GB" sz="2800" dirty="0" smtClean="0">
-                <a:solidFill>
-                  <a:schemeClr val="accent4">
-                    <a:lumMod val="50000"/>
-                  </a:schemeClr>
-                </a:solidFill>
-              </a:rPr>
-              <a:t>Intercept-only model</a:t>
-            </a:r>
-            <a:endParaRPr lang="en-GB" sz="2800" dirty="0">
-              <a:solidFill>
-                <a:schemeClr val="accent4">
-                  <a:lumMod val="50000"/>
-                </a:schemeClr>
-              </a:solidFill>
-            </a:endParaRPr>
+              <a:t>Evaluating the Regression Model: Intercept-only model</a:t>
+            </a:r>
           </a:p>
         </p:txBody>
       </p:sp>
@@ -19605,14 +19144,6 @@
   <p:clrMapOvr>
     <a:masterClrMapping/>
   </p:clrMapOvr>
-  <mc:AlternateContent xmlns:mc="http://schemas.openxmlformats.org/markup-compatibility/2006" xmlns:p14="http://schemas.microsoft.com/office/powerpoint/2010/main">
-    <mc:Choice Requires="p14">
-      <p:transition p14:dur="0"/>
-    </mc:Choice>
-    <mc:Fallback xmlns="">
-      <p:transition/>
-    </mc:Fallback>
-  </mc:AlternateContent>
   <p:timing>
     <p:tnLst>
       <p:par>
@@ -19944,54 +19475,30 @@
             </a:r>
             <a:r>
               <a:rPr lang="en-GB" dirty="0"/>
-              <a:t>can </a:t>
-            </a:r>
-            <a:r>
-              <a:rPr lang="en-GB" dirty="0" smtClean="0"/>
-              <a:t>tell </a:t>
-            </a:r>
+              <a:t>can tell us whether there’s more evidence for the regression model than the intercept-only model.</a:t>
+            </a:r>
+          </a:p>
+          <a:p>
             <a:r>
               <a:rPr lang="en-GB" dirty="0"/>
-              <a:t>us whether </a:t>
-            </a:r>
-            <a:r>
-              <a:rPr lang="en-GB" dirty="0" smtClean="0"/>
-              <a:t>there’s more evidence for the regression </a:t>
+              <a:t>More formally, the BF is the likelihood of the model given the data, relative to that of another model (</a:t>
+            </a:r>
+            <a:r>
+              <a:rPr lang="en-GB" dirty="0" err="1"/>
+              <a:t>Rouder</a:t>
             </a:r>
             <a:r>
               <a:rPr lang="en-GB" dirty="0"/>
-              <a:t>model </a:t>
-            </a:r>
-            <a:r>
-              <a:rPr lang="en-GB" dirty="0" smtClean="0"/>
-              <a:t>than </a:t>
-            </a:r>
+              <a:t> &amp; Morey, 2013)</a:t>
+            </a:r>
+          </a:p>
+          <a:p>
             <a:r>
               <a:rPr lang="en-GB" dirty="0"/>
-              <a:t>the intercept-only model.</a:t>
-            </a:r>
-          </a:p>
-          <a:p>
-            <a:r>
-              <a:rPr lang="en-GB" dirty="0" smtClean="0"/>
-              <a:t>More formally, the BF is the likelihood of the model given the data, relative to that of another model (</a:t>
-            </a:r>
-            <a:r>
-              <a:rPr lang="en-GB" dirty="0" err="1" smtClean="0"/>
-              <a:t>Rouder</a:t>
-            </a:r>
-            <a:r>
-              <a:rPr lang="en-GB" dirty="0" smtClean="0"/>
-              <a:t> &amp; Morey, 2013)</a:t>
-            </a:r>
-          </a:p>
-          <a:p>
-            <a:r>
-              <a:rPr lang="en-GB" dirty="0" smtClean="0"/>
               <a:t>For example, if the BF for a simple regression model is </a:t>
             </a:r>
             <a:r>
-              <a:rPr lang="en-GB" b="1" dirty="0" smtClean="0">
+              <a:rPr lang="en-GB" b="1" dirty="0">
                 <a:solidFill>
                   <a:schemeClr val="tx2"/>
                 </a:solidFill>
@@ -19999,11 +19506,11 @@
               <a:t>3</a:t>
             </a:r>
             <a:r>
-              <a:rPr lang="en-GB" dirty="0" smtClean="0"/>
+              <a:rPr lang="en-GB" dirty="0"/>
               <a:t>, then it is </a:t>
             </a:r>
             <a:r>
-              <a:rPr lang="en-GB" dirty="0" smtClean="0">
+              <a:rPr lang="en-GB" dirty="0">
                 <a:solidFill>
                   <a:schemeClr val="tx2"/>
                 </a:solidFill>
@@ -20011,15 +19518,15 @@
               <a:t>three</a:t>
             </a:r>
             <a:r>
-              <a:rPr lang="en-GB" dirty="0" smtClean="0"/>
+              <a:rPr lang="en-GB" dirty="0"/>
               <a:t> times more likely than the intercept only model.</a:t>
             </a:r>
           </a:p>
           <a:p>
-            <a:endParaRPr lang="en-GB" dirty="0" smtClean="0"/>
-          </a:p>
-          <a:p>
-            <a:endParaRPr lang="en-GB" dirty="0" smtClean="0"/>
+            <a:endParaRPr lang="en-GB" dirty="0"/>
+          </a:p>
+          <a:p>
+            <a:endParaRPr lang="en-GB" dirty="0"/>
           </a:p>
         </p:txBody>
       </p:sp>
@@ -20099,25 +19606,8 @@
                   </a:schemeClr>
                 </a:solidFill>
               </a:rPr>
-              <a:t>Evaluating the Regression Model: </a:t>
-            </a:r>
-            <a:r>
-              <a:rPr lang="en-GB" sz="2800" dirty="0" smtClean="0">
-                <a:solidFill>
-                  <a:schemeClr val="accent4">
-                    <a:lumMod val="50000"/>
-                  </a:schemeClr>
-                </a:solidFill>
-              </a:rPr>
-              <a:t>Bayes Factor</a:t>
-            </a:r>
-            <a:endParaRPr lang="en-GB" sz="2800" dirty="0">
-              <a:solidFill>
-                <a:schemeClr val="accent4">
-                  <a:lumMod val="50000"/>
-                </a:schemeClr>
-              </a:solidFill>
-            </a:endParaRPr>
+              <a:t>Evaluating the Regression Model: Bayes Factor</a:t>
+            </a:r>
           </a:p>
         </p:txBody>
       </p:sp>
@@ -20259,17 +19749,7 @@
                   </a:schemeClr>
                 </a:solidFill>
               </a:rPr>
-              <a:t>*Other approaches exist (e.g., frequentist </a:t>
-            </a:r>
-            <a:r>
-              <a:rPr lang="en-GB" dirty="0" smtClean="0">
-                <a:solidFill>
-                  <a:schemeClr val="bg1">
-                    <a:lumMod val="50000"/>
-                  </a:schemeClr>
-                </a:solidFill>
-              </a:rPr>
-              <a:t>approaches using </a:t>
+              <a:t>*Other approaches exist (e.g., frequentist approaches using </a:t>
             </a:r>
             <a:r>
               <a:rPr lang="en-GB" i="1" dirty="0">
@@ -20331,13 +19811,8 @@
             </a:r>
             <a:r>
               <a:rPr lang="en-GB" sz="2000" dirty="0"/>
-              <a:t>= regression model more </a:t>
-            </a:r>
-            <a:r>
-              <a:rPr lang="en-GB" sz="2000" dirty="0" smtClean="0"/>
-              <a:t>likely than intercept-only</a:t>
-            </a:r>
-            <a:endParaRPr lang="en-GB" sz="2000" dirty="0"/>
+              <a:t>= regression model more likely than intercept-only</a:t>
+            </a:r>
           </a:p>
           <a:p>
             <a:r>
@@ -20368,15 +19843,7 @@
             </a:r>
             <a:r>
               <a:rPr lang="en-GB" sz="2000" dirty="0"/>
-              <a:t>= </a:t>
-            </a:r>
-            <a:r>
-              <a:rPr lang="en-GB" sz="2000" dirty="0" smtClean="0"/>
-              <a:t>substantial </a:t>
-            </a:r>
-            <a:r>
-              <a:rPr lang="en-GB" sz="2000" dirty="0"/>
-              <a:t>evidence for the regression model</a:t>
+              <a:t>= substantial evidence for the regression model</a:t>
             </a:r>
           </a:p>
           <a:p>
@@ -20390,33 +19857,17 @@
             </a:r>
             <a:r>
               <a:rPr lang="en-GB" sz="2000" dirty="0"/>
-              <a:t>= </a:t>
-            </a:r>
-            <a:r>
-              <a:rPr lang="en-GB" sz="2000" dirty="0" smtClean="0"/>
-              <a:t>substantial </a:t>
-            </a:r>
-            <a:r>
-              <a:rPr lang="en-GB" sz="2000" dirty="0"/>
-              <a:t>evidence for the intercept-only model </a:t>
-            </a:r>
-          </a:p>
-          <a:p>
-            <a:r>
-              <a:rPr lang="en-GB" sz="2000" b="1" dirty="0" smtClean="0">
-                <a:solidFill>
-                  <a:schemeClr val="tx2"/>
-                </a:solidFill>
-              </a:rPr>
-              <a:t>BFs </a:t>
-            </a:r>
+              <a:t>= substantial evidence for the intercept-only model </a:t>
+            </a:r>
+          </a:p>
+          <a:p>
             <a:r>
               <a:rPr lang="en-GB" sz="2000" b="1" dirty="0">
                 <a:solidFill>
                   <a:schemeClr val="tx2"/>
                 </a:solidFill>
               </a:rPr>
-              <a:t>between 0.33 to 3 </a:t>
+              <a:t>BFs between 0.33 to 3 </a:t>
             </a:r>
             <a:r>
               <a:rPr lang="en-GB" sz="2000" dirty="0"/>
@@ -20432,11 +19883,7 @@
             </a:r>
             <a:r>
               <a:rPr lang="en-GB" sz="2000" dirty="0"/>
-              <a:t> </a:t>
-            </a:r>
-            <a:r>
-              <a:rPr lang="en-GB" sz="2000" dirty="0" smtClean="0"/>
-              <a:t>evidence</a:t>
+              <a:t> evidence</a:t>
             </a:r>
             <a:endParaRPr lang="en-GB" dirty="0"/>
           </a:p>
@@ -20452,14 +19899,6 @@
   <p:clrMapOvr>
     <a:masterClrMapping/>
   </p:clrMapOvr>
-  <mc:AlternateContent xmlns:mc="http://schemas.openxmlformats.org/markup-compatibility/2006" xmlns:p14="http://schemas.microsoft.com/office/powerpoint/2010/main">
-    <mc:Choice Requires="p14">
-      <p:transition p14:dur="0"/>
-    </mc:Choice>
-    <mc:Fallback xmlns="">
-      <p:transition/>
-    </mc:Fallback>
-  </mc:AlternateContent>
   <p:timing>
     <p:tnLst>
       <p:par>
@@ -20850,17 +20289,17 @@
           <a:lstStyle/>
           <a:p>
             <a:r>
-              <a:rPr lang="en-GB" sz="3200" b="1" dirty="0" smtClean="0"/>
+              <a:rPr lang="en-GB" sz="3200" b="1" dirty="0"/>
               <a:t>Activity: Remainder of Session</a:t>
             </a:r>
           </a:p>
           <a:p>
             <a:r>
-              <a:rPr lang="en-GB" sz="3200" b="1" dirty="0" smtClean="0"/>
+              <a:rPr lang="en-GB" sz="3200" b="1" dirty="0"/>
               <a:t>Start Worksheet 1 and Exercises using </a:t>
             </a:r>
             <a:r>
-              <a:rPr lang="en-GB" sz="3200" b="1" dirty="0" err="1" smtClean="0"/>
+              <a:rPr lang="en-GB" sz="3200" b="1" dirty="0" err="1"/>
               <a:t>RStudio</a:t>
             </a:r>
             <a:endParaRPr lang="en-GB" sz="3200" b="1" dirty="0"/>
@@ -20928,13 +20367,6 @@
       </p:transition>
     </mc:Fallback>
   </mc:AlternateContent>
-  <p:timing>
-    <p:tnLst>
-      <p:par>
-        <p:cTn id="1" dur="indefinite" restart="never" nodeType="tmRoot"/>
-      </p:par>
-    </p:tnLst>
-  </p:timing>
 </p:sld>
 </file>
 
@@ -20978,10 +20410,9 @@
           <a:lstStyle/>
           <a:p>
             <a:r>
-              <a:rPr lang="en-GB" sz="3600" dirty="0" smtClean="0"/>
+              <a:rPr lang="en-GB" sz="3600" dirty="0"/>
               <a:t>Why Are We Doing This?</a:t>
             </a:r>
-            <a:endParaRPr lang="en-GB" sz="3600" dirty="0"/>
           </a:p>
         </p:txBody>
       </p:sp>
@@ -21013,7 +20444,7 @@
               </a:lnSpc>
             </a:pPr>
             <a:r>
-              <a:rPr lang="en-GB" sz="3200" dirty="0" smtClean="0"/>
+              <a:rPr lang="en-GB" sz="3200" dirty="0"/>
               <a:t>Become better psychologists</a:t>
             </a:r>
           </a:p>
@@ -21024,7 +20455,7 @@
               </a:lnSpc>
             </a:pPr>
             <a:r>
-              <a:rPr lang="en-GB" sz="3200" dirty="0" smtClean="0"/>
+              <a:rPr lang="en-GB" sz="3200" dirty="0"/>
               <a:t>Draw sound inferences from data</a:t>
             </a:r>
           </a:p>
@@ -21035,7 +20466,7 @@
               </a:lnSpc>
             </a:pPr>
             <a:r>
-              <a:rPr lang="en-GB" sz="3200" dirty="0" smtClean="0"/>
+              <a:rPr lang="en-GB" sz="3200" dirty="0"/>
               <a:t>To better understand the literature</a:t>
             </a:r>
           </a:p>
@@ -21078,13 +20509,6 @@
   <p:clrMapOvr>
     <a:masterClrMapping/>
   </p:clrMapOvr>
-  <p:timing>
-    <p:tnLst>
-      <p:par>
-        <p:cTn id="1" dur="indefinite" restart="never" nodeType="tmRoot"/>
-      </p:par>
-    </p:tnLst>
-  </p:timing>
 </p:sld>
 </file>
 
@@ -21121,10 +20545,9 @@
           <a:lstStyle/>
           <a:p>
             <a:r>
-              <a:rPr lang="en-GB" dirty="0" smtClean="0"/>
+              <a:rPr lang="en-GB" dirty="0"/>
               <a:t>Simple Regression</a:t>
             </a:r>
-            <a:endParaRPr lang="en-GB" dirty="0"/>
           </a:p>
         </p:txBody>
       </p:sp>
@@ -21155,7 +20578,7 @@
               <a:t>Closely related to </a:t>
             </a:r>
             <a:r>
-              <a:rPr lang="en-GB" b="1" dirty="0" smtClean="0">
+              <a:rPr lang="en-GB" b="1" dirty="0">
                 <a:solidFill>
                   <a:schemeClr val="tx2"/>
                 </a:solidFill>
@@ -21163,11 +20586,11 @@
               <a:t>correlation</a:t>
             </a:r>
             <a:r>
-              <a:rPr lang="en-GB" dirty="0" smtClean="0"/>
+              <a:rPr lang="en-GB" dirty="0"/>
               <a:t>, which describes the </a:t>
             </a:r>
             <a:r>
-              <a:rPr lang="en-GB" b="1" dirty="0" smtClean="0">
+              <a:rPr lang="en-GB" b="1" dirty="0">
                 <a:solidFill>
                   <a:schemeClr val="accent1"/>
                 </a:solidFill>
@@ -21175,7 +20598,7 @@
               <a:t>strength of association </a:t>
             </a:r>
             <a:r>
-              <a:rPr lang="en-GB" dirty="0" smtClean="0"/>
+              <a:rPr lang="en-GB" dirty="0"/>
               <a:t>between two variables (X and Y).</a:t>
             </a:r>
           </a:p>
@@ -21183,11 +20606,11 @@
             <a:pPr marL="0" indent="0">
               <a:buNone/>
             </a:pPr>
-            <a:endParaRPr lang="en-GB" dirty="0" smtClean="0"/>
-          </a:p>
-          <a:p>
-            <a:r>
-              <a:rPr lang="en-GB" b="1" dirty="0" smtClean="0">
+            <a:endParaRPr lang="en-GB" dirty="0"/>
+          </a:p>
+          <a:p>
+            <a:r>
+              <a:rPr lang="en-GB" b="1" dirty="0">
                 <a:solidFill>
                   <a:schemeClr val="tx2"/>
                 </a:solidFill>
@@ -21195,18 +20618,18 @@
               <a:t>Regression</a:t>
             </a:r>
             <a:r>
-              <a:rPr lang="en-GB" dirty="0" smtClean="0"/>
+              <a:rPr lang="en-GB" dirty="0"/>
               <a:t>: </a:t>
             </a:r>
             <a:br>
-              <a:rPr lang="en-GB" dirty="0" smtClean="0"/>
+              <a:rPr lang="en-GB" dirty="0"/>
             </a:br>
             <a:r>
-              <a:rPr lang="en-GB" dirty="0" smtClean="0"/>
+              <a:rPr lang="en-GB" dirty="0"/>
               <a:t>enables the </a:t>
             </a:r>
             <a:r>
-              <a:rPr lang="en-GB" b="1" dirty="0" smtClean="0">
+              <a:rPr lang="en-GB" b="1" dirty="0">
                 <a:solidFill>
                   <a:schemeClr val="accent1"/>
                 </a:solidFill>
@@ -21214,7 +20637,7 @@
               <a:t>prediction</a:t>
             </a:r>
             <a:r>
-              <a:rPr lang="en-GB" dirty="0" smtClean="0">
+              <a:rPr lang="en-GB" dirty="0">
                 <a:solidFill>
                   <a:schemeClr val="accent1"/>
                 </a:solidFill>
@@ -21222,18 +20645,18 @@
               <a:t> </a:t>
             </a:r>
             <a:r>
-              <a:rPr lang="en-GB" dirty="0" smtClean="0"/>
+              <a:rPr lang="en-GB" dirty="0"/>
               <a:t>of values of Y from values of X.</a:t>
             </a:r>
           </a:p>
           <a:p>
             <a:pPr lvl="1"/>
             <a:r>
-              <a:rPr lang="en-GB" dirty="0" smtClean="0"/>
+              <a:rPr lang="en-GB" dirty="0"/>
               <a:t>A </a:t>
             </a:r>
             <a:r>
-              <a:rPr lang="en-GB" b="1" dirty="0" smtClean="0">
+              <a:rPr lang="en-GB" b="1" dirty="0">
                 <a:solidFill>
                   <a:schemeClr val="tx2"/>
                 </a:solidFill>
@@ -21241,35 +20664,23 @@
               <a:t>linear</a:t>
             </a:r>
             <a:r>
-              <a:rPr lang="en-GB" dirty="0" smtClean="0"/>
-              <a:t> equation relates scores of X (e.g., </a:t>
-            </a:r>
-            <a:r>
-              <a:rPr lang="en-GB" dirty="0" smtClean="0"/>
-              <a:t>Screen Time) </a:t>
-            </a:r>
-            <a:r>
-              <a:rPr lang="en-GB" dirty="0" smtClean="0"/>
-              <a:t>to scores of Y (e.g</a:t>
-            </a:r>
-            <a:r>
-              <a:rPr lang="en-GB" smtClean="0"/>
-              <a:t>., </a:t>
-            </a:r>
-            <a:r>
-              <a:rPr lang="en-GB" smtClean="0"/>
-              <a:t>Anxiety).</a:t>
-            </a:r>
-            <a:endParaRPr lang="en-GB" dirty="0" smtClean="0"/>
+              <a:rPr lang="en-GB" dirty="0"/>
+              <a:t> equation relates scores of X (e.g., Screen Time) to scores of Y (e.g</a:t>
+            </a:r>
+            <a:r>
+              <a:rPr lang="en-GB"/>
+              <a:t>., Anxiety).</a:t>
+            </a:r>
+            <a:endParaRPr lang="en-GB" dirty="0"/>
           </a:p>
           <a:p>
             <a:pPr lvl="1"/>
             <a:r>
-              <a:rPr lang="en-GB" dirty="0" smtClean="0"/>
+              <a:rPr lang="en-GB" dirty="0"/>
               <a:t>The equation is a </a:t>
             </a:r>
             <a:r>
-              <a:rPr lang="en-GB" b="1" dirty="0" smtClean="0">
+              <a:rPr lang="en-GB" b="1" dirty="0">
                 <a:solidFill>
                   <a:srgbClr val="0070C0"/>
                 </a:solidFill>
@@ -21277,7 +20688,7 @@
               <a:t>statistical model</a:t>
             </a:r>
             <a:r>
-              <a:rPr lang="en-GB" dirty="0" smtClean="0">
+              <a:rPr lang="en-GB" dirty="0">
                 <a:solidFill>
                   <a:srgbClr val="0070C0"/>
                 </a:solidFill>
@@ -21285,13 +20696,13 @@
               <a:t> </a:t>
             </a:r>
             <a:r>
-              <a:rPr lang="en-GB" dirty="0" smtClean="0"/>
+              <a:rPr lang="en-GB" dirty="0"/>
               <a:t>of the relationship between X and Y.</a:t>
             </a:r>
           </a:p>
           <a:p>
             <a:pPr lvl="1"/>
-            <a:endParaRPr lang="en-GB" dirty="0" smtClean="0"/>
+            <a:endParaRPr lang="en-GB" dirty="0"/>
           </a:p>
           <a:p>
             <a:r>
@@ -21300,21 +20711,13 @@
                   <a:schemeClr val="tx2"/>
                 </a:solidFill>
               </a:rPr>
-              <a:t>Widely used in </a:t>
-            </a:r>
-            <a:r>
-              <a:rPr lang="en-GB" b="1" dirty="0" smtClean="0">
-                <a:solidFill>
-                  <a:schemeClr val="tx2"/>
-                </a:solidFill>
-              </a:rPr>
-              <a:t>psychology</a:t>
-            </a:r>
-            <a:endParaRPr lang="en-GB" dirty="0" smtClean="0"/>
+              <a:t>Widely used in psychology</a:t>
+            </a:r>
+            <a:endParaRPr lang="en-GB" dirty="0"/>
           </a:p>
           <a:p>
             <a:pPr lvl="1"/>
-            <a:endParaRPr lang="en-GB" dirty="0" smtClean="0"/>
+            <a:endParaRPr lang="en-GB" dirty="0"/>
           </a:p>
         </p:txBody>
       </p:sp>
@@ -21670,7 +21073,7 @@
               <a:buNone/>
             </a:pPr>
             <a:r>
-              <a:rPr lang="en-GB" b="1" dirty="0" err="1" smtClean="0">
+              <a:rPr lang="en-GB" b="1" dirty="0" err="1">
                 <a:solidFill>
                   <a:schemeClr val="tx2"/>
                 </a:solidFill>
@@ -21678,7 +21081,7 @@
               <a:t>Teychenne</a:t>
             </a:r>
             <a:r>
-              <a:rPr lang="en-GB" b="1" dirty="0" smtClean="0">
+              <a:rPr lang="en-GB" b="1" dirty="0">
                 <a:solidFill>
                   <a:schemeClr val="tx2"/>
                 </a:solidFill>
@@ -21686,7 +21089,7 @@
               <a:t> &amp; </a:t>
             </a:r>
             <a:r>
-              <a:rPr lang="en-GB" b="1" dirty="0" err="1" smtClean="0">
+              <a:rPr lang="en-GB" b="1" dirty="0" err="1">
                 <a:solidFill>
                   <a:schemeClr val="tx2"/>
                 </a:solidFill>
@@ -21694,7 +21097,7 @@
               <a:t>Hinkley</a:t>
             </a:r>
             <a:r>
-              <a:rPr lang="en-GB" b="1" dirty="0" smtClean="0">
+              <a:rPr lang="en-GB" b="1" dirty="0">
                 <a:solidFill>
                   <a:schemeClr val="tx2"/>
                 </a:solidFill>
@@ -21707,11 +21110,11 @@
               <a:buNone/>
             </a:pPr>
             <a:r>
-              <a:rPr lang="en-GB" dirty="0" smtClean="0"/>
+              <a:rPr lang="en-GB" dirty="0"/>
               <a:t>Used regression to investigate whether </a:t>
             </a:r>
             <a:r>
-              <a:rPr lang="en-GB" dirty="0" smtClean="0">
+              <a:rPr lang="en-GB" dirty="0">
                 <a:solidFill>
                   <a:schemeClr val="tx2"/>
                 </a:solidFill>
@@ -21719,11 +21122,11 @@
               <a:t>screen time </a:t>
             </a:r>
             <a:r>
-              <a:rPr lang="en-GB" dirty="0" smtClean="0"/>
+              <a:rPr lang="en-GB" dirty="0"/>
               <a:t>is associated with </a:t>
             </a:r>
             <a:r>
-              <a:rPr lang="en-GB" dirty="0" smtClean="0">
+              <a:rPr lang="en-GB" dirty="0">
                 <a:solidFill>
                   <a:schemeClr val="tx2"/>
                 </a:solidFill>
@@ -21731,7 +21134,7 @@
               <a:t>anxiety</a:t>
             </a:r>
             <a:r>
-              <a:rPr lang="en-GB" dirty="0" smtClean="0"/>
+              <a:rPr lang="en-GB" dirty="0"/>
               <a:t> symptoms in 528 mothers with young children </a:t>
             </a:r>
           </a:p>
@@ -21739,7 +21142,7 @@
             <a:pPr marL="457200" lvl="1" indent="0">
               <a:buNone/>
             </a:pPr>
-            <a:endParaRPr lang="en-GB" dirty="0" smtClean="0"/>
+            <a:endParaRPr lang="en-GB" dirty="0"/>
           </a:p>
           <a:p>
             <a:endParaRPr lang="en-GB" dirty="0"/>
@@ -21821,13 +21224,6 @@
   <p:clrMapOvr>
     <a:masterClrMapping/>
   </p:clrMapOvr>
-  <p:timing>
-    <p:tnLst>
-      <p:par>
-        <p:cTn id="1" dur="indefinite" restart="never" nodeType="tmRoot"/>
-      </p:par>
-    </p:tnLst>
-  </p:timing>
 </p:sld>
 </file>
 
@@ -21911,10 +21307,9 @@
           </a:lstStyle>
           <a:p>
             <a:r>
-              <a:rPr lang="en-GB" dirty="0" smtClean="0"/>
+              <a:rPr lang="en-GB" dirty="0"/>
               <a:t>Simple Linear Regression</a:t>
             </a:r>
-            <a:endParaRPr lang="en-GB" dirty="0"/>
           </a:p>
         </p:txBody>
       </p:sp>
@@ -24292,7 +23687,6 @@
             <a:headEnd/>
             <a:tailEnd/>
           </a:ln>
-          <a:extLst/>
         </p:spPr>
         <p:style>
           <a:lnRef idx="1">
@@ -24378,25 +23772,20 @@
           <a:p>
             <a:pPr algn="ctr"/>
             <a:r>
-              <a:rPr lang="en-GB" sz="4000" b="1" dirty="0" smtClean="0"/>
+              <a:rPr lang="en-GB" sz="4000" b="1" dirty="0"/>
               <a:t>X</a:t>
             </a:r>
           </a:p>
           <a:p>
             <a:pPr algn="ctr"/>
             <a:r>
-              <a:rPr lang="en-GB" sz="2400" b="1" dirty="0" smtClean="0">
+              <a:rPr lang="en-GB" sz="2400" b="1" dirty="0">
                 <a:solidFill>
                   <a:schemeClr val="tx2"/>
                 </a:solidFill>
               </a:rPr>
               <a:t>(e.g., Screen Time)</a:t>
             </a:r>
-            <a:endParaRPr lang="en-GB" sz="2400" b="1" dirty="0">
-              <a:solidFill>
-                <a:schemeClr val="tx2"/>
-              </a:solidFill>
-            </a:endParaRPr>
           </a:p>
         </p:txBody>
       </p:sp>
@@ -24424,25 +23813,20 @@
           <a:p>
             <a:pPr algn="ctr"/>
             <a:r>
-              <a:rPr lang="en-GB" sz="4000" b="1" dirty="0" smtClean="0"/>
+              <a:rPr lang="en-GB" sz="4000" b="1" dirty="0"/>
               <a:t>Y</a:t>
             </a:r>
           </a:p>
           <a:p>
             <a:pPr algn="ctr"/>
             <a:r>
-              <a:rPr lang="en-GB" sz="2400" b="1" dirty="0" smtClean="0">
+              <a:rPr lang="en-GB" sz="2400" b="1" dirty="0">
                 <a:solidFill>
                   <a:schemeClr val="tx2"/>
                 </a:solidFill>
               </a:rPr>
               <a:t>(e.g., Anxiety)</a:t>
             </a:r>
-            <a:endParaRPr lang="en-GB" sz="2400" b="1" dirty="0">
-              <a:solidFill>
-                <a:schemeClr val="tx2"/>
-              </a:solidFill>
-            </a:endParaRPr>
           </a:p>
         </p:txBody>
       </p:sp>
@@ -24468,18 +23852,18 @@
           </a:bodyPr>
           <a:lstStyle/>
           <a:p>
-            <a:endParaRPr lang="en-GB" sz="2000" dirty="0" smtClean="0"/>
-          </a:p>
-          <a:p>
-            <a:r>
-              <a:rPr lang="en-GB" sz="2000" dirty="0" smtClean="0"/>
+            <a:endParaRPr lang="en-GB" sz="2000" dirty="0"/>
+          </a:p>
+          <a:p>
+            <a:r>
+              <a:rPr lang="en-GB" sz="2000" dirty="0"/>
               <a:t>The relation between variables X and Y is described as a </a:t>
             </a:r>
             <a:br>
-              <a:rPr lang="en-GB" sz="2000" dirty="0" smtClean="0"/>
+              <a:rPr lang="en-GB" sz="2000" dirty="0"/>
             </a:br>
             <a:r>
-              <a:rPr lang="en-GB" sz="2000" b="1" dirty="0" smtClean="0">
+              <a:rPr lang="en-GB" sz="2000" b="1" dirty="0">
                 <a:solidFill>
                   <a:schemeClr val="accent1"/>
                 </a:solidFill>
@@ -24487,14 +23871,14 @@
               <a:t>straight line </a:t>
             </a:r>
             <a:br>
-              <a:rPr lang="en-GB" sz="2000" b="1" dirty="0" smtClean="0">
+              <a:rPr lang="en-GB" sz="2000" b="1" dirty="0">
                 <a:solidFill>
                   <a:schemeClr val="accent1"/>
                 </a:solidFill>
               </a:rPr>
             </a:br>
             <a:r>
-              <a:rPr lang="en-GB" sz="2000" dirty="0" smtClean="0"/>
+              <a:rPr lang="en-GB" sz="2000" dirty="0"/>
               <a:t>(i.e., a linear relationship).</a:t>
             </a:r>
           </a:p>
@@ -24503,11 +23887,11 @@
           </a:p>
           <a:p>
             <a:r>
-              <a:rPr lang="en-GB" sz="2000" dirty="0" smtClean="0"/>
+              <a:rPr lang="en-GB" sz="2000" dirty="0"/>
               <a:t>The line is </a:t>
             </a:r>
             <a:r>
-              <a:rPr lang="en-GB" sz="2000" b="1" dirty="0" smtClean="0">
+              <a:rPr lang="en-GB" sz="2000" b="1" dirty="0">
                 <a:solidFill>
                   <a:schemeClr val="accent1"/>
                 </a:solidFill>
@@ -24515,10 +23899,9 @@
               <a:t>described by an equation </a:t>
             </a:r>
             <a:r>
-              <a:rPr lang="en-GB" sz="2000" dirty="0" smtClean="0"/>
+              <a:rPr lang="en-GB" sz="2000" dirty="0"/>
               <a:t>that relates the values of X to the values of Y.</a:t>
             </a:r>
-            <a:endParaRPr lang="en-GB" sz="2000" dirty="0"/>
           </a:p>
         </p:txBody>
       </p:sp>
@@ -24834,10 +24217,9 @@
           <a:lstStyle/>
           <a:p>
             <a:r>
-              <a:rPr lang="en-GB" dirty="0" smtClean="0"/>
+              <a:rPr lang="en-GB" dirty="0"/>
               <a:t>The Simple Regression Equation</a:t>
             </a:r>
-            <a:endParaRPr lang="en-GB" dirty="0"/>
           </a:p>
         </p:txBody>
       </p:sp>
@@ -24888,30 +24270,22 @@
               <a:buNone/>
             </a:pPr>
             <a:r>
-              <a:rPr lang="en-GB" b="1" dirty="0" smtClean="0"/>
+              <a:rPr lang="en-GB" b="1" dirty="0"/>
               <a:t>Ŷ</a:t>
             </a:r>
             <a:r>
-              <a:rPr lang="en-GB" dirty="0" smtClean="0"/>
-              <a:t> </a:t>
-            </a:r>
-            <a:r>
               <a:rPr lang="en-GB" dirty="0"/>
-              <a:t> </a:t>
-            </a:r>
-            <a:r>
-              <a:rPr lang="en-GB" dirty="0" smtClean="0"/>
-              <a:t>	The predicted value of the outcome variable </a:t>
+              <a:t>  	The predicted value of the outcome variable </a:t>
             </a:r>
             <a:br>
-              <a:rPr lang="en-GB" dirty="0" smtClean="0"/>
+              <a:rPr lang="en-GB" dirty="0"/>
             </a:br>
             <a:r>
-              <a:rPr lang="en-GB" dirty="0" smtClean="0"/>
+              <a:rPr lang="en-GB" dirty="0"/>
               <a:t>	(e.g., </a:t>
             </a:r>
             <a:r>
-              <a:rPr lang="en-GB" b="1" dirty="0" smtClean="0">
+              <a:rPr lang="en-GB" b="1" dirty="0">
                 <a:solidFill>
                   <a:schemeClr val="tx2"/>
                 </a:solidFill>
@@ -24919,7 +24293,7 @@
               <a:t>Anxiety</a:t>
             </a:r>
             <a:r>
-              <a:rPr lang="en-GB" dirty="0" smtClean="0"/>
+              <a:rPr lang="en-GB" dirty="0"/>
               <a:t> score) (pronounced “y-hat”)</a:t>
             </a:r>
           </a:p>
@@ -24928,16 +24302,12 @@
               <a:buNone/>
             </a:pPr>
             <a:r>
-              <a:rPr lang="en-GB" b="1" dirty="0" smtClean="0"/>
+              <a:rPr lang="en-GB" b="1" dirty="0"/>
               <a:t>a</a:t>
             </a:r>
             <a:r>
-              <a:rPr lang="en-GB" dirty="0" smtClean="0"/>
-              <a:t>	The </a:t>
-            </a:r>
-            <a:r>
               <a:rPr lang="en-GB" dirty="0"/>
-              <a:t>intercept</a:t>
+              <a:t>	The intercept</a:t>
             </a:r>
           </a:p>
           <a:p>
@@ -24950,15 +24320,7 @@
             </a:r>
             <a:r>
               <a:rPr lang="en-GB" dirty="0"/>
-              <a:t> 	</a:t>
-            </a:r>
-            <a:r>
-              <a:rPr lang="en-GB" dirty="0" smtClean="0"/>
-              <a:t>The </a:t>
-            </a:r>
-            <a:r>
-              <a:rPr lang="en-GB" dirty="0"/>
-              <a:t>slope</a:t>
+              <a:t> 	The slope</a:t>
             </a:r>
           </a:p>
           <a:p>
@@ -24966,15 +24328,15 @@
               <a:buNone/>
             </a:pPr>
             <a:r>
-              <a:rPr lang="en-GB" b="1" dirty="0" smtClean="0"/>
+              <a:rPr lang="en-GB" b="1" dirty="0"/>
               <a:t>X</a:t>
             </a:r>
             <a:r>
-              <a:rPr lang="en-GB" dirty="0" smtClean="0"/>
+              <a:rPr lang="en-GB" dirty="0"/>
               <a:t>	The predictor variable (e.g., </a:t>
             </a:r>
             <a:r>
-              <a:rPr lang="en-GB" b="1" dirty="0" smtClean="0">
+              <a:rPr lang="en-GB" b="1" dirty="0">
                 <a:solidFill>
                   <a:schemeClr val="tx2"/>
                 </a:solidFill>
@@ -24982,7 +24344,7 @@
               <a:t>Screen Time </a:t>
             </a:r>
             <a:r>
-              <a:rPr lang="en-GB" dirty="0" smtClean="0"/>
+              <a:rPr lang="en-GB" dirty="0"/>
               <a:t>score)</a:t>
             </a:r>
           </a:p>
@@ -25367,10 +24729,9 @@
           <a:lstStyle/>
           <a:p>
             <a:r>
-              <a:rPr lang="en-GB" dirty="0" smtClean="0"/>
+              <a:rPr lang="en-GB" dirty="0"/>
               <a:t>The Intercept a</a:t>
             </a:r>
-            <a:endParaRPr lang="en-GB" dirty="0"/>
           </a:p>
         </p:txBody>
       </p:sp>
@@ -25469,7 +24830,7 @@
           <a:lstStyle/>
           <a:p>
             <a:r>
-              <a:rPr lang="en-GB" sz="4000" b="1" dirty="0" smtClean="0"/>
+              <a:rPr lang="en-GB" sz="4000" b="1" dirty="0"/>
               <a:t>X</a:t>
             </a:r>
             <a:endParaRPr lang="en-GB" b="1" dirty="0"/>
@@ -25499,7 +24860,7 @@
           <a:lstStyle/>
           <a:p>
             <a:r>
-              <a:rPr lang="en-GB" sz="4000" b="1" dirty="0" smtClean="0"/>
+              <a:rPr lang="en-GB" sz="4000" b="1" dirty="0"/>
               <a:t>Y</a:t>
             </a:r>
             <a:endParaRPr lang="en-GB" b="1" dirty="0"/>
@@ -25640,7 +25001,7 @@
           <a:lstStyle/>
           <a:p>
             <a:r>
-              <a:rPr lang="en-GB" sz="4000" b="1" dirty="0" smtClean="0">
+              <a:rPr lang="en-GB" sz="4000" b="1" dirty="0">
                 <a:solidFill>
                   <a:schemeClr val="tx2"/>
                 </a:solidFill>
@@ -25678,7 +25039,7 @@
           <a:lstStyle/>
           <a:p>
             <a:r>
-              <a:rPr lang="en-GB" sz="4000" b="1" dirty="0" smtClean="0"/>
+              <a:rPr lang="en-GB" sz="4000" b="1" dirty="0"/>
               <a:t>0</a:t>
             </a:r>
             <a:endParaRPr lang="en-GB" b="1" dirty="0"/>
@@ -25708,11 +25069,11 @@
           <a:lstStyle/>
           <a:p>
             <a:r>
-              <a:rPr lang="en-GB" sz="2400" dirty="0" smtClean="0"/>
+              <a:rPr lang="en-GB" sz="2400" dirty="0"/>
               <a:t>The intercept </a:t>
             </a:r>
             <a:r>
-              <a:rPr lang="en-GB" sz="2400" b="1" dirty="0" smtClean="0">
+              <a:rPr lang="en-GB" sz="2400" b="1" dirty="0">
                 <a:solidFill>
                   <a:schemeClr val="tx2"/>
                 </a:solidFill>
@@ -25720,11 +25081,11 @@
               <a:t>a</a:t>
             </a:r>
             <a:r>
-              <a:rPr lang="en-GB" sz="2400" dirty="0" smtClean="0"/>
+              <a:rPr lang="en-GB" sz="2400" dirty="0"/>
               <a:t> is the value of Y when X equals </a:t>
             </a:r>
             <a:r>
-              <a:rPr lang="en-GB" sz="2400" dirty="0" smtClean="0">
+              <a:rPr lang="en-GB" sz="2400" dirty="0">
                 <a:solidFill>
                   <a:schemeClr val="accent1"/>
                 </a:solidFill>
@@ -25732,7 +25093,7 @@
               <a:t>zero</a:t>
             </a:r>
             <a:r>
-              <a:rPr lang="en-GB" sz="2400" dirty="0" smtClean="0"/>
+              <a:rPr lang="en-GB" sz="2400" dirty="0"/>
               <a:t>.</a:t>
             </a:r>
           </a:p>
@@ -25741,10 +25102,9 @@
           </a:p>
           <a:p>
             <a:r>
-              <a:rPr lang="en-GB" sz="2400" dirty="0" smtClean="0"/>
+              <a:rPr lang="en-GB" sz="2400" dirty="0"/>
               <a:t>The point where the line ‘cuts’ the y-axis</a:t>
             </a:r>
-            <a:endParaRPr lang="en-GB" sz="2400" dirty="0"/>
           </a:p>
         </p:txBody>
       </p:sp>
